--- a/articulo 1 XAI/Presentación/Presentacion XAI version 1_JA.pptx
+++ b/articulo 1 XAI/Presentación/Presentacion XAI version 1_JA.pptx
@@ -25,11 +25,11 @@
     <p:sldId id="325" r:id="rId16"/>
     <p:sldId id="326" r:id="rId17"/>
     <p:sldId id="328" r:id="rId18"/>
-    <p:sldId id="340" r:id="rId19"/>
-    <p:sldId id="306" r:id="rId20"/>
-    <p:sldId id="317" r:id="rId21"/>
-    <p:sldId id="329" r:id="rId22"/>
-    <p:sldId id="330" r:id="rId23"/>
+    <p:sldId id="306" r:id="rId19"/>
+    <p:sldId id="317" r:id="rId20"/>
+    <p:sldId id="329" r:id="rId21"/>
+    <p:sldId id="330" r:id="rId22"/>
+    <p:sldId id="343" r:id="rId23"/>
     <p:sldId id="331" r:id="rId24"/>
     <p:sldId id="299" r:id="rId25"/>
     <p:sldId id="300" r:id="rId26"/>
@@ -169,9 +169,122 @@
 <file path=ppt/revisionInfo.xml><?xml version="1.0" encoding="utf-8"?>
 <p1510:revInfo xmlns:a="http://schemas.openxmlformats.org/drawingml/2006/main" xmlns:r="http://schemas.openxmlformats.org/officeDocument/2006/relationships" xmlns:p1510="http://schemas.microsoft.com/office/powerpoint/2015/10/main">
   <p1510:revLst>
-    <p1510:client id="{61B78C06-3064-4BA3-A5B5-5B1559E6CA4F}" v="17" dt="2024-09-02T11:43:13.902"/>
+    <p1510:client id="{EA9651C7-8F79-47D7-BC97-B2B21E23D8D3}" v="21" dt="2024-09-09T16:15:54.676"/>
   </p1510:revLst>
 </p1510:revInfo>
+</file>
+
+<file path=ppt/changesInfos/changesInfo1.xml><?xml version="1.0" encoding="utf-8"?>
+<pc:chgInfo xmlns:a="http://schemas.openxmlformats.org/drawingml/2006/main" xmlns:r="http://schemas.openxmlformats.org/officeDocument/2006/relationships" xmlns:ac="http://schemas.microsoft.com/office/drawing/2013/main/command" xmlns:pc="http://schemas.microsoft.com/office/powerpoint/2013/main/command">
+  <pc:docChgLst>
+    <pc:chgData name="Gonzalez Moyano, Ricardo" userId="5b44e8b1-3a70-41c8-8d8a-36b87a296b66" providerId="ADAL" clId="{EA9651C7-8F79-47D7-BC97-B2B21E23D8D3}"/>
+    <pc:docChg chg="undo custSel addSld delSld modSld">
+      <pc:chgData name="Gonzalez Moyano, Ricardo" userId="5b44e8b1-3a70-41c8-8d8a-36b87a296b66" providerId="ADAL" clId="{EA9651C7-8F79-47D7-BC97-B2B21E23D8D3}" dt="2024-09-09T16:17:23.927" v="240" actId="1076"/>
+      <pc:docMkLst>
+        <pc:docMk/>
+      </pc:docMkLst>
+      <pc:sldChg chg="modSp mod">
+        <pc:chgData name="Gonzalez Moyano, Ricardo" userId="5b44e8b1-3a70-41c8-8d8a-36b87a296b66" providerId="ADAL" clId="{EA9651C7-8F79-47D7-BC97-B2B21E23D8D3}" dt="2024-09-09T11:34:13.060" v="42" actId="14100"/>
+        <pc:sldMkLst>
+          <pc:docMk/>
+          <pc:sldMk cId="2265105320" sldId="318"/>
+        </pc:sldMkLst>
+        <pc:spChg chg="mod">
+          <ac:chgData name="Gonzalez Moyano, Ricardo" userId="5b44e8b1-3a70-41c8-8d8a-36b87a296b66" providerId="ADAL" clId="{EA9651C7-8F79-47D7-BC97-B2B21E23D8D3}" dt="2024-09-09T11:34:13.060" v="42" actId="14100"/>
+          <ac:spMkLst>
+            <pc:docMk/>
+            <pc:sldMk cId="2265105320" sldId="318"/>
+            <ac:spMk id="3" creationId="{F2F9E890-B6DE-48DE-8F6A-A85504366140}"/>
+          </ac:spMkLst>
+        </pc:spChg>
+      </pc:sldChg>
+      <pc:sldChg chg="addSp delSp modSp mod">
+        <pc:chgData name="Gonzalez Moyano, Ricardo" userId="5b44e8b1-3a70-41c8-8d8a-36b87a296b66" providerId="ADAL" clId="{EA9651C7-8F79-47D7-BC97-B2B21E23D8D3}" dt="2024-09-09T14:30:30.226" v="114" actId="20577"/>
+        <pc:sldMkLst>
+          <pc:docMk/>
+          <pc:sldMk cId="2087636463" sldId="326"/>
+        </pc:sldMkLst>
+        <pc:spChg chg="del mod">
+          <ac:chgData name="Gonzalez Moyano, Ricardo" userId="5b44e8b1-3a70-41c8-8d8a-36b87a296b66" providerId="ADAL" clId="{EA9651C7-8F79-47D7-BC97-B2B21E23D8D3}" dt="2024-09-09T14:16:12.482" v="46" actId="478"/>
+          <ac:spMkLst>
+            <pc:docMk/>
+            <pc:sldMk cId="2087636463" sldId="326"/>
+            <ac:spMk id="3" creationId="{4494177C-73C9-19D2-B33F-3A421F270BD1}"/>
+          </ac:spMkLst>
+        </pc:spChg>
+        <pc:spChg chg="add del mod">
+          <ac:chgData name="Gonzalez Moyano, Ricardo" userId="5b44e8b1-3a70-41c8-8d8a-36b87a296b66" providerId="ADAL" clId="{EA9651C7-8F79-47D7-BC97-B2B21E23D8D3}" dt="2024-09-09T14:16:24.595" v="49" actId="478"/>
+          <ac:spMkLst>
+            <pc:docMk/>
+            <pc:sldMk cId="2087636463" sldId="326"/>
+            <ac:spMk id="8" creationId="{BF22BB13-64B1-54FD-0371-FA250557AAD1}"/>
+          </ac:spMkLst>
+        </pc:spChg>
+        <pc:spChg chg="add mod">
+          <ac:chgData name="Gonzalez Moyano, Ricardo" userId="5b44e8b1-3a70-41c8-8d8a-36b87a296b66" providerId="ADAL" clId="{EA9651C7-8F79-47D7-BC97-B2B21E23D8D3}" dt="2024-09-09T14:30:30.226" v="114" actId="20577"/>
+          <ac:spMkLst>
+            <pc:docMk/>
+            <pc:sldMk cId="2087636463" sldId="326"/>
+            <ac:spMk id="9" creationId="{6B71FE13-505A-31EC-2275-58C89D81F1FB}"/>
+          </ac:spMkLst>
+        </pc:spChg>
+      </pc:sldChg>
+      <pc:sldChg chg="addSp modSp mod">
+        <pc:chgData name="Gonzalez Moyano, Ricardo" userId="5b44e8b1-3a70-41c8-8d8a-36b87a296b66" providerId="ADAL" clId="{EA9651C7-8F79-47D7-BC97-B2B21E23D8D3}" dt="2024-09-09T15:40:42.031" v="215" actId="20577"/>
+        <pc:sldMkLst>
+          <pc:docMk/>
+          <pc:sldMk cId="3672572066" sldId="330"/>
+        </pc:sldMkLst>
+        <pc:spChg chg="add mod">
+          <ac:chgData name="Gonzalez Moyano, Ricardo" userId="5b44e8b1-3a70-41c8-8d8a-36b87a296b66" providerId="ADAL" clId="{EA9651C7-8F79-47D7-BC97-B2B21E23D8D3}" dt="2024-09-09T15:40:42.031" v="215" actId="20577"/>
+          <ac:spMkLst>
+            <pc:docMk/>
+            <pc:sldMk cId="3672572066" sldId="330"/>
+            <ac:spMk id="3" creationId="{7174AC12-8856-074F-931F-B0E18FF41F58}"/>
+          </ac:spMkLst>
+        </pc:spChg>
+        <pc:picChg chg="mod">
+          <ac:chgData name="Gonzalez Moyano, Ricardo" userId="5b44e8b1-3a70-41c8-8d8a-36b87a296b66" providerId="ADAL" clId="{EA9651C7-8F79-47D7-BC97-B2B21E23D8D3}" dt="2024-09-09T15:28:08.947" v="115" actId="1076"/>
+          <ac:picMkLst>
+            <pc:docMk/>
+            <pc:sldMk cId="3672572066" sldId="330"/>
+            <ac:picMk id="9" creationId="{0D3A521F-F6B8-F43A-6BC5-AF492AD9868F}"/>
+          </ac:picMkLst>
+        </pc:picChg>
+      </pc:sldChg>
+      <pc:sldChg chg="del">
+        <pc:chgData name="Gonzalez Moyano, Ricardo" userId="5b44e8b1-3a70-41c8-8d8a-36b87a296b66" providerId="ADAL" clId="{EA9651C7-8F79-47D7-BC97-B2B21E23D8D3}" dt="2024-09-09T09:45:47.743" v="0" actId="2696"/>
+        <pc:sldMkLst>
+          <pc:docMk/>
+          <pc:sldMk cId="1351539447" sldId="340"/>
+        </pc:sldMkLst>
+      </pc:sldChg>
+      <pc:sldChg chg="addSp delSp modSp add mod">
+        <pc:chgData name="Gonzalez Moyano, Ricardo" userId="5b44e8b1-3a70-41c8-8d8a-36b87a296b66" providerId="ADAL" clId="{EA9651C7-8F79-47D7-BC97-B2B21E23D8D3}" dt="2024-09-09T16:17:23.927" v="240" actId="1076"/>
+        <pc:sldMkLst>
+          <pc:docMk/>
+          <pc:sldMk cId="1625249783" sldId="343"/>
+        </pc:sldMkLst>
+        <pc:graphicFrameChg chg="add mod modGraphic">
+          <ac:chgData name="Gonzalez Moyano, Ricardo" userId="5b44e8b1-3a70-41c8-8d8a-36b87a296b66" providerId="ADAL" clId="{EA9651C7-8F79-47D7-BC97-B2B21E23D8D3}" dt="2024-09-09T16:17:23.927" v="240" actId="1076"/>
+          <ac:graphicFrameMkLst>
+            <pc:docMk/>
+            <pc:sldMk cId="1625249783" sldId="343"/>
+            <ac:graphicFrameMk id="6" creationId="{411E46F6-B821-8549-004E-DB659182C06C}"/>
+          </ac:graphicFrameMkLst>
+        </pc:graphicFrameChg>
+        <pc:picChg chg="del">
+          <ac:chgData name="Gonzalez Moyano, Ricardo" userId="5b44e8b1-3a70-41c8-8d8a-36b87a296b66" providerId="ADAL" clId="{EA9651C7-8F79-47D7-BC97-B2B21E23D8D3}" dt="2024-09-09T16:15:48.666" v="217" actId="478"/>
+          <ac:picMkLst>
+            <pc:docMk/>
+            <pc:sldMk cId="1625249783" sldId="343"/>
+            <ac:picMk id="9" creationId="{0D3A521F-F6B8-F43A-6BC5-AF492AD9868F}"/>
+          </ac:picMkLst>
+        </pc:picChg>
+      </pc:sldChg>
+    </pc:docChg>
+  </pc:docChgLst>
+</pc:chgInfo>
 </file>
 
 <file path=ppt/comments/modernComment_12C_4C7E9C53.xml><?xml version="1.0" encoding="utf-8"?>
@@ -308,7 +421,7 @@
           <a:p>
             <a:fld id="{2DB79FB7-5658-4FB3-B98D-B463C580F970}" type="datetimeFigureOut">
               <a:rPr lang="es-ES" smtClean="0"/>
-              <a:t>08/09/2024</a:t>
+              <a:t>09/09/2024</a:t>
             </a:fld>
             <a:endParaRPr lang="es-ES"/>
           </a:p>
@@ -1385,151 +1498,6 @@
 </file>
 
 <file path=ppt/notesSlides/notesSlide15.xml><?xml version="1.0" encoding="utf-8"?>
-<p:notes xmlns:a="http://schemas.openxmlformats.org/drawingml/2006/main" xmlns:r="http://schemas.openxmlformats.org/officeDocument/2006/relationships" xmlns:p="http://schemas.openxmlformats.org/presentationml/2006/main">
-  <p:cSld>
-    <p:spTree>
-      <p:nvGrpSpPr>
-        <p:cNvPr id="1" name=""/>
-        <p:cNvGrpSpPr/>
-        <p:nvPr/>
-      </p:nvGrpSpPr>
-      <p:grpSpPr>
-        <a:xfrm>
-          <a:off x="0" y="0"/>
-          <a:ext cx="0" cy="0"/>
-          <a:chOff x="0" y="0"/>
-          <a:chExt cx="0" cy="0"/>
-        </a:xfrm>
-      </p:grpSpPr>
-      <p:sp>
-        <p:nvSpPr>
-          <p:cNvPr id="2" name="Marcador de imagen de diapositiva 1"/>
-          <p:cNvSpPr>
-            <a:spLocks noGrp="1" noRot="1" noChangeAspect="1"/>
-          </p:cNvSpPr>
-          <p:nvPr>
-            <p:ph type="sldImg"/>
-          </p:nvPr>
-        </p:nvSpPr>
-        <p:spPr/>
-      </p:sp>
-      <p:sp>
-        <p:nvSpPr>
-          <p:cNvPr id="3" name="Marcador de notas 2"/>
-          <p:cNvSpPr>
-            <a:spLocks noGrp="1"/>
-          </p:cNvSpPr>
-          <p:nvPr>
-            <p:ph type="body" idx="1"/>
-          </p:nvPr>
-        </p:nvSpPr>
-        <p:spPr/>
-        <p:txBody>
-          <a:bodyPr/>
-          <a:lstStyle/>
-          <a:p>
-            <a:pPr marL="0" marR="0" lvl="0" indent="0" algn="l" defTabSz="1371600" rtl="0" eaLnBrk="1" fontAlgn="auto" latinLnBrk="0" hangingPunct="1">
-              <a:lnSpc>
-                <a:spcPct val="100000"/>
-              </a:lnSpc>
-              <a:spcBef>
-                <a:spcPts val="0"/>
-              </a:spcBef>
-              <a:spcAft>
-                <a:spcPts val="0"/>
-              </a:spcAft>
-              <a:buClrTx/>
-              <a:buSzTx/>
-              <a:buFontTx/>
-              <a:buNone/>
-              <a:tabLst/>
-              <a:defRPr/>
-            </a:pPr>
-            <a:r>
-              <a:rPr lang="es-ES" sz="1800" dirty="0">
-                <a:effectLst/>
-                <a:latin typeface="Calibri" panose="020F0502020204030204" pitchFamily="34" charset="0"/>
-                <a:ea typeface="Calibri" panose="020F0502020204030204" pitchFamily="34" charset="0"/>
-                <a:cs typeface="Times New Roman" panose="02020603050405020304" pitchFamily="18" charset="0"/>
-              </a:rPr>
-              <a:t>En este caso, como hemos dicho, se escoge EAT como modelo, también limitando el número de nodos hoja como se hacía con CART. En este caso, como función de pérdidas se escoge el MSE y, de este modo, al sustituir la función de perdidas en la fórmula de los </a:t>
-            </a:r>
-            <a:r>
-              <a:rPr lang="es-ES" sz="1800" dirty="0" err="1">
-                <a:effectLst/>
-                <a:latin typeface="Calibri" panose="020F0502020204030204" pitchFamily="34" charset="0"/>
-                <a:ea typeface="Calibri" panose="020F0502020204030204" pitchFamily="34" charset="0"/>
-                <a:cs typeface="Times New Roman" panose="02020603050405020304" pitchFamily="18" charset="0"/>
-              </a:rPr>
-              <a:t>pseudo-residuos</a:t>
-            </a:r>
-            <a:r>
-              <a:rPr lang="es-ES" sz="1800" dirty="0">
-                <a:effectLst/>
-                <a:latin typeface="Calibri" panose="020F0502020204030204" pitchFamily="34" charset="0"/>
-                <a:ea typeface="Calibri" panose="020F0502020204030204" pitchFamily="34" charset="0"/>
-                <a:cs typeface="Times New Roman" panose="02020603050405020304" pitchFamily="18" charset="0"/>
-              </a:rPr>
-              <a:t> nos queda que estos son la diferencia entre el valor real y el valor observado. Es importante darse cuenta de que como la función de perdidas va a envolver los datos por arriba, la predicción siempre será mayor o igual que el valor real, por lo que los valores de </a:t>
-            </a:r>
-            <a:r>
-              <a:rPr lang="es-ES" sz="1800" dirty="0" err="1">
-                <a:effectLst/>
-                <a:latin typeface="Calibri" panose="020F0502020204030204" pitchFamily="34" charset="0"/>
-                <a:ea typeface="Calibri" panose="020F0502020204030204" pitchFamily="34" charset="0"/>
-                <a:cs typeface="Times New Roman" panose="02020603050405020304" pitchFamily="18" charset="0"/>
-              </a:rPr>
-              <a:t>pseudo-residuos</a:t>
-            </a:r>
-            <a:r>
-              <a:rPr lang="es-ES" sz="1800" dirty="0">
-                <a:effectLst/>
-                <a:latin typeface="Calibri" panose="020F0502020204030204" pitchFamily="34" charset="0"/>
-                <a:ea typeface="Calibri" panose="020F0502020204030204" pitchFamily="34" charset="0"/>
-                <a:cs typeface="Times New Roman" panose="02020603050405020304" pitchFamily="18" charset="0"/>
-              </a:rPr>
-              <a:t> siempre serán negativos o cero. </a:t>
-            </a:r>
-          </a:p>
-        </p:txBody>
-      </p:sp>
-      <p:sp>
-        <p:nvSpPr>
-          <p:cNvPr id="4" name="Marcador de número de diapositiva 3"/>
-          <p:cNvSpPr>
-            <a:spLocks noGrp="1"/>
-          </p:cNvSpPr>
-          <p:nvPr>
-            <p:ph type="sldNum" sz="quarter" idx="5"/>
-          </p:nvPr>
-        </p:nvSpPr>
-        <p:spPr/>
-        <p:txBody>
-          <a:bodyPr/>
-          <a:lstStyle/>
-          <a:p>
-            <a:fld id="{CA6CDE8D-5C8C-4CEB-8086-70F298F6BBD0}" type="slidenum">
-              <a:rPr lang="es-ES" smtClean="0"/>
-              <a:t>18</a:t>
-            </a:fld>
-            <a:endParaRPr lang="es-ES"/>
-          </a:p>
-        </p:txBody>
-      </p:sp>
-    </p:spTree>
-    <p:extLst>
-      <p:ext uri="{BB962C8B-B14F-4D97-AF65-F5344CB8AC3E}">
-        <p14:creationId xmlns:p14="http://schemas.microsoft.com/office/powerpoint/2010/main" val="2958803854"/>
-      </p:ext>
-    </p:extLst>
-  </p:cSld>
-  <p:clrMapOvr>
-    <a:masterClrMapping/>
-  </p:clrMapOvr>
-</p:notes>
-</file>
-
-<file path=ppt/notesSlides/notesSlide16.xml><?xml version="1.0" encoding="utf-8"?>
 <p:notes xmlns:a="http://schemas.openxmlformats.org/drawingml/2006/main" xmlns:r="http://schemas.openxmlformats.org/officeDocument/2006/relationships" xmlns:p="http://schemas.openxmlformats.org/presentationml/2006/main">
   <p:cSld>
     <p:spTree>
@@ -8979,8 +8947,8 @@
           </a:p>
         </p:txBody>
       </p:sp>
-      <mc:AlternateContent xmlns:mc="http://schemas.openxmlformats.org/markup-compatibility/2006" xmlns:a14="http://schemas.microsoft.com/office/drawing/2010/main">
-        <mc:Choice Requires="a14">
+      <mc:AlternateContent xmlns:mc="http://schemas.openxmlformats.org/markup-compatibility/2006">
+        <mc:Choice xmlns:a14="http://schemas.microsoft.com/office/drawing/2010/main" Requires="a14">
           <p:sp>
             <p:nvSpPr>
               <p:cNvPr id="3" name="Marcador de contenido 2">
@@ -8999,8 +8967,8 @@
             </p:nvSpPr>
             <p:spPr>
               <a:xfrm>
-                <a:off x="837580" y="3778865"/>
-                <a:ext cx="8720889" cy="5850074"/>
+                <a:off x="684408" y="3084196"/>
+                <a:ext cx="10510814" cy="6875350"/>
               </a:xfrm>
             </p:spPr>
             <p:txBody>
@@ -9008,6 +8976,12 @@
                 <a:normAutofit/>
               </a:bodyPr>
               <a:lstStyle/>
+              <a:p>
+                <a:r>
+                  <a:rPr lang="en-US" dirty="0"/>
+                  <a:t>DEA like an expert.</a:t>
+                </a:r>
+              </a:p>
               <a:p>
                 <a:r>
                   <a:rPr lang="en-GB" dirty="0"/>
@@ -9138,7 +9112,7 @@
             </p:txBody>
           </p:sp>
         </mc:Choice>
-        <mc:Fallback xmlns="">
+        <mc:Fallback>
           <p:sp>
             <p:nvSpPr>
               <p:cNvPr id="3" name="Marcador de contenido 2">
@@ -9157,13 +9131,13 @@
             </p:nvSpPr>
             <p:spPr>
               <a:xfrm>
-                <a:off x="837580" y="3778865"/>
-                <a:ext cx="8720889" cy="5850074"/>
+                <a:off x="684408" y="3084196"/>
+                <a:ext cx="10510814" cy="6875350"/>
               </a:xfrm>
               <a:blipFill>
                 <a:blip r:embed="rId3"/>
                 <a:stretch>
-                  <a:fillRect l="-2446" t="-3229" r="-1398"/>
+                  <a:fillRect l="-2030" t="-2748"/>
                 </a:stretch>
               </a:blipFill>
             </p:spPr>
@@ -10419,59 +10393,6 @@
       </p:pic>
       <p:sp>
         <p:nvSpPr>
-          <p:cNvPr id="3" name="Marcador de contenido 2">
-            <a:extLst>
-              <a:ext uri="{FF2B5EF4-FFF2-40B4-BE49-F238E27FC236}">
-                <a16:creationId xmlns:a16="http://schemas.microsoft.com/office/drawing/2014/main" id="{4494177C-73C9-19D2-B33F-3A421F270BD1}"/>
-              </a:ext>
-            </a:extLst>
-          </p:cNvPr>
-          <p:cNvSpPr>
-            <a:spLocks noGrp="1"/>
-          </p:cNvSpPr>
-          <p:nvPr>
-            <p:ph sz="half" idx="1"/>
-          </p:nvPr>
-        </p:nvSpPr>
-        <p:spPr>
-          <a:xfrm>
-            <a:off x="1257300" y="3100924"/>
-            <a:ext cx="7772400" cy="6528015"/>
-          </a:xfrm>
-        </p:spPr>
-        <p:txBody>
-          <a:bodyPr>
-            <a:normAutofit/>
-          </a:bodyPr>
-          <a:lstStyle/>
-          <a:p>
-            <a:r>
-              <a:rPr lang="en-GB" dirty="0"/>
-              <a:t>Final dataset.</a:t>
-            </a:r>
-          </a:p>
-          <a:p>
-            <a:endParaRPr lang="en-GB" dirty="0"/>
-          </a:p>
-          <a:p>
-            <a:r>
-              <a:rPr lang="en-GB" dirty="0"/>
-              <a:t>Synthetic data generation.</a:t>
-            </a:r>
-          </a:p>
-          <a:p>
-            <a:endParaRPr lang="en-GB" dirty="0"/>
-          </a:p>
-          <a:p>
-            <a:r>
-              <a:rPr lang="en-GB" dirty="0"/>
-              <a:t>Determinate number of efficient DMUs to achieve the same proportion.</a:t>
-            </a:r>
-          </a:p>
-        </p:txBody>
-      </p:sp>
-      <p:sp>
-        <p:nvSpPr>
           <p:cNvPr id="2" name="Título 1">
             <a:extLst>
               <a:ext uri="{FF2B5EF4-FFF2-40B4-BE49-F238E27FC236}">
@@ -10615,6 +10536,266 @@
               <a:latin typeface="Times New Roman" panose="02020603050405020304" pitchFamily="18" charset="0"/>
               <a:ea typeface="Aptos" panose="020B0004020202020204" pitchFamily="34" charset="0"/>
               <a:cs typeface="Times New Roman" panose="02020603050405020304" pitchFamily="18" charset="0"/>
+            </a:endParaRPr>
+          </a:p>
+        </p:txBody>
+      </p:sp>
+      <p:sp>
+        <p:nvSpPr>
+          <p:cNvPr id="9" name="Marcador de contenido 2">
+            <a:extLst>
+              <a:ext uri="{FF2B5EF4-FFF2-40B4-BE49-F238E27FC236}">
+                <a16:creationId xmlns:a16="http://schemas.microsoft.com/office/drawing/2014/main" id="{6B71FE13-505A-31EC-2275-58C89D81F1FB}"/>
+              </a:ext>
+            </a:extLst>
+          </p:cNvPr>
+          <p:cNvSpPr txBox="1">
+            <a:spLocks/>
+          </p:cNvSpPr>
+          <p:nvPr/>
+        </p:nvSpPr>
+        <p:spPr>
+          <a:xfrm>
+            <a:off x="1257300" y="3100924"/>
+            <a:ext cx="7772400" cy="6528015"/>
+          </a:xfrm>
+          <a:prstGeom prst="rect">
+            <a:avLst/>
+          </a:prstGeom>
+        </p:spPr>
+        <p:txBody>
+          <a:bodyPr vert="horz" lIns="91440" tIns="45720" rIns="91440" bIns="45720" rtlCol="0">
+            <a:normAutofit/>
+          </a:bodyPr>
+          <a:lstStyle>
+            <a:lvl1pPr marL="342900" indent="-342900" algn="l" defTabSz="1371600" rtl="0" eaLnBrk="1" latinLnBrk="0" hangingPunct="1">
+              <a:lnSpc>
+                <a:spcPct val="90000"/>
+              </a:lnSpc>
+              <a:spcBef>
+                <a:spcPts val="1500"/>
+              </a:spcBef>
+              <a:buClr>
+                <a:srgbClr val="636B6F"/>
+              </a:buClr>
+              <a:buFont typeface="Arial" panose="020B0604020202020204" pitchFamily="34" charset="0"/>
+              <a:buChar char="•"/>
+              <a:defRPr sz="4200" kern="1200">
+                <a:solidFill>
+                  <a:schemeClr val="tx1"/>
+                </a:solidFill>
+                <a:latin typeface="DIN" pitchFamily="50" charset="0"/>
+                <a:ea typeface="+mn-ea"/>
+                <a:cs typeface="+mn-cs"/>
+              </a:defRPr>
+            </a:lvl1pPr>
+            <a:lvl2pPr marL="1028700" indent="-342900" algn="l" defTabSz="1371600" rtl="0" eaLnBrk="1" latinLnBrk="0" hangingPunct="1">
+              <a:lnSpc>
+                <a:spcPct val="90000"/>
+              </a:lnSpc>
+              <a:spcBef>
+                <a:spcPts val="750"/>
+              </a:spcBef>
+              <a:buClr>
+                <a:srgbClr val="636B6F"/>
+              </a:buClr>
+              <a:buFont typeface="Arial" panose="020B0604020202020204" pitchFamily="34" charset="0"/>
+              <a:buChar char="•"/>
+              <a:defRPr sz="3600" kern="1200">
+                <a:solidFill>
+                  <a:schemeClr val="tx1"/>
+                </a:solidFill>
+                <a:latin typeface="DIN" pitchFamily="50" charset="0"/>
+                <a:ea typeface="+mn-ea"/>
+                <a:cs typeface="+mn-cs"/>
+              </a:defRPr>
+            </a:lvl2pPr>
+            <a:lvl3pPr marL="1714500" indent="-342900" algn="l" defTabSz="1371600" rtl="0" eaLnBrk="1" latinLnBrk="0" hangingPunct="1">
+              <a:lnSpc>
+                <a:spcPct val="90000"/>
+              </a:lnSpc>
+              <a:spcBef>
+                <a:spcPts val="750"/>
+              </a:spcBef>
+              <a:buClr>
+                <a:srgbClr val="636B6F"/>
+              </a:buClr>
+              <a:buFont typeface="Arial" panose="020B0604020202020204" pitchFamily="34" charset="0"/>
+              <a:buChar char="•"/>
+              <a:defRPr sz="3000" kern="1200">
+                <a:solidFill>
+                  <a:schemeClr val="tx1"/>
+                </a:solidFill>
+                <a:latin typeface="DIN" pitchFamily="50" charset="0"/>
+                <a:ea typeface="+mn-ea"/>
+                <a:cs typeface="+mn-cs"/>
+              </a:defRPr>
+            </a:lvl3pPr>
+            <a:lvl4pPr marL="2400300" indent="-342900" algn="l" defTabSz="1371600" rtl="0" eaLnBrk="1" latinLnBrk="0" hangingPunct="1">
+              <a:lnSpc>
+                <a:spcPct val="90000"/>
+              </a:lnSpc>
+              <a:spcBef>
+                <a:spcPts val="750"/>
+              </a:spcBef>
+              <a:buClr>
+                <a:srgbClr val="636B6F"/>
+              </a:buClr>
+              <a:buFont typeface="Arial" panose="020B0604020202020204" pitchFamily="34" charset="0"/>
+              <a:buChar char="•"/>
+              <a:defRPr sz="2700" kern="1200">
+                <a:solidFill>
+                  <a:schemeClr val="tx1"/>
+                </a:solidFill>
+                <a:latin typeface="DIN" pitchFamily="50" charset="0"/>
+                <a:ea typeface="+mn-ea"/>
+                <a:cs typeface="+mn-cs"/>
+              </a:defRPr>
+            </a:lvl4pPr>
+            <a:lvl5pPr marL="3086100" indent="-342900" algn="l" defTabSz="1371600" rtl="0" eaLnBrk="1" latinLnBrk="0" hangingPunct="1">
+              <a:lnSpc>
+                <a:spcPct val="90000"/>
+              </a:lnSpc>
+              <a:spcBef>
+                <a:spcPts val="750"/>
+              </a:spcBef>
+              <a:buClr>
+                <a:srgbClr val="636B6F"/>
+              </a:buClr>
+              <a:buFont typeface="Arial" panose="020B0604020202020204" pitchFamily="34" charset="0"/>
+              <a:buChar char="•"/>
+              <a:defRPr sz="2700" kern="1200">
+                <a:solidFill>
+                  <a:schemeClr val="tx1"/>
+                </a:solidFill>
+                <a:latin typeface="DIN" pitchFamily="50" charset="0"/>
+                <a:ea typeface="+mn-ea"/>
+                <a:cs typeface="+mn-cs"/>
+              </a:defRPr>
+            </a:lvl5pPr>
+            <a:lvl6pPr marL="3771900" indent="-342900" algn="l" defTabSz="1371600" rtl="0" eaLnBrk="1" latinLnBrk="0" hangingPunct="1">
+              <a:lnSpc>
+                <a:spcPct val="90000"/>
+              </a:lnSpc>
+              <a:spcBef>
+                <a:spcPts val="750"/>
+              </a:spcBef>
+              <a:buFont typeface="Arial" panose="020B0604020202020204" pitchFamily="34" charset="0"/>
+              <a:buChar char="•"/>
+              <a:defRPr sz="2700" kern="1200">
+                <a:solidFill>
+                  <a:schemeClr val="tx1"/>
+                </a:solidFill>
+                <a:latin typeface="+mn-lt"/>
+                <a:ea typeface="+mn-ea"/>
+                <a:cs typeface="+mn-cs"/>
+              </a:defRPr>
+            </a:lvl6pPr>
+            <a:lvl7pPr marL="4457700" indent="-342900" algn="l" defTabSz="1371600" rtl="0" eaLnBrk="1" latinLnBrk="0" hangingPunct="1">
+              <a:lnSpc>
+                <a:spcPct val="90000"/>
+              </a:lnSpc>
+              <a:spcBef>
+                <a:spcPts val="750"/>
+              </a:spcBef>
+              <a:buFont typeface="Arial" panose="020B0604020202020204" pitchFamily="34" charset="0"/>
+              <a:buChar char="•"/>
+              <a:defRPr sz="2700" kern="1200">
+                <a:solidFill>
+                  <a:schemeClr val="tx1"/>
+                </a:solidFill>
+                <a:latin typeface="+mn-lt"/>
+                <a:ea typeface="+mn-ea"/>
+                <a:cs typeface="+mn-cs"/>
+              </a:defRPr>
+            </a:lvl7pPr>
+            <a:lvl8pPr marL="5143500" indent="-342900" algn="l" defTabSz="1371600" rtl="0" eaLnBrk="1" latinLnBrk="0" hangingPunct="1">
+              <a:lnSpc>
+                <a:spcPct val="90000"/>
+              </a:lnSpc>
+              <a:spcBef>
+                <a:spcPts val="750"/>
+              </a:spcBef>
+              <a:buFont typeface="Arial" panose="020B0604020202020204" pitchFamily="34" charset="0"/>
+              <a:buChar char="•"/>
+              <a:defRPr sz="2700" kern="1200">
+                <a:solidFill>
+                  <a:schemeClr val="tx1"/>
+                </a:solidFill>
+                <a:latin typeface="+mn-lt"/>
+                <a:ea typeface="+mn-ea"/>
+                <a:cs typeface="+mn-cs"/>
+              </a:defRPr>
+            </a:lvl8pPr>
+            <a:lvl9pPr marL="5829300" indent="-342900" algn="l" defTabSz="1371600" rtl="0" eaLnBrk="1" latinLnBrk="0" hangingPunct="1">
+              <a:lnSpc>
+                <a:spcPct val="90000"/>
+              </a:lnSpc>
+              <a:spcBef>
+                <a:spcPts val="750"/>
+              </a:spcBef>
+              <a:buFont typeface="Arial" panose="020B0604020202020204" pitchFamily="34" charset="0"/>
+              <a:buChar char="•"/>
+              <a:defRPr sz="2700" kern="1200">
+                <a:solidFill>
+                  <a:schemeClr val="tx1"/>
+                </a:solidFill>
+                <a:latin typeface="+mn-lt"/>
+                <a:ea typeface="+mn-ea"/>
+                <a:cs typeface="+mn-cs"/>
+              </a:defRPr>
+            </a:lvl9pPr>
+          </a:lstStyle>
+          <a:p>
+            <a:r>
+              <a:rPr lang="en-GB" dirty="0"/>
+              <a:t>Final dataset.</a:t>
+            </a:r>
+          </a:p>
+          <a:p>
+            <a:endParaRPr lang="en-GB" dirty="0"/>
+          </a:p>
+          <a:p>
+            <a:endParaRPr lang="en-GB" dirty="0"/>
+          </a:p>
+          <a:p>
+            <a:r>
+              <a:rPr lang="en-US" dirty="0"/>
+              <a:t>30 DMUs to 82 DMUs </a:t>
+            </a:r>
+            <a:r>
+              <a:rPr lang="en-GB" dirty="0"/>
+              <a:t> </a:t>
+            </a:r>
+          </a:p>
+          <a:p>
+            <a:endParaRPr lang="en-GB" dirty="0"/>
+          </a:p>
+          <a:p>
+            <a:endParaRPr lang="en-GB" dirty="0"/>
+          </a:p>
+          <a:p>
+            <a:r>
+              <a:rPr lang="en-GB" dirty="0"/>
+              <a:t>26 efficient vs 56 </a:t>
+            </a:r>
+            <a:r>
+              <a:rPr lang="en-US" dirty="0"/>
+              <a:t>inefficient</a:t>
+            </a:r>
+          </a:p>
+          <a:p>
+            <a:endParaRPr lang="en-US" sz="1800" dirty="0">
+              <a:effectLst/>
+              <a:latin typeface="Times New Roman" panose="02020603050405020304" pitchFamily="18" charset="0"/>
+              <a:ea typeface="Aptos" panose="020B0004020202020204" pitchFamily="34" charset="0"/>
+            </a:endParaRPr>
+          </a:p>
+          <a:p>
+            <a:endParaRPr lang="en-US" sz="1800" dirty="0">
+              <a:effectLst/>
+              <a:latin typeface="Times New Roman" panose="02020603050405020304" pitchFamily="18" charset="0"/>
+              <a:ea typeface="Aptos" panose="020B0004020202020204" pitchFamily="34" charset="0"/>
             </a:endParaRPr>
           </a:p>
         </p:txBody>
@@ -10938,10 +11119,10 @@
       </p:grpSpPr>
       <p:sp>
         <p:nvSpPr>
-          <p:cNvPr id="3" name="Marcador de contenido 2">
+          <p:cNvPr id="2" name="Título 1">
             <a:extLst>
               <a:ext uri="{FF2B5EF4-FFF2-40B4-BE49-F238E27FC236}">
-                <a16:creationId xmlns:a16="http://schemas.microsoft.com/office/drawing/2014/main" id="{4494177C-73C9-19D2-B33F-3A421F270BD1}"/>
+                <a16:creationId xmlns:a16="http://schemas.microsoft.com/office/drawing/2014/main" id="{2F7626E3-0388-9608-3847-B8CEC112678B}"/>
               </a:ext>
             </a:extLst>
           </p:cNvPr>
@@ -10949,61 +11130,32 @@
             <a:spLocks noGrp="1"/>
           </p:cNvSpPr>
           <p:nvPr>
-            <p:ph sz="half" idx="1"/>
-          </p:nvPr>
-        </p:nvSpPr>
-        <p:spPr>
-          <a:xfrm>
-            <a:off x="1257300" y="2738860"/>
-            <a:ext cx="7772400" cy="6528015"/>
-          </a:xfrm>
-        </p:spPr>
-        <p:txBody>
-          <a:bodyPr>
-            <a:normAutofit/>
-          </a:bodyPr>
+            <p:ph type="ctrTitle"/>
+          </p:nvPr>
+        </p:nvSpPr>
+        <p:spPr/>
+        <p:txBody>
+          <a:bodyPr/>
           <a:lstStyle/>
           <a:p>
             <a:r>
-              <a:rPr lang="en-GB" dirty="0"/>
-              <a:t>Tuning the model. </a:t>
-            </a:r>
-            <a:r>
-              <a:rPr lang="en-US" dirty="0"/>
-              <a:t>Optimal hyperparameters.</a:t>
+              <a:rPr lang="en-US" sz="8800" b="1" dirty="0">
+                <a:effectLst/>
+                <a:latin typeface="Times New Roman" panose="02020603050405020304" pitchFamily="18" charset="0"/>
+                <a:ea typeface="Aptos" panose="020B0004020202020204" pitchFamily="34" charset="0"/>
+              </a:rPr>
+              <a:t>An empirical application</a:t>
             </a:r>
             <a:endParaRPr lang="en-GB" dirty="0"/>
           </a:p>
-          <a:p>
-            <a:pPr marL="0" indent="0">
-              <a:buNone/>
-            </a:pPr>
-            <a:endParaRPr lang="en-GB" dirty="0"/>
-          </a:p>
-          <a:p>
-            <a:r>
-              <a:rPr lang="en-GB" dirty="0"/>
-              <a:t>Final regions are defined.</a:t>
-            </a:r>
-          </a:p>
-          <a:p>
-            <a:endParaRPr lang="en-GB" dirty="0"/>
-          </a:p>
-          <a:p>
-            <a:r>
-              <a:rPr lang="en-US" dirty="0"/>
-              <a:t>To classify an observation as efficient, it is proposed that the model's label prediction be greater than 0.82. </a:t>
-            </a:r>
-            <a:endParaRPr lang="en-GB" dirty="0"/>
-          </a:p>
-        </p:txBody>
-      </p:sp>
-      <p:sp>
-        <p:nvSpPr>
-          <p:cNvPr id="2" name="Título 1">
+        </p:txBody>
+      </p:sp>
+      <p:sp>
+        <p:nvSpPr>
+          <p:cNvPr id="3" name="Subtítulo 2">
             <a:extLst>
               <a:ext uri="{FF2B5EF4-FFF2-40B4-BE49-F238E27FC236}">
-                <a16:creationId xmlns:a16="http://schemas.microsoft.com/office/drawing/2014/main" id="{86BA8BD2-2360-47C4-A428-A34D4F1BE424}"/>
+                <a16:creationId xmlns:a16="http://schemas.microsoft.com/office/drawing/2014/main" id="{36619A00-8555-1F56-5114-7E37288780D1}"/>
               </a:ext>
             </a:extLst>
           </p:cNvPr>
@@ -11011,34 +11163,39 @@
             <a:spLocks noGrp="1"/>
           </p:cNvSpPr>
           <p:nvPr>
-            <p:ph type="title"/>
-          </p:nvPr>
-        </p:nvSpPr>
-        <p:spPr>
-          <a:xfrm>
-            <a:off x="1257300" y="547773"/>
-            <a:ext cx="15773400" cy="1988651"/>
-          </a:xfrm>
-        </p:spPr>
-        <p:txBody>
-          <a:bodyPr anchor="ctr">
-            <a:normAutofit/>
-          </a:bodyPr>
+            <p:ph type="subTitle" idx="1"/>
+          </p:nvPr>
+        </p:nvSpPr>
+        <p:spPr/>
+        <p:txBody>
+          <a:bodyPr/>
           <a:lstStyle/>
           <a:p>
             <a:r>
-              <a:rPr lang="en-GB" dirty="0"/>
-              <a:t>Single input - output example</a:t>
-            </a:r>
-          </a:p>
-        </p:txBody>
-      </p:sp>
-      <p:sp>
-        <p:nvSpPr>
-          <p:cNvPr id="5" name="Marcador de número de diapositiva 4">
+              <a:rPr lang="en-US" b="1" dirty="0">
+                <a:latin typeface="Times New Roman" panose="02020603050405020304" pitchFamily="18" charset="0"/>
+                <a:ea typeface="Aptos" panose="020B0004020202020204" pitchFamily="34" charset="0"/>
+              </a:rPr>
+              <a:t>T</a:t>
+            </a:r>
+            <a:r>
+              <a:rPr lang="en-US" sz="3600" b="1" dirty="0">
+                <a:effectLst/>
+                <a:latin typeface="Times New Roman" panose="02020603050405020304" pitchFamily="18" charset="0"/>
+                <a:ea typeface="Aptos" panose="020B0004020202020204" pitchFamily="34" charset="0"/>
+              </a:rPr>
+              <a:t>he efficiency assessment of the Spanish educational sector</a:t>
+            </a:r>
+            <a:endParaRPr lang="en-GB" dirty="0"/>
+          </a:p>
+        </p:txBody>
+      </p:sp>
+      <p:sp>
+        <p:nvSpPr>
+          <p:cNvPr id="4" name="Marcador de pie de página 3">
             <a:extLst>
               <a:ext uri="{FF2B5EF4-FFF2-40B4-BE49-F238E27FC236}">
-                <a16:creationId xmlns:a16="http://schemas.microsoft.com/office/drawing/2014/main" id="{5CD26059-5682-4382-89E1-677AD7B72CFE}"/>
+                <a16:creationId xmlns:a16="http://schemas.microsoft.com/office/drawing/2014/main" id="{6FA23063-CED7-6B45-8B5E-953BB1742DC6}"/>
               </a:ext>
             </a:extLst>
           </p:cNvPr>
@@ -11046,61 +11203,10 @@
             <a:spLocks noGrp="1"/>
           </p:cNvSpPr>
           <p:nvPr>
-            <p:ph type="sldNum" sz="quarter" idx="12"/>
-          </p:nvPr>
-        </p:nvSpPr>
-        <p:spPr>
-          <a:xfrm>
-            <a:off x="264428" y="9628939"/>
-            <a:ext cx="1134184" cy="547772"/>
-          </a:xfrm>
-        </p:spPr>
-        <p:txBody>
-          <a:bodyPr anchor="ctr">
-            <a:normAutofit/>
-          </a:bodyPr>
-          <a:lstStyle/>
-          <a:p>
-            <a:pPr>
-              <a:spcAft>
-                <a:spcPts val="600"/>
-              </a:spcAft>
-            </a:pPr>
-            <a:fld id="{DBFF9636-A71C-488A-89F8-02E08556F10C}" type="slidenum">
-              <a:rPr lang="es-ES" smtClean="0"/>
-              <a:pPr>
-                <a:spcAft>
-                  <a:spcPts val="600"/>
-                </a:spcAft>
-              </a:pPr>
-              <a:t>18</a:t>
-            </a:fld>
-            <a:endParaRPr lang="es-ES"/>
-          </a:p>
-        </p:txBody>
-      </p:sp>
-      <p:sp>
-        <p:nvSpPr>
-          <p:cNvPr id="6" name="Marcador de pie de página 3">
-            <a:extLst>
-              <a:ext uri="{FF2B5EF4-FFF2-40B4-BE49-F238E27FC236}">
-                <a16:creationId xmlns:a16="http://schemas.microsoft.com/office/drawing/2014/main" id="{4532BA09-F3DC-AC59-0D7A-AD59E31CC8E7}"/>
-              </a:ext>
-            </a:extLst>
-          </p:cNvPr>
-          <p:cNvSpPr>
-            <a:spLocks noGrp="1"/>
-          </p:cNvSpPr>
-          <p:nvPr>
             <p:ph type="ftr" sz="quarter" idx="11"/>
           </p:nvPr>
         </p:nvSpPr>
-        <p:spPr>
-          <a:xfrm>
-            <a:off x="1653085" y="9628939"/>
-            <a:ext cx="13031905" cy="547772"/>
-          </a:xfrm>
-        </p:spPr>
+        <p:spPr/>
         <p:txBody>
           <a:bodyPr/>
           <a:lstStyle/>
@@ -11120,23 +11226,7 @@
                 <a:ea typeface="Aptos" panose="020B0004020202020204" pitchFamily="34" charset="0"/>
                 <a:cs typeface="Times New Roman" panose="02020603050405020304" pitchFamily="18" charset="0"/>
               </a:rPr>
-              <a:t>A </a:t>
-            </a:r>
-            <a:r>
-              <a:rPr lang="en-US" b="1" kern="100" dirty="0">
-                <a:latin typeface="Times New Roman" panose="02020603050405020304" pitchFamily="18" charset="0"/>
-                <a:cs typeface="Times New Roman" panose="02020603050405020304" pitchFamily="18" charset="0"/>
-              </a:rPr>
-              <a:t>novel</a:t>
-            </a:r>
-            <a:r>
-              <a:rPr lang="en-US" sz="1800" b="1" kern="100" dirty="0">
-                <a:effectLst/>
-                <a:latin typeface="Times New Roman" panose="02020603050405020304" pitchFamily="18" charset="0"/>
-                <a:ea typeface="Aptos" panose="020B0004020202020204" pitchFamily="34" charset="0"/>
-                <a:cs typeface="Times New Roman" panose="02020603050405020304" pitchFamily="18" charset="0"/>
-              </a:rPr>
-              <a:t> approach for efficiency evaluation through the integration of standard Machine Learning classification models and Data Envelopment Analysis</a:t>
+              <a:t>A novel approach for efficiency evaluation through the integration of standard Machine Learning classification models and Data Envelopment Analysis</a:t>
             </a:r>
             <a:endParaRPr lang="es-ES" sz="1600" kern="100" dirty="0">
               <a:effectLst/>
@@ -11147,10 +11237,40 @@
           </a:p>
         </p:txBody>
       </p:sp>
+      <p:sp>
+        <p:nvSpPr>
+          <p:cNvPr id="5" name="Marcador de número de diapositiva 4">
+            <a:extLst>
+              <a:ext uri="{FF2B5EF4-FFF2-40B4-BE49-F238E27FC236}">
+                <a16:creationId xmlns:a16="http://schemas.microsoft.com/office/drawing/2014/main" id="{2EC2EDA7-1224-188B-553C-E559B86C96D4}"/>
+              </a:ext>
+            </a:extLst>
+          </p:cNvPr>
+          <p:cNvSpPr>
+            <a:spLocks noGrp="1"/>
+          </p:cNvSpPr>
+          <p:nvPr>
+            <p:ph type="sldNum" sz="quarter" idx="12"/>
+          </p:nvPr>
+        </p:nvSpPr>
+        <p:spPr/>
+        <p:txBody>
+          <a:bodyPr/>
+          <a:lstStyle/>
+          <a:p>
+            <a:fld id="{DBFF9636-A71C-488A-89F8-02E08556F10C}" type="slidenum">
+              <a:rPr lang="es-ES" smtClean="0"/>
+              <a:pPr/>
+              <a:t>18</a:t>
+            </a:fld>
+            <a:endParaRPr lang="es-ES" dirty="0"/>
+          </a:p>
+        </p:txBody>
+      </p:sp>
     </p:spTree>
     <p:extLst>
       <p:ext uri="{BB962C8B-B14F-4D97-AF65-F5344CB8AC3E}">
-        <p14:creationId xmlns:p14="http://schemas.microsoft.com/office/powerpoint/2010/main" val="1351539447"/>
+        <p14:creationId xmlns:p14="http://schemas.microsoft.com/office/powerpoint/2010/main" val="3071165109"/>
       </p:ext>
     </p:extLst>
   </p:cSld>
@@ -11182,7 +11302,7 @@
           <p:cNvPr id="2" name="Título 1">
             <a:extLst>
               <a:ext uri="{FF2B5EF4-FFF2-40B4-BE49-F238E27FC236}">
-                <a16:creationId xmlns:a16="http://schemas.microsoft.com/office/drawing/2014/main" id="{2F7626E3-0388-9608-3847-B8CEC112678B}"/>
+                <a16:creationId xmlns:a16="http://schemas.microsoft.com/office/drawing/2014/main" id="{8DA03B8B-503C-2AD5-0C58-C6F2AD684972}"/>
               </a:ext>
             </a:extLst>
           </p:cNvPr>
@@ -11190,40 +11310,7 @@
             <a:spLocks noGrp="1"/>
           </p:cNvSpPr>
           <p:nvPr>
-            <p:ph type="ctrTitle"/>
-          </p:nvPr>
-        </p:nvSpPr>
-        <p:spPr/>
-        <p:txBody>
-          <a:bodyPr/>
-          <a:lstStyle/>
-          <a:p>
-            <a:r>
-              <a:rPr lang="en-US" sz="8800" b="1" dirty="0">
-                <a:effectLst/>
-                <a:latin typeface="Times New Roman" panose="02020603050405020304" pitchFamily="18" charset="0"/>
-                <a:ea typeface="Aptos" panose="020B0004020202020204" pitchFamily="34" charset="0"/>
-              </a:rPr>
-              <a:t>An empirical application</a:t>
-            </a:r>
-            <a:endParaRPr lang="en-GB" dirty="0"/>
-          </a:p>
-        </p:txBody>
-      </p:sp>
-      <p:sp>
-        <p:nvSpPr>
-          <p:cNvPr id="3" name="Subtítulo 2">
-            <a:extLst>
-              <a:ext uri="{FF2B5EF4-FFF2-40B4-BE49-F238E27FC236}">
-                <a16:creationId xmlns:a16="http://schemas.microsoft.com/office/drawing/2014/main" id="{36619A00-8555-1F56-5114-7E37288780D1}"/>
-              </a:ext>
-            </a:extLst>
-          </p:cNvPr>
-          <p:cNvSpPr>
-            <a:spLocks noGrp="1"/>
-          </p:cNvSpPr>
-          <p:nvPr>
-            <p:ph type="subTitle" idx="1"/>
+            <p:ph type="title"/>
           </p:nvPr>
         </p:nvSpPr>
         <p:spPr/>
@@ -11239,7 +11326,7 @@
               <a:t>T</a:t>
             </a:r>
             <a:r>
-              <a:rPr lang="en-US" sz="3600" b="1" dirty="0">
+              <a:rPr lang="en-US" sz="6600" b="1" dirty="0">
                 <a:effectLst/>
                 <a:latin typeface="Times New Roman" panose="02020603050405020304" pitchFamily="18" charset="0"/>
                 <a:ea typeface="Aptos" panose="020B0004020202020204" pitchFamily="34" charset="0"/>
@@ -11255,7 +11342,7 @@
           <p:cNvPr id="4" name="Marcador de pie de página 3">
             <a:extLst>
               <a:ext uri="{FF2B5EF4-FFF2-40B4-BE49-F238E27FC236}">
-                <a16:creationId xmlns:a16="http://schemas.microsoft.com/office/drawing/2014/main" id="{6FA23063-CED7-6B45-8B5E-953BB1742DC6}"/>
+                <a16:creationId xmlns:a16="http://schemas.microsoft.com/office/drawing/2014/main" id="{87703923-EE12-C293-D06F-AFF34520FABA}"/>
               </a:ext>
             </a:extLst>
           </p:cNvPr>
@@ -11302,7 +11389,7 @@
           <p:cNvPr id="5" name="Marcador de número de diapositiva 4">
             <a:extLst>
               <a:ext uri="{FF2B5EF4-FFF2-40B4-BE49-F238E27FC236}">
-                <a16:creationId xmlns:a16="http://schemas.microsoft.com/office/drawing/2014/main" id="{2EC2EDA7-1224-188B-553C-E559B86C96D4}"/>
+                <a16:creationId xmlns:a16="http://schemas.microsoft.com/office/drawing/2014/main" id="{0C3F2C01-39A2-4C46-9D03-67A37C26B66E}"/>
               </a:ext>
             </a:extLst>
           </p:cNvPr>
@@ -11327,10 +11414,133 @@
           </a:p>
         </p:txBody>
       </p:sp>
+      <p:sp>
+        <p:nvSpPr>
+          <p:cNvPr id="3" name="Marcador de contenido 2">
+            <a:extLst>
+              <a:ext uri="{FF2B5EF4-FFF2-40B4-BE49-F238E27FC236}">
+                <a16:creationId xmlns:a16="http://schemas.microsoft.com/office/drawing/2014/main" id="{6DFA8D77-6114-5058-4500-99FF53E70859}"/>
+              </a:ext>
+            </a:extLst>
+          </p:cNvPr>
+          <p:cNvSpPr>
+            <a:spLocks noGrp="1"/>
+          </p:cNvSpPr>
+          <p:nvPr>
+            <p:ph idx="1"/>
+          </p:nvPr>
+        </p:nvSpPr>
+        <p:spPr>
+          <a:xfrm>
+            <a:off x="831520" y="3097269"/>
+            <a:ext cx="16595985" cy="5850074"/>
+          </a:xfrm>
+        </p:spPr>
+        <p:txBody>
+          <a:bodyPr>
+            <a:normAutofit/>
+          </a:bodyPr>
+          <a:lstStyle/>
+          <a:p>
+            <a:r>
+              <a:rPr lang="es-ES" dirty="0"/>
+              <a:t>A </a:t>
+            </a:r>
+            <a:r>
+              <a:rPr lang="es-ES" dirty="0" err="1"/>
+              <a:t>dataset</a:t>
+            </a:r>
+            <a:r>
+              <a:rPr lang="es-ES" dirty="0"/>
+              <a:t> </a:t>
+            </a:r>
+            <a:r>
+              <a:rPr lang="es-ES" dirty="0" err="1"/>
+              <a:t>obtained</a:t>
+            </a:r>
+            <a:r>
+              <a:rPr lang="es-ES" dirty="0"/>
+              <a:t> </a:t>
+            </a:r>
+            <a:r>
+              <a:rPr lang="es-ES" dirty="0" err="1"/>
+              <a:t>from</a:t>
+            </a:r>
+            <a:r>
+              <a:rPr lang="es-ES" dirty="0"/>
+              <a:t> </a:t>
+            </a:r>
+            <a:r>
+              <a:rPr lang="es-ES" dirty="0" err="1"/>
+              <a:t>the</a:t>
+            </a:r>
+            <a:r>
+              <a:rPr lang="es-ES" dirty="0"/>
+              <a:t> </a:t>
+            </a:r>
+            <a:r>
+              <a:rPr lang="es-ES" dirty="0" err="1"/>
+              <a:t>Programme</a:t>
+            </a:r>
+            <a:r>
+              <a:rPr lang="es-ES" dirty="0"/>
+              <a:t> </a:t>
+            </a:r>
+            <a:r>
+              <a:rPr lang="es-ES" dirty="0" err="1"/>
+              <a:t>for</a:t>
+            </a:r>
+            <a:r>
+              <a:rPr lang="es-ES" dirty="0"/>
+              <a:t> International </a:t>
+            </a:r>
+            <a:r>
+              <a:rPr lang="es-ES" dirty="0" err="1"/>
+              <a:t>Student</a:t>
+            </a:r>
+            <a:r>
+              <a:rPr lang="es-ES" dirty="0"/>
+              <a:t> </a:t>
+            </a:r>
+            <a:r>
+              <a:rPr lang="es-ES" dirty="0" err="1"/>
+              <a:t>Assessment</a:t>
+            </a:r>
+            <a:r>
+              <a:rPr lang="es-ES" dirty="0"/>
+              <a:t> (PISA).</a:t>
+            </a:r>
+          </a:p>
+          <a:p>
+            <a:r>
+              <a:rPr lang="en-US" dirty="0"/>
+              <a:t>The dataset utilized encompasses data from the year 2018, comprising anonymized records from 999 Spanish schools randomly selected by the OECD.</a:t>
+            </a:r>
+          </a:p>
+          <a:p>
+            <a:r>
+              <a:rPr lang="en-GB" dirty="0"/>
+              <a:t>Input variables: EDUQUAL, ESCS and TSRATIO.</a:t>
+            </a:r>
+          </a:p>
+          <a:p>
+            <a:r>
+              <a:rPr lang="en-GB" dirty="0"/>
+              <a:t>Output variables: PVMATH, PVREAD and PVSCIE.</a:t>
+            </a:r>
+          </a:p>
+          <a:p>
+            <a:r>
+              <a:rPr lang="en-GB" dirty="0"/>
+              <a:t>Contextual variables: REGION and SCHLTYPE.</a:t>
+            </a:r>
+          </a:p>
+        </p:txBody>
+      </p:sp>
     </p:spTree>
     <p:extLst>
       <p:ext uri="{BB962C8B-B14F-4D97-AF65-F5344CB8AC3E}">
-        <p14:creationId xmlns:p14="http://schemas.microsoft.com/office/powerpoint/2010/main" val="3071165109"/>
+        <p14:creationId xmlns:p14="http://schemas.microsoft.com/office/powerpoint/2010/main" val="842433755"/>
       </p:ext>
     </p:extLst>
   </p:cSld>
@@ -11696,276 +11906,6 @@
               <a:rPr lang="es-ES" smtClean="0"/>
               <a:pPr/>
               <a:t>20</a:t>
-            </a:fld>
-            <a:endParaRPr lang="es-ES" dirty="0"/>
-          </a:p>
-        </p:txBody>
-      </p:sp>
-      <p:sp>
-        <p:nvSpPr>
-          <p:cNvPr id="3" name="Marcador de contenido 2">
-            <a:extLst>
-              <a:ext uri="{FF2B5EF4-FFF2-40B4-BE49-F238E27FC236}">
-                <a16:creationId xmlns:a16="http://schemas.microsoft.com/office/drawing/2014/main" id="{6DFA8D77-6114-5058-4500-99FF53E70859}"/>
-              </a:ext>
-            </a:extLst>
-          </p:cNvPr>
-          <p:cNvSpPr>
-            <a:spLocks noGrp="1"/>
-          </p:cNvSpPr>
-          <p:nvPr>
-            <p:ph idx="1"/>
-          </p:nvPr>
-        </p:nvSpPr>
-        <p:spPr>
-          <a:xfrm>
-            <a:off x="831520" y="3097269"/>
-            <a:ext cx="16595985" cy="5850074"/>
-          </a:xfrm>
-        </p:spPr>
-        <p:txBody>
-          <a:bodyPr>
-            <a:normAutofit/>
-          </a:bodyPr>
-          <a:lstStyle/>
-          <a:p>
-            <a:r>
-              <a:rPr lang="es-ES" dirty="0"/>
-              <a:t>A </a:t>
-            </a:r>
-            <a:r>
-              <a:rPr lang="es-ES" dirty="0" err="1"/>
-              <a:t>dataset</a:t>
-            </a:r>
-            <a:r>
-              <a:rPr lang="es-ES" dirty="0"/>
-              <a:t> </a:t>
-            </a:r>
-            <a:r>
-              <a:rPr lang="es-ES" dirty="0" err="1"/>
-              <a:t>obtained</a:t>
-            </a:r>
-            <a:r>
-              <a:rPr lang="es-ES" dirty="0"/>
-              <a:t> </a:t>
-            </a:r>
-            <a:r>
-              <a:rPr lang="es-ES" dirty="0" err="1"/>
-              <a:t>from</a:t>
-            </a:r>
-            <a:r>
-              <a:rPr lang="es-ES" dirty="0"/>
-              <a:t> </a:t>
-            </a:r>
-            <a:r>
-              <a:rPr lang="es-ES" dirty="0" err="1"/>
-              <a:t>the</a:t>
-            </a:r>
-            <a:r>
-              <a:rPr lang="es-ES" dirty="0"/>
-              <a:t> </a:t>
-            </a:r>
-            <a:r>
-              <a:rPr lang="es-ES" dirty="0" err="1"/>
-              <a:t>Programme</a:t>
-            </a:r>
-            <a:r>
-              <a:rPr lang="es-ES" dirty="0"/>
-              <a:t> </a:t>
-            </a:r>
-            <a:r>
-              <a:rPr lang="es-ES" dirty="0" err="1"/>
-              <a:t>for</a:t>
-            </a:r>
-            <a:r>
-              <a:rPr lang="es-ES" dirty="0"/>
-              <a:t> International </a:t>
-            </a:r>
-            <a:r>
-              <a:rPr lang="es-ES" dirty="0" err="1"/>
-              <a:t>Student</a:t>
-            </a:r>
-            <a:r>
-              <a:rPr lang="es-ES" dirty="0"/>
-              <a:t> </a:t>
-            </a:r>
-            <a:r>
-              <a:rPr lang="es-ES" dirty="0" err="1"/>
-              <a:t>Assessment</a:t>
-            </a:r>
-            <a:r>
-              <a:rPr lang="es-ES" dirty="0"/>
-              <a:t> (PISA).</a:t>
-            </a:r>
-          </a:p>
-          <a:p>
-            <a:r>
-              <a:rPr lang="en-US" dirty="0"/>
-              <a:t>The dataset utilized encompasses data from the year 2018, comprising anonymized records from 999 Spanish schools randomly selected by the OECD.</a:t>
-            </a:r>
-          </a:p>
-          <a:p>
-            <a:r>
-              <a:rPr lang="en-GB" dirty="0"/>
-              <a:t>Input variables: EDUQUAL, ESCS and TSRATIO.</a:t>
-            </a:r>
-          </a:p>
-          <a:p>
-            <a:r>
-              <a:rPr lang="en-GB" dirty="0"/>
-              <a:t>Output variables: PVMATH, PVREAD and PVSCIE.</a:t>
-            </a:r>
-          </a:p>
-          <a:p>
-            <a:r>
-              <a:rPr lang="en-GB" dirty="0"/>
-              <a:t>Contextual variables: REGION and SCHLTYPE.</a:t>
-            </a:r>
-          </a:p>
-        </p:txBody>
-      </p:sp>
-    </p:spTree>
-    <p:extLst>
-      <p:ext uri="{BB962C8B-B14F-4D97-AF65-F5344CB8AC3E}">
-        <p14:creationId xmlns:p14="http://schemas.microsoft.com/office/powerpoint/2010/main" val="842433755"/>
-      </p:ext>
-    </p:extLst>
-  </p:cSld>
-  <p:clrMapOvr>
-    <a:masterClrMapping/>
-  </p:clrMapOvr>
-</p:sld>
-</file>
-
-<file path=ppt/slides/slide21.xml><?xml version="1.0" encoding="utf-8"?>
-<p:sld xmlns:a="http://schemas.openxmlformats.org/drawingml/2006/main" xmlns:r="http://schemas.openxmlformats.org/officeDocument/2006/relationships" xmlns:p="http://schemas.openxmlformats.org/presentationml/2006/main">
-  <p:cSld>
-    <p:spTree>
-      <p:nvGrpSpPr>
-        <p:cNvPr id="1" name=""/>
-        <p:cNvGrpSpPr/>
-        <p:nvPr/>
-      </p:nvGrpSpPr>
-      <p:grpSpPr>
-        <a:xfrm>
-          <a:off x="0" y="0"/>
-          <a:ext cx="0" cy="0"/>
-          <a:chOff x="0" y="0"/>
-          <a:chExt cx="0" cy="0"/>
-        </a:xfrm>
-      </p:grpSpPr>
-      <p:sp>
-        <p:nvSpPr>
-          <p:cNvPr id="2" name="Título 1">
-            <a:extLst>
-              <a:ext uri="{FF2B5EF4-FFF2-40B4-BE49-F238E27FC236}">
-                <a16:creationId xmlns:a16="http://schemas.microsoft.com/office/drawing/2014/main" id="{8DA03B8B-503C-2AD5-0C58-C6F2AD684972}"/>
-              </a:ext>
-            </a:extLst>
-          </p:cNvPr>
-          <p:cNvSpPr>
-            <a:spLocks noGrp="1"/>
-          </p:cNvSpPr>
-          <p:nvPr>
-            <p:ph type="title"/>
-          </p:nvPr>
-        </p:nvSpPr>
-        <p:spPr/>
-        <p:txBody>
-          <a:bodyPr/>
-          <a:lstStyle/>
-          <a:p>
-            <a:r>
-              <a:rPr lang="en-US" b="1" dirty="0">
-                <a:latin typeface="Times New Roman" panose="02020603050405020304" pitchFamily="18" charset="0"/>
-                <a:ea typeface="Aptos" panose="020B0004020202020204" pitchFamily="34" charset="0"/>
-              </a:rPr>
-              <a:t>T</a:t>
-            </a:r>
-            <a:r>
-              <a:rPr lang="en-US" sz="6600" b="1" dirty="0">
-                <a:effectLst/>
-                <a:latin typeface="Times New Roman" panose="02020603050405020304" pitchFamily="18" charset="0"/>
-                <a:ea typeface="Aptos" panose="020B0004020202020204" pitchFamily="34" charset="0"/>
-              </a:rPr>
-              <a:t>he efficiency assessment of the Spanish educational sector</a:t>
-            </a:r>
-            <a:endParaRPr lang="en-GB" dirty="0"/>
-          </a:p>
-        </p:txBody>
-      </p:sp>
-      <p:sp>
-        <p:nvSpPr>
-          <p:cNvPr id="4" name="Marcador de pie de página 3">
-            <a:extLst>
-              <a:ext uri="{FF2B5EF4-FFF2-40B4-BE49-F238E27FC236}">
-                <a16:creationId xmlns:a16="http://schemas.microsoft.com/office/drawing/2014/main" id="{87703923-EE12-C293-D06F-AFF34520FABA}"/>
-              </a:ext>
-            </a:extLst>
-          </p:cNvPr>
-          <p:cNvSpPr>
-            <a:spLocks noGrp="1"/>
-          </p:cNvSpPr>
-          <p:nvPr>
-            <p:ph type="ftr" sz="quarter" idx="11"/>
-          </p:nvPr>
-        </p:nvSpPr>
-        <p:spPr/>
-        <p:txBody>
-          <a:bodyPr/>
-          <a:lstStyle/>
-          <a:p>
-            <a:pPr algn="ctr">
-              <a:lnSpc>
-                <a:spcPct val="150000"/>
-              </a:lnSpc>
-              <a:spcAft>
-                <a:spcPts val="800"/>
-              </a:spcAft>
-            </a:pPr>
-            <a:r>
-              <a:rPr lang="en-US" sz="1800" b="1" kern="100" dirty="0">
-                <a:effectLst/>
-                <a:latin typeface="Times New Roman" panose="02020603050405020304" pitchFamily="18" charset="0"/>
-                <a:ea typeface="Aptos" panose="020B0004020202020204" pitchFamily="34" charset="0"/>
-                <a:cs typeface="Times New Roman" panose="02020603050405020304" pitchFamily="18" charset="0"/>
-              </a:rPr>
-              <a:t>A novel approach for efficiency evaluation through the integration of standard Machine Learning classification models and Data Envelopment Analysis</a:t>
-            </a:r>
-            <a:endParaRPr lang="es-ES" sz="1600" kern="100" dirty="0">
-              <a:effectLst/>
-              <a:latin typeface="Times New Roman" panose="02020603050405020304" pitchFamily="18" charset="0"/>
-              <a:ea typeface="Aptos" panose="020B0004020202020204" pitchFamily="34" charset="0"/>
-              <a:cs typeface="Times New Roman" panose="02020603050405020304" pitchFamily="18" charset="0"/>
-            </a:endParaRPr>
-          </a:p>
-        </p:txBody>
-      </p:sp>
-      <p:sp>
-        <p:nvSpPr>
-          <p:cNvPr id="5" name="Marcador de número de diapositiva 4">
-            <a:extLst>
-              <a:ext uri="{FF2B5EF4-FFF2-40B4-BE49-F238E27FC236}">
-                <a16:creationId xmlns:a16="http://schemas.microsoft.com/office/drawing/2014/main" id="{0C3F2C01-39A2-4C46-9D03-67A37C26B66E}"/>
-              </a:ext>
-            </a:extLst>
-          </p:cNvPr>
-          <p:cNvSpPr>
-            <a:spLocks noGrp="1"/>
-          </p:cNvSpPr>
-          <p:nvPr>
-            <p:ph type="sldNum" sz="quarter" idx="12"/>
-          </p:nvPr>
-        </p:nvSpPr>
-        <p:spPr/>
-        <p:txBody>
-          <a:bodyPr/>
-          <a:lstStyle/>
-          <a:p>
-            <a:fld id="{DBFF9636-A71C-488A-89F8-02E08556F10C}" type="slidenum">
-              <a:rPr lang="es-ES" smtClean="0"/>
-              <a:pPr/>
-              <a:t>21</a:t>
             </a:fld>
             <a:endParaRPr lang="es-ES" dirty="0"/>
           </a:p>
@@ -12014,7 +11954,7 @@
 </p:sld>
 </file>
 
-<file path=ppt/slides/slide22.xml><?xml version="1.0" encoding="utf-8"?>
+<file path=ppt/slides/slide21.xml><?xml version="1.0" encoding="utf-8"?>
 <p:sld xmlns:a="http://schemas.openxmlformats.org/drawingml/2006/main" xmlns:r="http://schemas.openxmlformats.org/officeDocument/2006/relationships" xmlns:p="http://schemas.openxmlformats.org/presentationml/2006/main">
   <p:cSld>
     <p:spTree>
@@ -12142,7 +12082,7 @@
             <a:fld id="{DBFF9636-A71C-488A-89F8-02E08556F10C}" type="slidenum">
               <a:rPr lang="es-ES" smtClean="0"/>
               <a:pPr/>
-              <a:t>22</a:t>
+              <a:t>21</a:t>
             </a:fld>
             <a:endParaRPr lang="es-ES" dirty="0"/>
           </a:p>
@@ -12170,7 +12110,7 @@
         </p:blipFill>
         <p:spPr>
           <a:xfrm>
-            <a:off x="4284646" y="2828014"/>
+            <a:off x="8056546" y="2828014"/>
             <a:ext cx="9718707" cy="6509334"/>
           </a:xfrm>
           <a:prstGeom prst="rect">
@@ -12178,10 +12118,2704 @@
           </a:prstGeom>
         </p:spPr>
       </p:pic>
+      <mc:AlternateContent xmlns:mc="http://schemas.openxmlformats.org/markup-compatibility/2006">
+        <mc:Choice xmlns:a14="http://schemas.microsoft.com/office/drawing/2010/main" Requires="a14">
+          <p:sp>
+            <p:nvSpPr>
+              <p:cNvPr id="3" name="Marcador de contenido 2">
+                <a:extLst>
+                  <a:ext uri="{FF2B5EF4-FFF2-40B4-BE49-F238E27FC236}">
+                    <a16:creationId xmlns:a16="http://schemas.microsoft.com/office/drawing/2014/main" id="{7174AC12-8856-074F-931F-B0E18FF41F58}"/>
+                  </a:ext>
+                </a:extLst>
+              </p:cNvPr>
+              <p:cNvSpPr>
+                <a:spLocks noGrp="1"/>
+              </p:cNvSpPr>
+              <p:nvPr>
+                <p:ph idx="1"/>
+              </p:nvPr>
+            </p:nvSpPr>
+            <p:spPr>
+              <a:xfrm>
+                <a:off x="831521" y="3097268"/>
+                <a:ext cx="6928179" cy="6046731"/>
+              </a:xfrm>
+            </p:spPr>
+            <p:txBody>
+              <a:bodyPr>
+                <a:normAutofit/>
+              </a:bodyPr>
+              <a:lstStyle/>
+              <a:p>
+                <a:r>
+                  <a:rPr lang="es-ES" dirty="0" err="1"/>
+                  <a:t>For</a:t>
+                </a:r>
+                <a:r>
+                  <a:rPr lang="es-ES" dirty="0"/>
+                  <a:t> SVM </a:t>
+                </a:r>
+                <a:r>
+                  <a:rPr lang="es-ES" dirty="0" err="1"/>
+                  <a:t>polynomial</a:t>
+                </a:r>
+                <a:r>
+                  <a:rPr lang="es-ES" dirty="0"/>
+                  <a:t> </a:t>
+                </a:r>
+                <a:r>
+                  <a:rPr lang="es-ES" dirty="0" err="1"/>
+                  <a:t>kernel</a:t>
+                </a:r>
+                <a:r>
+                  <a:rPr lang="es-ES" dirty="0"/>
+                  <a:t>:</a:t>
+                </a:r>
+              </a:p>
+              <a:p>
+                <a:pPr marL="0" indent="0">
+                  <a:buNone/>
+                </a:pPr>
+                <a14:m>
+                  <m:oMath xmlns:m="http://schemas.openxmlformats.org/officeDocument/2006/math">
+                    <m:r>
+                      <a:rPr lang="en-US" sz="2000" i="1" smtClean="0">
+                        <a:effectLst/>
+                        <a:latin typeface="Cambria Math" panose="02040503050406030204" pitchFamily="18" charset="0"/>
+                        <a:ea typeface="Aptos" panose="020B0004020202020204" pitchFamily="34" charset="0"/>
+                        <a:cs typeface="Times New Roman" panose="02020603050405020304" pitchFamily="18" charset="0"/>
+                      </a:rPr>
+                      <m:t>𝑑𝑒𝑔𝑟𝑒𝑒</m:t>
+                    </m:r>
+                    <m:r>
+                      <a:rPr lang="en-US" sz="2000" i="1" smtClean="0">
+                        <a:effectLst/>
+                        <a:latin typeface="Cambria Math" panose="02040503050406030204" pitchFamily="18" charset="0"/>
+                        <a:ea typeface="Aptos" panose="020B0004020202020204" pitchFamily="34" charset="0"/>
+                        <a:cs typeface="Times New Roman" panose="02020603050405020304" pitchFamily="18" charset="0"/>
+                      </a:rPr>
+                      <m:t> (1, 2, 3, 4 </m:t>
+                    </m:r>
+                    <m:r>
+                      <a:rPr lang="en-US" sz="2000" i="1" smtClean="0">
+                        <a:effectLst/>
+                        <a:latin typeface="Cambria Math" panose="02040503050406030204" pitchFamily="18" charset="0"/>
+                        <a:ea typeface="Aptos" panose="020B0004020202020204" pitchFamily="34" charset="0"/>
+                        <a:cs typeface="Times New Roman" panose="02020603050405020304" pitchFamily="18" charset="0"/>
+                      </a:rPr>
+                      <m:t>𝑎𝑛𝑑</m:t>
+                    </m:r>
+                    <m:r>
+                      <a:rPr lang="en-US" sz="2000" i="1" smtClean="0">
+                        <a:effectLst/>
+                        <a:latin typeface="Cambria Math" panose="02040503050406030204" pitchFamily="18" charset="0"/>
+                        <a:ea typeface="Aptos" panose="020B0004020202020204" pitchFamily="34" charset="0"/>
+                        <a:cs typeface="Times New Roman" panose="02020603050405020304" pitchFamily="18" charset="0"/>
+                      </a:rPr>
+                      <m:t> 5)</m:t>
+                    </m:r>
+                  </m:oMath>
+                </a14:m>
+                <a:r>
+                  <a:rPr lang="en-US" sz="2000" dirty="0">
+                    <a:effectLst/>
+                    <a:latin typeface="Times New Roman" panose="02020603050405020304" pitchFamily="18" charset="0"/>
+                    <a:ea typeface="Times New Roman" panose="02020603050405020304" pitchFamily="18" charset="0"/>
+                  </a:rPr>
+                  <a:t>, </a:t>
+                </a:r>
+                <a14:m>
+                  <m:oMath xmlns:m="http://schemas.openxmlformats.org/officeDocument/2006/math">
+                    <m:r>
+                      <a:rPr lang="en-US" sz="2000" i="1">
+                        <a:effectLst/>
+                        <a:latin typeface="Cambria Math" panose="02040503050406030204" pitchFamily="18" charset="0"/>
+                        <a:ea typeface="Times New Roman" panose="02020603050405020304" pitchFamily="18" charset="0"/>
+                        <a:cs typeface="Times New Roman" panose="02020603050405020304" pitchFamily="18" charset="0"/>
+                      </a:rPr>
+                      <m:t>𝑑𝑎𝑡𝑎</m:t>
+                    </m:r>
+                    <m:r>
+                      <a:rPr lang="en-US" sz="2000" i="1">
+                        <a:effectLst/>
+                        <a:latin typeface="Cambria Math" panose="02040503050406030204" pitchFamily="18" charset="0"/>
+                        <a:ea typeface="Times New Roman" panose="02020603050405020304" pitchFamily="18" charset="0"/>
+                        <a:cs typeface="Times New Roman" panose="02020603050405020304" pitchFamily="18" charset="0"/>
+                      </a:rPr>
+                      <m:t> </m:t>
+                    </m:r>
+                    <m:r>
+                      <a:rPr lang="en-US" sz="2000" i="1">
+                        <a:effectLst/>
+                        <a:latin typeface="Cambria Math" panose="02040503050406030204" pitchFamily="18" charset="0"/>
+                        <a:ea typeface="Times New Roman" panose="02020603050405020304" pitchFamily="18" charset="0"/>
+                        <a:cs typeface="Times New Roman" panose="02020603050405020304" pitchFamily="18" charset="0"/>
+                      </a:rPr>
+                      <m:t>𝑠𝑐𝑎𝑙𝑖𝑛𝑔</m:t>
+                    </m:r>
+                    <m:r>
+                      <a:rPr lang="en-US" sz="2000" i="1">
+                        <a:effectLst/>
+                        <a:latin typeface="Cambria Math" panose="02040503050406030204" pitchFamily="18" charset="0"/>
+                        <a:ea typeface="Times New Roman" panose="02020603050405020304" pitchFamily="18" charset="0"/>
+                        <a:cs typeface="Times New Roman" panose="02020603050405020304" pitchFamily="18" charset="0"/>
+                      </a:rPr>
+                      <m:t> (0.01, 0.1, 1, 10 </m:t>
+                    </m:r>
+                    <m:r>
+                      <a:rPr lang="en-US" sz="2000" i="1">
+                        <a:effectLst/>
+                        <a:latin typeface="Cambria Math" panose="02040503050406030204" pitchFamily="18" charset="0"/>
+                        <a:ea typeface="Times New Roman" panose="02020603050405020304" pitchFamily="18" charset="0"/>
+                        <a:cs typeface="Times New Roman" panose="02020603050405020304" pitchFamily="18" charset="0"/>
+                      </a:rPr>
+                      <m:t>𝑎𝑛𝑑</m:t>
+                    </m:r>
+                    <m:r>
+                      <a:rPr lang="en-US" sz="2000" i="1">
+                        <a:effectLst/>
+                        <a:latin typeface="Cambria Math" panose="02040503050406030204" pitchFamily="18" charset="0"/>
+                        <a:ea typeface="Times New Roman" panose="02020603050405020304" pitchFamily="18" charset="0"/>
+                        <a:cs typeface="Times New Roman" panose="02020603050405020304" pitchFamily="18" charset="0"/>
+                      </a:rPr>
+                      <m:t> 100)</m:t>
+                    </m:r>
+                  </m:oMath>
+                </a14:m>
+                <a:r>
+                  <a:rPr lang="en-US" sz="2000" dirty="0">
+                    <a:effectLst/>
+                    <a:latin typeface="Times New Roman" panose="02020603050405020304" pitchFamily="18" charset="0"/>
+                    <a:ea typeface="Times New Roman" panose="02020603050405020304" pitchFamily="18" charset="0"/>
+                  </a:rPr>
+                  <a:t> and </a:t>
+                </a:r>
+                <a14:m>
+                  <m:oMath xmlns:m="http://schemas.openxmlformats.org/officeDocument/2006/math">
+                    <m:r>
+                      <a:rPr lang="en-US" sz="2000" i="1">
+                        <a:effectLst/>
+                        <a:latin typeface="Cambria Math" panose="02040503050406030204" pitchFamily="18" charset="0"/>
+                        <a:ea typeface="Times New Roman" panose="02020603050405020304" pitchFamily="18" charset="0"/>
+                        <a:cs typeface="Times New Roman" panose="02020603050405020304" pitchFamily="18" charset="0"/>
+                      </a:rPr>
+                      <m:t>𝑐𝑜𝑠𝑡</m:t>
+                    </m:r>
+                    <m:r>
+                      <a:rPr lang="en-US" sz="2000" i="1">
+                        <a:effectLst/>
+                        <a:latin typeface="Cambria Math" panose="02040503050406030204" pitchFamily="18" charset="0"/>
+                        <a:ea typeface="Times New Roman" panose="02020603050405020304" pitchFamily="18" charset="0"/>
+                        <a:cs typeface="Times New Roman" panose="02020603050405020304" pitchFamily="18" charset="0"/>
+                      </a:rPr>
+                      <m:t> (0.001, 0.1, 1, 10 </m:t>
+                    </m:r>
+                    <m:r>
+                      <a:rPr lang="en-US" sz="2000" i="1">
+                        <a:effectLst/>
+                        <a:latin typeface="Cambria Math" panose="02040503050406030204" pitchFamily="18" charset="0"/>
+                        <a:ea typeface="Times New Roman" panose="02020603050405020304" pitchFamily="18" charset="0"/>
+                        <a:cs typeface="Times New Roman" panose="02020603050405020304" pitchFamily="18" charset="0"/>
+                      </a:rPr>
+                      <m:t>𝑎𝑛𝑑</m:t>
+                    </m:r>
+                    <m:r>
+                      <a:rPr lang="en-US" sz="2000" i="1">
+                        <a:effectLst/>
+                        <a:latin typeface="Cambria Math" panose="02040503050406030204" pitchFamily="18" charset="0"/>
+                        <a:ea typeface="Times New Roman" panose="02020603050405020304" pitchFamily="18" charset="0"/>
+                        <a:cs typeface="Times New Roman" panose="02020603050405020304" pitchFamily="18" charset="0"/>
+                      </a:rPr>
+                      <m:t> 100)</m:t>
+                    </m:r>
+                  </m:oMath>
+                </a14:m>
+                <a:r>
+                  <a:rPr lang="en-US" sz="2000" dirty="0">
+                    <a:effectLst/>
+                    <a:latin typeface="Times New Roman" panose="02020603050405020304" pitchFamily="18" charset="0"/>
+                    <a:ea typeface="Aptos" panose="020B0004020202020204" pitchFamily="34" charset="0"/>
+                  </a:rPr>
+                  <a:t>.</a:t>
+                </a:r>
+              </a:p>
+              <a:p>
+                <a:r>
+                  <a:rPr lang="es-ES" sz="2000" i="1" dirty="0" err="1">
+                    <a:latin typeface="Cambria Math" panose="02040503050406030204" pitchFamily="18" charset="0"/>
+                    <a:cs typeface="Times New Roman" panose="02020603050405020304" pitchFamily="18" charset="0"/>
+                  </a:rPr>
+                  <a:t>cut</a:t>
+                </a:r>
+                <a:r>
+                  <a:rPr lang="es-ES" sz="2000" i="1" dirty="0">
+                    <a:latin typeface="Cambria Math" panose="02040503050406030204" pitchFamily="18" charset="0"/>
+                    <a:cs typeface="Times New Roman" panose="02020603050405020304" pitchFamily="18" charset="0"/>
+                  </a:rPr>
+                  <a:t> off </a:t>
+                </a:r>
+                <a:r>
+                  <a:rPr lang="es-ES" sz="2000" i="1" dirty="0" err="1">
+                    <a:latin typeface="Cambria Math" panose="02040503050406030204" pitchFamily="18" charset="0"/>
+                    <a:cs typeface="Times New Roman" panose="02020603050405020304" pitchFamily="18" charset="0"/>
+                  </a:rPr>
+                  <a:t>of</a:t>
+                </a:r>
+                <a:r>
+                  <a:rPr lang="es-ES" sz="2000" i="1" dirty="0">
+                    <a:latin typeface="Cambria Math" panose="02040503050406030204" pitchFamily="18" charset="0"/>
+                    <a:cs typeface="Times New Roman" panose="02020603050405020304" pitchFamily="18" charset="0"/>
+                  </a:rPr>
+                  <a:t> 0.69 </a:t>
+                </a:r>
+              </a:p>
+              <a:p>
+                <a:endParaRPr lang="es-ES" sz="2000" i="1" dirty="0">
+                  <a:latin typeface="Cambria Math" panose="02040503050406030204" pitchFamily="18" charset="0"/>
+                  <a:cs typeface="Times New Roman" panose="02020603050405020304" pitchFamily="18" charset="0"/>
+                </a:endParaRPr>
+              </a:p>
+              <a:p>
+                <a:r>
+                  <a:rPr lang="es-ES" sz="4400" dirty="0" err="1"/>
+                  <a:t>For</a:t>
+                </a:r>
+                <a:r>
+                  <a:rPr lang="es-ES" sz="4400" dirty="0"/>
+                  <a:t> NN:</a:t>
+                </a:r>
+              </a:p>
+              <a:p>
+                <a:pPr marL="0" indent="0">
+                  <a:buNone/>
+                </a:pPr>
+                <a14:m>
+                  <m:oMath xmlns:m="http://schemas.openxmlformats.org/officeDocument/2006/math">
+                    <m:r>
+                      <a:rPr lang="en-GB" sz="2000" i="1">
+                        <a:latin typeface="Cambria Math" panose="02040503050406030204" pitchFamily="18" charset="0"/>
+                        <a:ea typeface="Aptos" panose="020B0004020202020204" pitchFamily="34" charset="0"/>
+                        <a:cs typeface="Times New Roman" panose="02020603050405020304" pitchFamily="18" charset="0"/>
+                      </a:rPr>
+                      <m:t>𝑠𝑖𝑧𝑒</m:t>
+                    </m:r>
+                    <m:r>
+                      <a:rPr lang="en-GB" sz="2000" i="1">
+                        <a:latin typeface="Cambria Math" panose="02040503050406030204" pitchFamily="18" charset="0"/>
+                        <a:ea typeface="Aptos" panose="020B0004020202020204" pitchFamily="34" charset="0"/>
+                        <a:cs typeface="Times New Roman" panose="02020603050405020304" pitchFamily="18" charset="0"/>
+                      </a:rPr>
+                      <m:t> (1, 5, 10 </m:t>
+                    </m:r>
+                    <m:r>
+                      <a:rPr lang="en-GB" sz="2000" i="1">
+                        <a:latin typeface="Cambria Math" panose="02040503050406030204" pitchFamily="18" charset="0"/>
+                        <a:ea typeface="Aptos" panose="020B0004020202020204" pitchFamily="34" charset="0"/>
+                        <a:cs typeface="Times New Roman" panose="02020603050405020304" pitchFamily="18" charset="0"/>
+                      </a:rPr>
+                      <m:t>𝑎𝑛𝑑</m:t>
+                    </m:r>
+                    <m:r>
+                      <a:rPr lang="en-GB" sz="2000" i="1">
+                        <a:latin typeface="Cambria Math" panose="02040503050406030204" pitchFamily="18" charset="0"/>
+                        <a:ea typeface="Aptos" panose="020B0004020202020204" pitchFamily="34" charset="0"/>
+                        <a:cs typeface="Times New Roman" panose="02020603050405020304" pitchFamily="18" charset="0"/>
+                      </a:rPr>
+                      <m:t> 20)</m:t>
+                    </m:r>
+                  </m:oMath>
+                </a14:m>
+                <a:r>
+                  <a:rPr lang="en-GB" sz="2000" dirty="0">
+                    <a:latin typeface="Times New Roman" panose="02020603050405020304" pitchFamily="18" charset="0"/>
+                    <a:ea typeface="Times New Roman" panose="02020603050405020304" pitchFamily="18" charset="0"/>
+                  </a:rPr>
+                  <a:t> and</a:t>
+                </a:r>
+                <a14:m>
+                  <m:oMath xmlns:m="http://schemas.openxmlformats.org/officeDocument/2006/math">
+                    <m:r>
+                      <a:rPr lang="es-ES" sz="2000" b="0" i="0" smtClean="0">
+                        <a:latin typeface="Cambria Math" panose="02040503050406030204" pitchFamily="18" charset="0"/>
+                        <a:ea typeface="Times New Roman" panose="02020603050405020304" pitchFamily="18" charset="0"/>
+                        <a:cs typeface="Times New Roman" panose="02020603050405020304" pitchFamily="18" charset="0"/>
+                      </a:rPr>
+                      <m:t> </m:t>
+                    </m:r>
+                    <m:r>
+                      <a:rPr lang="en-GB" sz="2000" i="1">
+                        <a:latin typeface="Cambria Math" panose="02040503050406030204" pitchFamily="18" charset="0"/>
+                        <a:ea typeface="Times New Roman" panose="02020603050405020304" pitchFamily="18" charset="0"/>
+                        <a:cs typeface="Times New Roman" panose="02020603050405020304" pitchFamily="18" charset="0"/>
+                      </a:rPr>
+                      <m:t>𝑑𝑒𝑐𝑎𝑦</m:t>
+                    </m:r>
+                    <m:r>
+                      <a:rPr lang="en-GB" sz="2000" i="1">
+                        <a:latin typeface="Cambria Math" panose="02040503050406030204" pitchFamily="18" charset="0"/>
+                        <a:ea typeface="Times New Roman" panose="02020603050405020304" pitchFamily="18" charset="0"/>
+                        <a:cs typeface="Times New Roman" panose="02020603050405020304" pitchFamily="18" charset="0"/>
+                      </a:rPr>
+                      <m:t> (0, 0.1, 0.01, 0.001, 0.</m:t>
+                    </m:r>
+                    <m:r>
+                      <a:rPr lang="en-GB" sz="2000" i="1">
+                        <a:latin typeface="Cambria Math" panose="02040503050406030204" pitchFamily="18" charset="0"/>
+                        <a:ea typeface="Times New Roman" panose="02020603050405020304" pitchFamily="18" charset="0"/>
+                        <a:cs typeface="Times New Roman" panose="02020603050405020304" pitchFamily="18" charset="0"/>
+                      </a:rPr>
+                      <m:t>0001)</m:t>
+                    </m:r>
+                  </m:oMath>
+                </a14:m>
+                <a:r>
+                  <a:rPr lang="en-GB" sz="2000" dirty="0">
+                    <a:latin typeface="Times New Roman" panose="02020603050405020304" pitchFamily="18" charset="0"/>
+                    <a:ea typeface="Times New Roman" panose="02020603050405020304" pitchFamily="18" charset="0"/>
+                  </a:rPr>
+                  <a:t>.</a:t>
+                </a:r>
+                <a:r>
+                  <a:rPr lang="en-GB" sz="2000" dirty="0">
+                    <a:latin typeface="Times New Roman" panose="02020603050405020304" pitchFamily="18" charset="0"/>
+                    <a:ea typeface="Aptos" panose="020B0004020202020204" pitchFamily="34" charset="0"/>
+                  </a:rPr>
+                  <a:t> </a:t>
+                </a:r>
+              </a:p>
+              <a:p>
+                <a:r>
+                  <a:rPr lang="es-ES" sz="2000" i="1" dirty="0" err="1">
+                    <a:latin typeface="Cambria Math" panose="02040503050406030204" pitchFamily="18" charset="0"/>
+                    <a:cs typeface="Times New Roman" panose="02020603050405020304" pitchFamily="18" charset="0"/>
+                  </a:rPr>
+                  <a:t>cut</a:t>
+                </a:r>
+                <a:r>
+                  <a:rPr lang="es-ES" sz="2000" i="1" dirty="0">
+                    <a:latin typeface="Cambria Math" panose="02040503050406030204" pitchFamily="18" charset="0"/>
+                    <a:cs typeface="Times New Roman" panose="02020603050405020304" pitchFamily="18" charset="0"/>
+                  </a:rPr>
+                  <a:t> off </a:t>
+                </a:r>
+                <a:r>
+                  <a:rPr lang="es-ES" sz="2000" i="1" dirty="0" err="1">
+                    <a:latin typeface="Cambria Math" panose="02040503050406030204" pitchFamily="18" charset="0"/>
+                    <a:cs typeface="Times New Roman" panose="02020603050405020304" pitchFamily="18" charset="0"/>
+                  </a:rPr>
+                  <a:t>of</a:t>
+                </a:r>
+                <a:r>
+                  <a:rPr lang="es-ES" sz="2000" i="1" dirty="0">
+                    <a:latin typeface="Cambria Math" panose="02040503050406030204" pitchFamily="18" charset="0"/>
+                    <a:cs typeface="Times New Roman" panose="02020603050405020304" pitchFamily="18" charset="0"/>
+                  </a:rPr>
+                  <a:t> 0.67</a:t>
+                </a:r>
+              </a:p>
+              <a:p>
+                <a:r>
+                  <a:rPr lang="es-ES" sz="2000" i="1" dirty="0">
+                    <a:latin typeface="Cambria Math" panose="02040503050406030204" pitchFamily="18" charset="0"/>
+                    <a:cs typeface="Times New Roman" panose="02020603050405020304" pitchFamily="18" charset="0"/>
+                  </a:rPr>
+                  <a:t>24-5-1</a:t>
+                </a:r>
+              </a:p>
+              <a:p>
+                <a:pPr marL="0" indent="0">
+                  <a:buNone/>
+                </a:pPr>
+                <a:endParaRPr lang="en-GB" sz="4400" dirty="0"/>
+              </a:p>
+            </p:txBody>
+          </p:sp>
+        </mc:Choice>
+        <mc:Fallback>
+          <p:sp>
+            <p:nvSpPr>
+              <p:cNvPr id="3" name="Marcador de contenido 2">
+                <a:extLst>
+                  <a:ext uri="{FF2B5EF4-FFF2-40B4-BE49-F238E27FC236}">
+                    <a16:creationId xmlns:a16="http://schemas.microsoft.com/office/drawing/2014/main" id="{7174AC12-8856-074F-931F-B0E18FF41F58}"/>
+                  </a:ext>
+                </a:extLst>
+              </p:cNvPr>
+              <p:cNvSpPr>
+                <a:spLocks noGrp="1" noRot="1" noChangeAspect="1" noMove="1" noResize="1" noEditPoints="1" noAdjustHandles="1" noChangeArrowheads="1" noChangeShapeType="1" noTextEdit="1"/>
+              </p:cNvSpPr>
+              <p:nvPr>
+                <p:ph idx="1"/>
+              </p:nvPr>
+            </p:nvSpPr>
+            <p:spPr>
+              <a:xfrm>
+                <a:off x="831521" y="3097268"/>
+                <a:ext cx="6928179" cy="6046731"/>
+              </a:xfrm>
+              <a:blipFill>
+                <a:blip r:embed="rId3"/>
+                <a:stretch>
+                  <a:fillRect l="-3166" t="-3024"/>
+                </a:stretch>
+              </a:blipFill>
+            </p:spPr>
+            <p:txBody>
+              <a:bodyPr/>
+              <a:lstStyle/>
+              <a:p>
+                <a:r>
+                  <a:rPr lang="es-ES">
+                    <a:noFill/>
+                  </a:rPr>
+                  <a:t> </a:t>
+                </a:r>
+              </a:p>
+            </p:txBody>
+          </p:sp>
+        </mc:Fallback>
+      </mc:AlternateContent>
     </p:spTree>
     <p:extLst>
       <p:ext uri="{BB962C8B-B14F-4D97-AF65-F5344CB8AC3E}">
         <p14:creationId xmlns:p14="http://schemas.microsoft.com/office/powerpoint/2010/main" val="3672572066"/>
+      </p:ext>
+    </p:extLst>
+  </p:cSld>
+  <p:clrMapOvr>
+    <a:masterClrMapping/>
+  </p:clrMapOvr>
+</p:sld>
+</file>
+
+<file path=ppt/slides/slide22.xml><?xml version="1.0" encoding="utf-8"?>
+<p:sld xmlns:a="http://schemas.openxmlformats.org/drawingml/2006/main" xmlns:r="http://schemas.openxmlformats.org/officeDocument/2006/relationships" xmlns:p="http://schemas.openxmlformats.org/presentationml/2006/main">
+  <p:cSld>
+    <p:spTree>
+      <p:nvGrpSpPr>
+        <p:cNvPr id="1" name=""/>
+        <p:cNvGrpSpPr/>
+        <p:nvPr/>
+      </p:nvGrpSpPr>
+      <p:grpSpPr>
+        <a:xfrm>
+          <a:off x="0" y="0"/>
+          <a:ext cx="0" cy="0"/>
+          <a:chOff x="0" y="0"/>
+          <a:chExt cx="0" cy="0"/>
+        </a:xfrm>
+      </p:grpSpPr>
+      <p:sp>
+        <p:nvSpPr>
+          <p:cNvPr id="2" name="Título 1">
+            <a:extLst>
+              <a:ext uri="{FF2B5EF4-FFF2-40B4-BE49-F238E27FC236}">
+                <a16:creationId xmlns:a16="http://schemas.microsoft.com/office/drawing/2014/main" id="{8DA03B8B-503C-2AD5-0C58-C6F2AD684972}"/>
+              </a:ext>
+            </a:extLst>
+          </p:cNvPr>
+          <p:cNvSpPr>
+            <a:spLocks noGrp="1"/>
+          </p:cNvSpPr>
+          <p:nvPr>
+            <p:ph type="title"/>
+          </p:nvPr>
+        </p:nvSpPr>
+        <p:spPr/>
+        <p:txBody>
+          <a:bodyPr/>
+          <a:lstStyle/>
+          <a:p>
+            <a:r>
+              <a:rPr lang="en-US" b="1" dirty="0">
+                <a:latin typeface="Times New Roman" panose="02020603050405020304" pitchFamily="18" charset="0"/>
+                <a:ea typeface="Aptos" panose="020B0004020202020204" pitchFamily="34" charset="0"/>
+              </a:rPr>
+              <a:t>T</a:t>
+            </a:r>
+            <a:r>
+              <a:rPr lang="en-US" sz="6600" b="1" dirty="0">
+                <a:effectLst/>
+                <a:latin typeface="Times New Roman" panose="02020603050405020304" pitchFamily="18" charset="0"/>
+                <a:ea typeface="Aptos" panose="020B0004020202020204" pitchFamily="34" charset="0"/>
+              </a:rPr>
+              <a:t>he efficiency assessment of the Spanish educational sector</a:t>
+            </a:r>
+            <a:endParaRPr lang="en-GB" dirty="0"/>
+          </a:p>
+        </p:txBody>
+      </p:sp>
+      <p:sp>
+        <p:nvSpPr>
+          <p:cNvPr id="4" name="Marcador de pie de página 3">
+            <a:extLst>
+              <a:ext uri="{FF2B5EF4-FFF2-40B4-BE49-F238E27FC236}">
+                <a16:creationId xmlns:a16="http://schemas.microsoft.com/office/drawing/2014/main" id="{87703923-EE12-C293-D06F-AFF34520FABA}"/>
+              </a:ext>
+            </a:extLst>
+          </p:cNvPr>
+          <p:cNvSpPr>
+            <a:spLocks noGrp="1"/>
+          </p:cNvSpPr>
+          <p:nvPr>
+            <p:ph type="ftr" sz="quarter" idx="11"/>
+          </p:nvPr>
+        </p:nvSpPr>
+        <p:spPr/>
+        <p:txBody>
+          <a:bodyPr/>
+          <a:lstStyle/>
+          <a:p>
+            <a:pPr algn="ctr">
+              <a:lnSpc>
+                <a:spcPct val="150000"/>
+              </a:lnSpc>
+              <a:spcAft>
+                <a:spcPts val="800"/>
+              </a:spcAft>
+            </a:pPr>
+            <a:r>
+              <a:rPr lang="en-US" sz="1800" b="1" kern="100" dirty="0">
+                <a:effectLst/>
+                <a:latin typeface="Times New Roman" panose="02020603050405020304" pitchFamily="18" charset="0"/>
+                <a:ea typeface="Aptos" panose="020B0004020202020204" pitchFamily="34" charset="0"/>
+                <a:cs typeface="Times New Roman" panose="02020603050405020304" pitchFamily="18" charset="0"/>
+              </a:rPr>
+              <a:t>A novel approach for efficiency evaluation through the integration of standard Machine Learning classification models and Data Envelopment Analysis</a:t>
+            </a:r>
+            <a:endParaRPr lang="es-ES" sz="1600" kern="100" dirty="0">
+              <a:effectLst/>
+              <a:latin typeface="Times New Roman" panose="02020603050405020304" pitchFamily="18" charset="0"/>
+              <a:ea typeface="Aptos" panose="020B0004020202020204" pitchFamily="34" charset="0"/>
+              <a:cs typeface="Times New Roman" panose="02020603050405020304" pitchFamily="18" charset="0"/>
+            </a:endParaRPr>
+          </a:p>
+        </p:txBody>
+      </p:sp>
+      <p:sp>
+        <p:nvSpPr>
+          <p:cNvPr id="5" name="Marcador de número de diapositiva 4">
+            <a:extLst>
+              <a:ext uri="{FF2B5EF4-FFF2-40B4-BE49-F238E27FC236}">
+                <a16:creationId xmlns:a16="http://schemas.microsoft.com/office/drawing/2014/main" id="{0C3F2C01-39A2-4C46-9D03-67A37C26B66E}"/>
+              </a:ext>
+            </a:extLst>
+          </p:cNvPr>
+          <p:cNvSpPr>
+            <a:spLocks noGrp="1"/>
+          </p:cNvSpPr>
+          <p:nvPr>
+            <p:ph type="sldNum" sz="quarter" idx="12"/>
+          </p:nvPr>
+        </p:nvSpPr>
+        <p:spPr/>
+        <p:txBody>
+          <a:bodyPr/>
+          <a:lstStyle/>
+          <a:p>
+            <a:fld id="{DBFF9636-A71C-488A-89F8-02E08556F10C}" type="slidenum">
+              <a:rPr lang="es-ES" smtClean="0"/>
+              <a:pPr/>
+              <a:t>22</a:t>
+            </a:fld>
+            <a:endParaRPr lang="es-ES" dirty="0"/>
+          </a:p>
+        </p:txBody>
+      </p:sp>
+      <mc:AlternateContent xmlns:mc="http://schemas.openxmlformats.org/markup-compatibility/2006">
+        <mc:Choice xmlns:a14="http://schemas.microsoft.com/office/drawing/2010/main" Requires="a14">
+          <p:sp>
+            <p:nvSpPr>
+              <p:cNvPr id="3" name="Marcador de contenido 2">
+                <a:extLst>
+                  <a:ext uri="{FF2B5EF4-FFF2-40B4-BE49-F238E27FC236}">
+                    <a16:creationId xmlns:a16="http://schemas.microsoft.com/office/drawing/2014/main" id="{7174AC12-8856-074F-931F-B0E18FF41F58}"/>
+                  </a:ext>
+                </a:extLst>
+              </p:cNvPr>
+              <p:cNvSpPr>
+                <a:spLocks noGrp="1"/>
+              </p:cNvSpPr>
+              <p:nvPr>
+                <p:ph idx="1"/>
+              </p:nvPr>
+            </p:nvSpPr>
+            <p:spPr>
+              <a:xfrm>
+                <a:off x="831521" y="3097268"/>
+                <a:ext cx="6928179" cy="6046731"/>
+              </a:xfrm>
+            </p:spPr>
+            <p:txBody>
+              <a:bodyPr>
+                <a:normAutofit/>
+              </a:bodyPr>
+              <a:lstStyle/>
+              <a:p>
+                <a:r>
+                  <a:rPr lang="es-ES" dirty="0" err="1"/>
+                  <a:t>For</a:t>
+                </a:r>
+                <a:r>
+                  <a:rPr lang="es-ES" dirty="0"/>
+                  <a:t> SVM </a:t>
+                </a:r>
+                <a:r>
+                  <a:rPr lang="es-ES" dirty="0" err="1"/>
+                  <a:t>polynomial</a:t>
+                </a:r>
+                <a:r>
+                  <a:rPr lang="es-ES" dirty="0"/>
+                  <a:t> </a:t>
+                </a:r>
+                <a:r>
+                  <a:rPr lang="es-ES" dirty="0" err="1"/>
+                  <a:t>kernel</a:t>
+                </a:r>
+                <a:r>
+                  <a:rPr lang="es-ES" dirty="0"/>
+                  <a:t>:</a:t>
+                </a:r>
+              </a:p>
+              <a:p>
+                <a:pPr marL="0" indent="0">
+                  <a:buNone/>
+                </a:pPr>
+                <a14:m>
+                  <m:oMath xmlns:m="http://schemas.openxmlformats.org/officeDocument/2006/math">
+                    <m:r>
+                      <a:rPr lang="en-US" sz="2000" i="1" smtClean="0">
+                        <a:effectLst/>
+                        <a:latin typeface="Cambria Math" panose="02040503050406030204" pitchFamily="18" charset="0"/>
+                        <a:ea typeface="Aptos" panose="020B0004020202020204" pitchFamily="34" charset="0"/>
+                        <a:cs typeface="Times New Roman" panose="02020603050405020304" pitchFamily="18" charset="0"/>
+                      </a:rPr>
+                      <m:t>𝑑𝑒𝑔𝑟𝑒𝑒</m:t>
+                    </m:r>
+                    <m:r>
+                      <a:rPr lang="en-US" sz="2000" i="1" smtClean="0">
+                        <a:effectLst/>
+                        <a:latin typeface="Cambria Math" panose="02040503050406030204" pitchFamily="18" charset="0"/>
+                        <a:ea typeface="Aptos" panose="020B0004020202020204" pitchFamily="34" charset="0"/>
+                        <a:cs typeface="Times New Roman" panose="02020603050405020304" pitchFamily="18" charset="0"/>
+                      </a:rPr>
+                      <m:t> (1, 2, 3, 4 </m:t>
+                    </m:r>
+                    <m:r>
+                      <a:rPr lang="en-US" sz="2000" i="1" smtClean="0">
+                        <a:effectLst/>
+                        <a:latin typeface="Cambria Math" panose="02040503050406030204" pitchFamily="18" charset="0"/>
+                        <a:ea typeface="Aptos" panose="020B0004020202020204" pitchFamily="34" charset="0"/>
+                        <a:cs typeface="Times New Roman" panose="02020603050405020304" pitchFamily="18" charset="0"/>
+                      </a:rPr>
+                      <m:t>𝑎𝑛𝑑</m:t>
+                    </m:r>
+                    <m:r>
+                      <a:rPr lang="en-US" sz="2000" i="1" smtClean="0">
+                        <a:effectLst/>
+                        <a:latin typeface="Cambria Math" panose="02040503050406030204" pitchFamily="18" charset="0"/>
+                        <a:ea typeface="Aptos" panose="020B0004020202020204" pitchFamily="34" charset="0"/>
+                        <a:cs typeface="Times New Roman" panose="02020603050405020304" pitchFamily="18" charset="0"/>
+                      </a:rPr>
+                      <m:t> 5)</m:t>
+                    </m:r>
+                  </m:oMath>
+                </a14:m>
+                <a:r>
+                  <a:rPr lang="en-US" sz="2000" dirty="0">
+                    <a:effectLst/>
+                    <a:latin typeface="Times New Roman" panose="02020603050405020304" pitchFamily="18" charset="0"/>
+                    <a:ea typeface="Times New Roman" panose="02020603050405020304" pitchFamily="18" charset="0"/>
+                  </a:rPr>
+                  <a:t>, </a:t>
+                </a:r>
+                <a14:m>
+                  <m:oMath xmlns:m="http://schemas.openxmlformats.org/officeDocument/2006/math">
+                    <m:r>
+                      <a:rPr lang="en-US" sz="2000" i="1">
+                        <a:effectLst/>
+                        <a:latin typeface="Cambria Math" panose="02040503050406030204" pitchFamily="18" charset="0"/>
+                        <a:ea typeface="Times New Roman" panose="02020603050405020304" pitchFamily="18" charset="0"/>
+                        <a:cs typeface="Times New Roman" panose="02020603050405020304" pitchFamily="18" charset="0"/>
+                      </a:rPr>
+                      <m:t>𝑑𝑎𝑡𝑎</m:t>
+                    </m:r>
+                    <m:r>
+                      <a:rPr lang="en-US" sz="2000" i="1">
+                        <a:effectLst/>
+                        <a:latin typeface="Cambria Math" panose="02040503050406030204" pitchFamily="18" charset="0"/>
+                        <a:ea typeface="Times New Roman" panose="02020603050405020304" pitchFamily="18" charset="0"/>
+                        <a:cs typeface="Times New Roman" panose="02020603050405020304" pitchFamily="18" charset="0"/>
+                      </a:rPr>
+                      <m:t> </m:t>
+                    </m:r>
+                    <m:r>
+                      <a:rPr lang="en-US" sz="2000" i="1">
+                        <a:effectLst/>
+                        <a:latin typeface="Cambria Math" panose="02040503050406030204" pitchFamily="18" charset="0"/>
+                        <a:ea typeface="Times New Roman" panose="02020603050405020304" pitchFamily="18" charset="0"/>
+                        <a:cs typeface="Times New Roman" panose="02020603050405020304" pitchFamily="18" charset="0"/>
+                      </a:rPr>
+                      <m:t>𝑠𝑐𝑎𝑙𝑖𝑛𝑔</m:t>
+                    </m:r>
+                    <m:r>
+                      <a:rPr lang="en-US" sz="2000" i="1">
+                        <a:effectLst/>
+                        <a:latin typeface="Cambria Math" panose="02040503050406030204" pitchFamily="18" charset="0"/>
+                        <a:ea typeface="Times New Roman" panose="02020603050405020304" pitchFamily="18" charset="0"/>
+                        <a:cs typeface="Times New Roman" panose="02020603050405020304" pitchFamily="18" charset="0"/>
+                      </a:rPr>
+                      <m:t> (0.01, 0.1, 1, 10 </m:t>
+                    </m:r>
+                    <m:r>
+                      <a:rPr lang="en-US" sz="2000" i="1">
+                        <a:effectLst/>
+                        <a:latin typeface="Cambria Math" panose="02040503050406030204" pitchFamily="18" charset="0"/>
+                        <a:ea typeface="Times New Roman" panose="02020603050405020304" pitchFamily="18" charset="0"/>
+                        <a:cs typeface="Times New Roman" panose="02020603050405020304" pitchFamily="18" charset="0"/>
+                      </a:rPr>
+                      <m:t>𝑎𝑛𝑑</m:t>
+                    </m:r>
+                    <m:r>
+                      <a:rPr lang="en-US" sz="2000" i="1">
+                        <a:effectLst/>
+                        <a:latin typeface="Cambria Math" panose="02040503050406030204" pitchFamily="18" charset="0"/>
+                        <a:ea typeface="Times New Roman" panose="02020603050405020304" pitchFamily="18" charset="0"/>
+                        <a:cs typeface="Times New Roman" panose="02020603050405020304" pitchFamily="18" charset="0"/>
+                      </a:rPr>
+                      <m:t> 100)</m:t>
+                    </m:r>
+                  </m:oMath>
+                </a14:m>
+                <a:r>
+                  <a:rPr lang="en-US" sz="2000" dirty="0">
+                    <a:effectLst/>
+                    <a:latin typeface="Times New Roman" panose="02020603050405020304" pitchFamily="18" charset="0"/>
+                    <a:ea typeface="Times New Roman" panose="02020603050405020304" pitchFamily="18" charset="0"/>
+                  </a:rPr>
+                  <a:t> and </a:t>
+                </a:r>
+                <a14:m>
+                  <m:oMath xmlns:m="http://schemas.openxmlformats.org/officeDocument/2006/math">
+                    <m:r>
+                      <a:rPr lang="en-US" sz="2000" i="1">
+                        <a:effectLst/>
+                        <a:latin typeface="Cambria Math" panose="02040503050406030204" pitchFamily="18" charset="0"/>
+                        <a:ea typeface="Times New Roman" panose="02020603050405020304" pitchFamily="18" charset="0"/>
+                        <a:cs typeface="Times New Roman" panose="02020603050405020304" pitchFamily="18" charset="0"/>
+                      </a:rPr>
+                      <m:t>𝑐𝑜𝑠𝑡</m:t>
+                    </m:r>
+                    <m:r>
+                      <a:rPr lang="en-US" sz="2000" i="1">
+                        <a:effectLst/>
+                        <a:latin typeface="Cambria Math" panose="02040503050406030204" pitchFamily="18" charset="0"/>
+                        <a:ea typeface="Times New Roman" panose="02020603050405020304" pitchFamily="18" charset="0"/>
+                        <a:cs typeface="Times New Roman" panose="02020603050405020304" pitchFamily="18" charset="0"/>
+                      </a:rPr>
+                      <m:t> (0.001, 0.1, 1, 10 </m:t>
+                    </m:r>
+                    <m:r>
+                      <a:rPr lang="en-US" sz="2000" i="1">
+                        <a:effectLst/>
+                        <a:latin typeface="Cambria Math" panose="02040503050406030204" pitchFamily="18" charset="0"/>
+                        <a:ea typeface="Times New Roman" panose="02020603050405020304" pitchFamily="18" charset="0"/>
+                        <a:cs typeface="Times New Roman" panose="02020603050405020304" pitchFamily="18" charset="0"/>
+                      </a:rPr>
+                      <m:t>𝑎𝑛𝑑</m:t>
+                    </m:r>
+                    <m:r>
+                      <a:rPr lang="en-US" sz="2000" i="1">
+                        <a:effectLst/>
+                        <a:latin typeface="Cambria Math" panose="02040503050406030204" pitchFamily="18" charset="0"/>
+                        <a:ea typeface="Times New Roman" panose="02020603050405020304" pitchFamily="18" charset="0"/>
+                        <a:cs typeface="Times New Roman" panose="02020603050405020304" pitchFamily="18" charset="0"/>
+                      </a:rPr>
+                      <m:t> 100)</m:t>
+                    </m:r>
+                  </m:oMath>
+                </a14:m>
+                <a:r>
+                  <a:rPr lang="en-US" sz="2000" dirty="0">
+                    <a:effectLst/>
+                    <a:latin typeface="Times New Roman" panose="02020603050405020304" pitchFamily="18" charset="0"/>
+                    <a:ea typeface="Aptos" panose="020B0004020202020204" pitchFamily="34" charset="0"/>
+                  </a:rPr>
+                  <a:t>.</a:t>
+                </a:r>
+              </a:p>
+              <a:p>
+                <a:r>
+                  <a:rPr lang="es-ES" sz="2000" i="1" dirty="0" err="1">
+                    <a:latin typeface="Cambria Math" panose="02040503050406030204" pitchFamily="18" charset="0"/>
+                    <a:cs typeface="Times New Roman" panose="02020603050405020304" pitchFamily="18" charset="0"/>
+                  </a:rPr>
+                  <a:t>cut</a:t>
+                </a:r>
+                <a:r>
+                  <a:rPr lang="es-ES" sz="2000" i="1" dirty="0">
+                    <a:latin typeface="Cambria Math" panose="02040503050406030204" pitchFamily="18" charset="0"/>
+                    <a:cs typeface="Times New Roman" panose="02020603050405020304" pitchFamily="18" charset="0"/>
+                  </a:rPr>
+                  <a:t> off </a:t>
+                </a:r>
+                <a:r>
+                  <a:rPr lang="es-ES" sz="2000" i="1" dirty="0" err="1">
+                    <a:latin typeface="Cambria Math" panose="02040503050406030204" pitchFamily="18" charset="0"/>
+                    <a:cs typeface="Times New Roman" panose="02020603050405020304" pitchFamily="18" charset="0"/>
+                  </a:rPr>
+                  <a:t>of</a:t>
+                </a:r>
+                <a:r>
+                  <a:rPr lang="es-ES" sz="2000" i="1" dirty="0">
+                    <a:latin typeface="Cambria Math" panose="02040503050406030204" pitchFamily="18" charset="0"/>
+                    <a:cs typeface="Times New Roman" panose="02020603050405020304" pitchFamily="18" charset="0"/>
+                  </a:rPr>
+                  <a:t> 0.69 </a:t>
+                </a:r>
+              </a:p>
+              <a:p>
+                <a:endParaRPr lang="es-ES" sz="2000" i="1" dirty="0">
+                  <a:latin typeface="Cambria Math" panose="02040503050406030204" pitchFamily="18" charset="0"/>
+                  <a:cs typeface="Times New Roman" panose="02020603050405020304" pitchFamily="18" charset="0"/>
+                </a:endParaRPr>
+              </a:p>
+              <a:p>
+                <a:r>
+                  <a:rPr lang="es-ES" sz="4400" dirty="0" err="1"/>
+                  <a:t>For</a:t>
+                </a:r>
+                <a:r>
+                  <a:rPr lang="es-ES" sz="4400" dirty="0"/>
+                  <a:t> NN:</a:t>
+                </a:r>
+              </a:p>
+              <a:p>
+                <a:pPr marL="0" indent="0">
+                  <a:buNone/>
+                </a:pPr>
+                <a14:m>
+                  <m:oMath xmlns:m="http://schemas.openxmlformats.org/officeDocument/2006/math">
+                    <m:r>
+                      <a:rPr lang="en-GB" sz="2000" i="1">
+                        <a:latin typeface="Cambria Math" panose="02040503050406030204" pitchFamily="18" charset="0"/>
+                        <a:ea typeface="Aptos" panose="020B0004020202020204" pitchFamily="34" charset="0"/>
+                        <a:cs typeface="Times New Roman" panose="02020603050405020304" pitchFamily="18" charset="0"/>
+                      </a:rPr>
+                      <m:t>𝑠𝑖𝑧𝑒</m:t>
+                    </m:r>
+                    <m:r>
+                      <a:rPr lang="en-GB" sz="2000" i="1">
+                        <a:latin typeface="Cambria Math" panose="02040503050406030204" pitchFamily="18" charset="0"/>
+                        <a:ea typeface="Aptos" panose="020B0004020202020204" pitchFamily="34" charset="0"/>
+                        <a:cs typeface="Times New Roman" panose="02020603050405020304" pitchFamily="18" charset="0"/>
+                      </a:rPr>
+                      <m:t> (1, 5, 10 </m:t>
+                    </m:r>
+                    <m:r>
+                      <a:rPr lang="en-GB" sz="2000" i="1">
+                        <a:latin typeface="Cambria Math" panose="02040503050406030204" pitchFamily="18" charset="0"/>
+                        <a:ea typeface="Aptos" panose="020B0004020202020204" pitchFamily="34" charset="0"/>
+                        <a:cs typeface="Times New Roman" panose="02020603050405020304" pitchFamily="18" charset="0"/>
+                      </a:rPr>
+                      <m:t>𝑎𝑛𝑑</m:t>
+                    </m:r>
+                    <m:r>
+                      <a:rPr lang="en-GB" sz="2000" i="1">
+                        <a:latin typeface="Cambria Math" panose="02040503050406030204" pitchFamily="18" charset="0"/>
+                        <a:ea typeface="Aptos" panose="020B0004020202020204" pitchFamily="34" charset="0"/>
+                        <a:cs typeface="Times New Roman" panose="02020603050405020304" pitchFamily="18" charset="0"/>
+                      </a:rPr>
+                      <m:t> 20)</m:t>
+                    </m:r>
+                  </m:oMath>
+                </a14:m>
+                <a:r>
+                  <a:rPr lang="en-GB" sz="2000" dirty="0">
+                    <a:latin typeface="Times New Roman" panose="02020603050405020304" pitchFamily="18" charset="0"/>
+                    <a:ea typeface="Times New Roman" panose="02020603050405020304" pitchFamily="18" charset="0"/>
+                  </a:rPr>
+                  <a:t> and</a:t>
+                </a:r>
+                <a14:m>
+                  <m:oMath xmlns:m="http://schemas.openxmlformats.org/officeDocument/2006/math">
+                    <m:r>
+                      <a:rPr lang="es-ES" sz="2000" b="0" i="0" smtClean="0">
+                        <a:latin typeface="Cambria Math" panose="02040503050406030204" pitchFamily="18" charset="0"/>
+                        <a:ea typeface="Times New Roman" panose="02020603050405020304" pitchFamily="18" charset="0"/>
+                        <a:cs typeface="Times New Roman" panose="02020603050405020304" pitchFamily="18" charset="0"/>
+                      </a:rPr>
+                      <m:t> </m:t>
+                    </m:r>
+                    <m:r>
+                      <a:rPr lang="en-GB" sz="2000" i="1">
+                        <a:latin typeface="Cambria Math" panose="02040503050406030204" pitchFamily="18" charset="0"/>
+                        <a:ea typeface="Times New Roman" panose="02020603050405020304" pitchFamily="18" charset="0"/>
+                        <a:cs typeface="Times New Roman" panose="02020603050405020304" pitchFamily="18" charset="0"/>
+                      </a:rPr>
+                      <m:t>𝑑𝑒𝑐𝑎𝑦</m:t>
+                    </m:r>
+                    <m:r>
+                      <a:rPr lang="en-GB" sz="2000" i="1">
+                        <a:latin typeface="Cambria Math" panose="02040503050406030204" pitchFamily="18" charset="0"/>
+                        <a:ea typeface="Times New Roman" panose="02020603050405020304" pitchFamily="18" charset="0"/>
+                        <a:cs typeface="Times New Roman" panose="02020603050405020304" pitchFamily="18" charset="0"/>
+                      </a:rPr>
+                      <m:t> (0, 0.1, 0.01, 0.001, 0.0001)</m:t>
+                    </m:r>
+                  </m:oMath>
+                </a14:m>
+                <a:r>
+                  <a:rPr lang="en-GB" sz="2000" dirty="0">
+                    <a:latin typeface="Times New Roman" panose="02020603050405020304" pitchFamily="18" charset="0"/>
+                    <a:ea typeface="Times New Roman" panose="02020603050405020304" pitchFamily="18" charset="0"/>
+                  </a:rPr>
+                  <a:t>.</a:t>
+                </a:r>
+                <a:r>
+                  <a:rPr lang="en-GB" sz="2000" dirty="0">
+                    <a:latin typeface="Times New Roman" panose="02020603050405020304" pitchFamily="18" charset="0"/>
+                    <a:ea typeface="Aptos" panose="020B0004020202020204" pitchFamily="34" charset="0"/>
+                  </a:rPr>
+                  <a:t> </a:t>
+                </a:r>
+              </a:p>
+              <a:p>
+                <a:r>
+                  <a:rPr lang="es-ES" sz="2000" i="1" dirty="0" err="1">
+                    <a:latin typeface="Cambria Math" panose="02040503050406030204" pitchFamily="18" charset="0"/>
+                    <a:cs typeface="Times New Roman" panose="02020603050405020304" pitchFamily="18" charset="0"/>
+                  </a:rPr>
+                  <a:t>cut</a:t>
+                </a:r>
+                <a:r>
+                  <a:rPr lang="es-ES" sz="2000" i="1" dirty="0">
+                    <a:latin typeface="Cambria Math" panose="02040503050406030204" pitchFamily="18" charset="0"/>
+                    <a:cs typeface="Times New Roman" panose="02020603050405020304" pitchFamily="18" charset="0"/>
+                  </a:rPr>
+                  <a:t> off </a:t>
+                </a:r>
+                <a:r>
+                  <a:rPr lang="es-ES" sz="2000" i="1" dirty="0" err="1">
+                    <a:latin typeface="Cambria Math" panose="02040503050406030204" pitchFamily="18" charset="0"/>
+                    <a:cs typeface="Times New Roman" panose="02020603050405020304" pitchFamily="18" charset="0"/>
+                  </a:rPr>
+                  <a:t>of</a:t>
+                </a:r>
+                <a:r>
+                  <a:rPr lang="es-ES" sz="2000" i="1" dirty="0">
+                    <a:latin typeface="Cambria Math" panose="02040503050406030204" pitchFamily="18" charset="0"/>
+                    <a:cs typeface="Times New Roman" panose="02020603050405020304" pitchFamily="18" charset="0"/>
+                  </a:rPr>
+                  <a:t> 0.67</a:t>
+                </a:r>
+              </a:p>
+              <a:p>
+                <a:r>
+                  <a:rPr lang="es-ES" sz="2000" i="1" dirty="0">
+                    <a:latin typeface="Cambria Math" panose="02040503050406030204" pitchFamily="18" charset="0"/>
+                    <a:cs typeface="Times New Roman" panose="02020603050405020304" pitchFamily="18" charset="0"/>
+                  </a:rPr>
+                  <a:t>24-5-1</a:t>
+                </a:r>
+              </a:p>
+              <a:p>
+                <a:pPr marL="0" indent="0">
+                  <a:buNone/>
+                </a:pPr>
+                <a:endParaRPr lang="en-GB" sz="4400" dirty="0"/>
+              </a:p>
+            </p:txBody>
+          </p:sp>
+        </mc:Choice>
+        <mc:Fallback>
+          <p:sp>
+            <p:nvSpPr>
+              <p:cNvPr id="3" name="Marcador de contenido 2">
+                <a:extLst>
+                  <a:ext uri="{FF2B5EF4-FFF2-40B4-BE49-F238E27FC236}">
+                    <a16:creationId xmlns:a16="http://schemas.microsoft.com/office/drawing/2014/main" id="{7174AC12-8856-074F-931F-B0E18FF41F58}"/>
+                  </a:ext>
+                </a:extLst>
+              </p:cNvPr>
+              <p:cNvSpPr>
+                <a:spLocks noGrp="1" noRot="1" noChangeAspect="1" noMove="1" noResize="1" noEditPoints="1" noAdjustHandles="1" noChangeArrowheads="1" noChangeShapeType="1" noTextEdit="1"/>
+              </p:cNvSpPr>
+              <p:nvPr>
+                <p:ph idx="1"/>
+              </p:nvPr>
+            </p:nvSpPr>
+            <p:spPr>
+              <a:xfrm>
+                <a:off x="831521" y="3097268"/>
+                <a:ext cx="6928179" cy="6046731"/>
+              </a:xfrm>
+              <a:blipFill>
+                <a:blip r:embed="rId2"/>
+                <a:stretch>
+                  <a:fillRect l="-3166" t="-3024"/>
+                </a:stretch>
+              </a:blipFill>
+            </p:spPr>
+            <p:txBody>
+              <a:bodyPr/>
+              <a:lstStyle/>
+              <a:p>
+                <a:r>
+                  <a:rPr lang="es-ES">
+                    <a:noFill/>
+                  </a:rPr>
+                  <a:t> </a:t>
+                </a:r>
+              </a:p>
+            </p:txBody>
+          </p:sp>
+        </mc:Fallback>
+      </mc:AlternateContent>
+      <p:graphicFrame>
+        <p:nvGraphicFramePr>
+          <p:cNvPr id="6" name="Tabla 5">
+            <a:extLst>
+              <a:ext uri="{FF2B5EF4-FFF2-40B4-BE49-F238E27FC236}">
+                <a16:creationId xmlns:a16="http://schemas.microsoft.com/office/drawing/2014/main" id="{411E46F6-B821-8549-004E-DB659182C06C}"/>
+              </a:ext>
+            </a:extLst>
+          </p:cNvPr>
+          <p:cNvGraphicFramePr>
+            <a:graphicFrameLocks noGrp="1"/>
+          </p:cNvGraphicFramePr>
+          <p:nvPr>
+            <p:extLst>
+              <p:ext uri="{D42A27DB-BD31-4B8C-83A1-F6EECF244321}">
+                <p14:modId xmlns:p14="http://schemas.microsoft.com/office/powerpoint/2010/main" val="2692736447"/>
+              </p:ext>
+            </p:extLst>
+          </p:nvPr>
+        </p:nvGraphicFramePr>
+        <p:xfrm>
+          <a:off x="7759700" y="3962400"/>
+          <a:ext cx="10210801" cy="3037840"/>
+        </p:xfrm>
+        <a:graphic>
+          <a:graphicData uri="http://schemas.openxmlformats.org/drawingml/2006/table">
+            <a:tbl>
+              <a:tblPr firstRow="1" firstCol="1" bandRow="1"/>
+              <a:tblGrid>
+                <a:gridCol w="2548198">
+                  <a:extLst>
+                    <a:ext uri="{9D8B030D-6E8A-4147-A177-3AD203B41FA5}">
+                      <a16:colId xmlns:a16="http://schemas.microsoft.com/office/drawing/2014/main" val="2656702671"/>
+                    </a:ext>
+                  </a:extLst>
+                </a:gridCol>
+                <a:gridCol w="853802">
+                  <a:extLst>
+                    <a:ext uri="{9D8B030D-6E8A-4147-A177-3AD203B41FA5}">
+                      <a16:colId xmlns:a16="http://schemas.microsoft.com/office/drawing/2014/main" val="2198428699"/>
+                    </a:ext>
+                  </a:extLst>
+                </a:gridCol>
+                <a:gridCol w="1532280">
+                  <a:extLst>
+                    <a:ext uri="{9D8B030D-6E8A-4147-A177-3AD203B41FA5}">
+                      <a16:colId xmlns:a16="http://schemas.microsoft.com/office/drawing/2014/main" val="1638182275"/>
+                    </a:ext>
+                  </a:extLst>
+                </a:gridCol>
+                <a:gridCol w="1191240">
+                  <a:extLst>
+                    <a:ext uri="{9D8B030D-6E8A-4147-A177-3AD203B41FA5}">
+                      <a16:colId xmlns:a16="http://schemas.microsoft.com/office/drawing/2014/main" val="599473179"/>
+                    </a:ext>
+                  </a:extLst>
+                </a:gridCol>
+                <a:gridCol w="1368965">
+                  <a:extLst>
+                    <a:ext uri="{9D8B030D-6E8A-4147-A177-3AD203B41FA5}">
+                      <a16:colId xmlns:a16="http://schemas.microsoft.com/office/drawing/2014/main" val="4281411807"/>
+                    </a:ext>
+                  </a:extLst>
+                </a:gridCol>
+                <a:gridCol w="1532280">
+                  <a:extLst>
+                    <a:ext uri="{9D8B030D-6E8A-4147-A177-3AD203B41FA5}">
+                      <a16:colId xmlns:a16="http://schemas.microsoft.com/office/drawing/2014/main" val="1885867011"/>
+                    </a:ext>
+                  </a:extLst>
+                </a:gridCol>
+                <a:gridCol w="1184036">
+                  <a:extLst>
+                    <a:ext uri="{9D8B030D-6E8A-4147-A177-3AD203B41FA5}">
+                      <a16:colId xmlns:a16="http://schemas.microsoft.com/office/drawing/2014/main" val="962846396"/>
+                    </a:ext>
+                  </a:extLst>
+                </a:gridCol>
+              </a:tblGrid>
+              <a:tr h="759460">
+                <a:tc>
+                  <a:txBody>
+                    <a:bodyPr/>
+                    <a:lstStyle/>
+                    <a:p>
+                      <a:pPr algn="just">
+                        <a:lnSpc>
+                          <a:spcPct val="107000"/>
+                        </a:lnSpc>
+                        <a:spcAft>
+                          <a:spcPts val="800"/>
+                        </a:spcAft>
+                      </a:pPr>
+                      <a:r>
+                        <a:rPr lang="en-US" sz="2400" kern="100" dirty="0">
+                          <a:effectLst/>
+                          <a:latin typeface="Times New Roman" panose="02020603050405020304" pitchFamily="18" charset="0"/>
+                          <a:ea typeface="Aptos" panose="020B0004020202020204" pitchFamily="34" charset="0"/>
+                          <a:cs typeface="Times New Roman" panose="02020603050405020304" pitchFamily="18" charset="0"/>
+                        </a:rPr>
+                        <a:t> </a:t>
+                      </a:r>
+                      <a:endParaRPr lang="es-ES" sz="2400" kern="100" dirty="0">
+                        <a:effectLst/>
+                        <a:latin typeface="Times New Roman" panose="02020603050405020304" pitchFamily="18" charset="0"/>
+                        <a:ea typeface="Aptos" panose="020B0004020202020204" pitchFamily="34" charset="0"/>
+                        <a:cs typeface="Times New Roman" panose="02020603050405020304" pitchFamily="18" charset="0"/>
+                      </a:endParaRPr>
+                    </a:p>
+                  </a:txBody>
+                  <a:tcPr marL="68580" marR="68580" marT="0" marB="0" anchor="ctr">
+                    <a:lnL>
+                      <a:noFill/>
+                    </a:lnL>
+                    <a:lnR>
+                      <a:noFill/>
+                    </a:lnR>
+                    <a:lnT>
+                      <a:noFill/>
+                    </a:lnT>
+                    <a:lnB w="12700" cap="flat" cmpd="sng" algn="ctr">
+                      <a:solidFill>
+                        <a:srgbClr val="000000"/>
+                      </a:solidFill>
+                      <a:prstDash val="solid"/>
+                      <a:round/>
+                      <a:headEnd type="none" w="med" len="med"/>
+                      <a:tailEnd type="none" w="med" len="med"/>
+                    </a:lnB>
+                    <a:noFill/>
+                  </a:tcPr>
+                </a:tc>
+                <a:tc>
+                  <a:txBody>
+                    <a:bodyPr/>
+                    <a:lstStyle/>
+                    <a:p>
+                      <a:pPr algn="ctr">
+                        <a:lnSpc>
+                          <a:spcPct val="107000"/>
+                        </a:lnSpc>
+                        <a:spcAft>
+                          <a:spcPts val="800"/>
+                        </a:spcAft>
+                      </a:pPr>
+                      <a:r>
+                        <a:rPr lang="en-US" sz="2400" kern="100">
+                          <a:effectLst/>
+                          <a:latin typeface="Times New Roman" panose="02020603050405020304" pitchFamily="18" charset="0"/>
+                          <a:ea typeface="Aptos" panose="020B0004020202020204" pitchFamily="34" charset="0"/>
+                          <a:cs typeface="Times New Roman" panose="02020603050405020304" pitchFamily="18" charset="0"/>
+                        </a:rPr>
+                        <a:t>Min.</a:t>
+                      </a:r>
+                      <a:endParaRPr lang="es-ES" sz="2400" kern="100">
+                        <a:effectLst/>
+                        <a:latin typeface="Times New Roman" panose="02020603050405020304" pitchFamily="18" charset="0"/>
+                        <a:ea typeface="Aptos" panose="020B0004020202020204" pitchFamily="34" charset="0"/>
+                        <a:cs typeface="Times New Roman" panose="02020603050405020304" pitchFamily="18" charset="0"/>
+                      </a:endParaRPr>
+                    </a:p>
+                  </a:txBody>
+                  <a:tcPr marL="68580" marR="68580" marT="0" marB="0" anchor="ctr">
+                    <a:lnL>
+                      <a:noFill/>
+                    </a:lnL>
+                    <a:lnR>
+                      <a:noFill/>
+                    </a:lnR>
+                    <a:lnT>
+                      <a:noFill/>
+                    </a:lnT>
+                    <a:lnB w="12700" cap="flat" cmpd="sng" algn="ctr">
+                      <a:solidFill>
+                        <a:srgbClr val="000000"/>
+                      </a:solidFill>
+                      <a:prstDash val="solid"/>
+                      <a:round/>
+                      <a:headEnd type="none" w="med" len="med"/>
+                      <a:tailEnd type="none" w="med" len="med"/>
+                    </a:lnB>
+                    <a:noFill/>
+                  </a:tcPr>
+                </a:tc>
+                <a:tc>
+                  <a:txBody>
+                    <a:bodyPr/>
+                    <a:lstStyle/>
+                    <a:p>
+                      <a:pPr algn="ctr">
+                        <a:lnSpc>
+                          <a:spcPct val="107000"/>
+                        </a:lnSpc>
+                        <a:spcAft>
+                          <a:spcPts val="800"/>
+                        </a:spcAft>
+                      </a:pPr>
+                      <a:r>
+                        <a:rPr lang="en-US" sz="2400" kern="100">
+                          <a:effectLst/>
+                          <a:latin typeface="Times New Roman" panose="02020603050405020304" pitchFamily="18" charset="0"/>
+                          <a:ea typeface="Aptos" panose="020B0004020202020204" pitchFamily="34" charset="0"/>
+                          <a:cs typeface="Times New Roman" panose="02020603050405020304" pitchFamily="18" charset="0"/>
+                        </a:rPr>
+                        <a:t>1st Quartil</a:t>
+                      </a:r>
+                      <a:endParaRPr lang="es-ES" sz="2400" kern="100">
+                        <a:effectLst/>
+                        <a:latin typeface="Times New Roman" panose="02020603050405020304" pitchFamily="18" charset="0"/>
+                        <a:ea typeface="Aptos" panose="020B0004020202020204" pitchFamily="34" charset="0"/>
+                        <a:cs typeface="Times New Roman" panose="02020603050405020304" pitchFamily="18" charset="0"/>
+                      </a:endParaRPr>
+                    </a:p>
+                  </a:txBody>
+                  <a:tcPr marL="68580" marR="68580" marT="0" marB="0" anchor="ctr">
+                    <a:lnL>
+                      <a:noFill/>
+                    </a:lnL>
+                    <a:lnR>
+                      <a:noFill/>
+                    </a:lnR>
+                    <a:lnT>
+                      <a:noFill/>
+                    </a:lnT>
+                    <a:lnB w="12700" cap="flat" cmpd="sng" algn="ctr">
+                      <a:solidFill>
+                        <a:srgbClr val="000000"/>
+                      </a:solidFill>
+                      <a:prstDash val="solid"/>
+                      <a:round/>
+                      <a:headEnd type="none" w="med" len="med"/>
+                      <a:tailEnd type="none" w="med" len="med"/>
+                    </a:lnB>
+                    <a:noFill/>
+                  </a:tcPr>
+                </a:tc>
+                <a:tc>
+                  <a:txBody>
+                    <a:bodyPr/>
+                    <a:lstStyle/>
+                    <a:p>
+                      <a:pPr algn="ctr">
+                        <a:lnSpc>
+                          <a:spcPct val="107000"/>
+                        </a:lnSpc>
+                        <a:spcAft>
+                          <a:spcPts val="800"/>
+                        </a:spcAft>
+                      </a:pPr>
+                      <a:r>
+                        <a:rPr lang="en-US" sz="2400" kern="100">
+                          <a:effectLst/>
+                          <a:latin typeface="Times New Roman" panose="02020603050405020304" pitchFamily="18" charset="0"/>
+                          <a:ea typeface="Aptos" panose="020B0004020202020204" pitchFamily="34" charset="0"/>
+                          <a:cs typeface="Times New Roman" panose="02020603050405020304" pitchFamily="18" charset="0"/>
+                        </a:rPr>
+                        <a:t>Median</a:t>
+                      </a:r>
+                      <a:endParaRPr lang="es-ES" sz="2400" kern="100">
+                        <a:effectLst/>
+                        <a:latin typeface="Times New Roman" panose="02020603050405020304" pitchFamily="18" charset="0"/>
+                        <a:ea typeface="Aptos" panose="020B0004020202020204" pitchFamily="34" charset="0"/>
+                        <a:cs typeface="Times New Roman" panose="02020603050405020304" pitchFamily="18" charset="0"/>
+                      </a:endParaRPr>
+                    </a:p>
+                  </a:txBody>
+                  <a:tcPr marL="68580" marR="68580" marT="0" marB="0" anchor="ctr">
+                    <a:lnL>
+                      <a:noFill/>
+                    </a:lnL>
+                    <a:lnR>
+                      <a:noFill/>
+                    </a:lnR>
+                    <a:lnT>
+                      <a:noFill/>
+                    </a:lnT>
+                    <a:lnB w="12700" cap="flat" cmpd="sng" algn="ctr">
+                      <a:solidFill>
+                        <a:srgbClr val="000000"/>
+                      </a:solidFill>
+                      <a:prstDash val="solid"/>
+                      <a:round/>
+                      <a:headEnd type="none" w="med" len="med"/>
+                      <a:tailEnd type="none" w="med" len="med"/>
+                    </a:lnB>
+                    <a:noFill/>
+                  </a:tcPr>
+                </a:tc>
+                <a:tc>
+                  <a:txBody>
+                    <a:bodyPr/>
+                    <a:lstStyle/>
+                    <a:p>
+                      <a:pPr algn="ctr">
+                        <a:lnSpc>
+                          <a:spcPct val="107000"/>
+                        </a:lnSpc>
+                        <a:spcAft>
+                          <a:spcPts val="800"/>
+                        </a:spcAft>
+                      </a:pPr>
+                      <a:r>
+                        <a:rPr lang="en-US" sz="2400" kern="100">
+                          <a:effectLst/>
+                          <a:latin typeface="Times New Roman" panose="02020603050405020304" pitchFamily="18" charset="0"/>
+                          <a:ea typeface="Aptos" panose="020B0004020202020204" pitchFamily="34" charset="0"/>
+                          <a:cs typeface="Times New Roman" panose="02020603050405020304" pitchFamily="18" charset="0"/>
+                        </a:rPr>
+                        <a:t>Mean</a:t>
+                      </a:r>
+                      <a:endParaRPr lang="es-ES" sz="2400" kern="100">
+                        <a:effectLst/>
+                        <a:latin typeface="Times New Roman" panose="02020603050405020304" pitchFamily="18" charset="0"/>
+                        <a:ea typeface="Aptos" panose="020B0004020202020204" pitchFamily="34" charset="0"/>
+                        <a:cs typeface="Times New Roman" panose="02020603050405020304" pitchFamily="18" charset="0"/>
+                      </a:endParaRPr>
+                    </a:p>
+                  </a:txBody>
+                  <a:tcPr marL="68580" marR="68580" marT="0" marB="0" anchor="ctr">
+                    <a:lnL>
+                      <a:noFill/>
+                    </a:lnL>
+                    <a:lnR>
+                      <a:noFill/>
+                    </a:lnR>
+                    <a:lnT>
+                      <a:noFill/>
+                    </a:lnT>
+                    <a:lnB w="12700" cap="flat" cmpd="sng" algn="ctr">
+                      <a:solidFill>
+                        <a:srgbClr val="000000"/>
+                      </a:solidFill>
+                      <a:prstDash val="solid"/>
+                      <a:round/>
+                      <a:headEnd type="none" w="med" len="med"/>
+                      <a:tailEnd type="none" w="med" len="med"/>
+                    </a:lnB>
+                    <a:noFill/>
+                  </a:tcPr>
+                </a:tc>
+                <a:tc>
+                  <a:txBody>
+                    <a:bodyPr/>
+                    <a:lstStyle/>
+                    <a:p>
+                      <a:pPr algn="ctr">
+                        <a:lnSpc>
+                          <a:spcPct val="107000"/>
+                        </a:lnSpc>
+                        <a:spcAft>
+                          <a:spcPts val="800"/>
+                        </a:spcAft>
+                      </a:pPr>
+                      <a:r>
+                        <a:rPr lang="en-US" sz="2400" kern="100">
+                          <a:effectLst/>
+                          <a:latin typeface="Times New Roman" panose="02020603050405020304" pitchFamily="18" charset="0"/>
+                          <a:ea typeface="Aptos" panose="020B0004020202020204" pitchFamily="34" charset="0"/>
+                          <a:cs typeface="Times New Roman" panose="02020603050405020304" pitchFamily="18" charset="0"/>
+                        </a:rPr>
+                        <a:t>3rd Quartil</a:t>
+                      </a:r>
+                      <a:endParaRPr lang="es-ES" sz="2400" kern="100">
+                        <a:effectLst/>
+                        <a:latin typeface="Times New Roman" panose="02020603050405020304" pitchFamily="18" charset="0"/>
+                        <a:ea typeface="Aptos" panose="020B0004020202020204" pitchFamily="34" charset="0"/>
+                        <a:cs typeface="Times New Roman" panose="02020603050405020304" pitchFamily="18" charset="0"/>
+                      </a:endParaRPr>
+                    </a:p>
+                  </a:txBody>
+                  <a:tcPr marL="68580" marR="68580" marT="0" marB="0" anchor="ctr">
+                    <a:lnL>
+                      <a:noFill/>
+                    </a:lnL>
+                    <a:lnR>
+                      <a:noFill/>
+                    </a:lnR>
+                    <a:lnT>
+                      <a:noFill/>
+                    </a:lnT>
+                    <a:lnB w="12700" cap="flat" cmpd="sng" algn="ctr">
+                      <a:solidFill>
+                        <a:srgbClr val="000000"/>
+                      </a:solidFill>
+                      <a:prstDash val="solid"/>
+                      <a:round/>
+                      <a:headEnd type="none" w="med" len="med"/>
+                      <a:tailEnd type="none" w="med" len="med"/>
+                    </a:lnB>
+                    <a:noFill/>
+                  </a:tcPr>
+                </a:tc>
+                <a:tc>
+                  <a:txBody>
+                    <a:bodyPr/>
+                    <a:lstStyle/>
+                    <a:p>
+                      <a:pPr algn="ctr">
+                        <a:lnSpc>
+                          <a:spcPct val="107000"/>
+                        </a:lnSpc>
+                        <a:spcAft>
+                          <a:spcPts val="800"/>
+                        </a:spcAft>
+                      </a:pPr>
+                      <a:r>
+                        <a:rPr lang="en-US" sz="2400" kern="100">
+                          <a:effectLst/>
+                          <a:latin typeface="Times New Roman" panose="02020603050405020304" pitchFamily="18" charset="0"/>
+                          <a:ea typeface="Aptos" panose="020B0004020202020204" pitchFamily="34" charset="0"/>
+                          <a:cs typeface="Times New Roman" panose="02020603050405020304" pitchFamily="18" charset="0"/>
+                        </a:rPr>
+                        <a:t>Max.</a:t>
+                      </a:r>
+                      <a:endParaRPr lang="es-ES" sz="2400" kern="100">
+                        <a:effectLst/>
+                        <a:latin typeface="Times New Roman" panose="02020603050405020304" pitchFamily="18" charset="0"/>
+                        <a:ea typeface="Aptos" panose="020B0004020202020204" pitchFamily="34" charset="0"/>
+                        <a:cs typeface="Times New Roman" panose="02020603050405020304" pitchFamily="18" charset="0"/>
+                      </a:endParaRPr>
+                    </a:p>
+                  </a:txBody>
+                  <a:tcPr marL="68580" marR="68580" marT="0" marB="0" anchor="ctr">
+                    <a:lnL>
+                      <a:noFill/>
+                    </a:lnL>
+                    <a:lnR>
+                      <a:noFill/>
+                    </a:lnR>
+                    <a:lnT>
+                      <a:noFill/>
+                    </a:lnT>
+                    <a:lnB w="12700" cap="flat" cmpd="sng" algn="ctr">
+                      <a:solidFill>
+                        <a:srgbClr val="000000"/>
+                      </a:solidFill>
+                      <a:prstDash val="solid"/>
+                      <a:round/>
+                      <a:headEnd type="none" w="med" len="med"/>
+                      <a:tailEnd type="none" w="med" len="med"/>
+                    </a:lnB>
+                    <a:noFill/>
+                  </a:tcPr>
+                </a:tc>
+                <a:extLst>
+                  <a:ext uri="{0D108BD9-81ED-4DB2-BD59-A6C34878D82A}">
+                    <a16:rowId xmlns:a16="http://schemas.microsoft.com/office/drawing/2014/main" val="3899568558"/>
+                  </a:ext>
+                </a:extLst>
+              </a:tr>
+              <a:tr h="759460">
+                <a:tc>
+                  <a:txBody>
+                    <a:bodyPr/>
+                    <a:lstStyle/>
+                    <a:p>
+                      <a:pPr algn="l">
+                        <a:lnSpc>
+                          <a:spcPct val="107000"/>
+                        </a:lnSpc>
+                        <a:spcAft>
+                          <a:spcPts val="800"/>
+                        </a:spcAft>
+                      </a:pPr>
+                      <a:r>
+                        <a:rPr lang="en-US" sz="2400" kern="100" dirty="0">
+                          <a:effectLst/>
+                          <a:latin typeface="Times New Roman" panose="02020603050405020304" pitchFamily="18" charset="0"/>
+                          <a:ea typeface="Aptos" panose="020B0004020202020204" pitchFamily="34" charset="0"/>
+                          <a:cs typeface="Times New Roman" panose="02020603050405020304" pitchFamily="18" charset="0"/>
+                        </a:rPr>
+                        <a:t>DEA super efficiency</a:t>
+                      </a:r>
+                      <a:endParaRPr lang="es-ES" sz="2400" kern="100" dirty="0">
+                        <a:effectLst/>
+                        <a:latin typeface="Times New Roman" panose="02020603050405020304" pitchFamily="18" charset="0"/>
+                        <a:ea typeface="Aptos" panose="020B0004020202020204" pitchFamily="34" charset="0"/>
+                        <a:cs typeface="Times New Roman" panose="02020603050405020304" pitchFamily="18" charset="0"/>
+                      </a:endParaRPr>
+                    </a:p>
+                  </a:txBody>
+                  <a:tcPr marL="68580" marR="68580" marT="0" marB="0" anchor="ctr">
+                    <a:lnL>
+                      <a:noFill/>
+                    </a:lnL>
+                    <a:lnR>
+                      <a:noFill/>
+                    </a:lnR>
+                    <a:lnT w="12700" cap="flat" cmpd="sng" algn="ctr">
+                      <a:solidFill>
+                        <a:srgbClr val="000000"/>
+                      </a:solidFill>
+                      <a:prstDash val="solid"/>
+                      <a:round/>
+                      <a:headEnd type="none" w="med" len="med"/>
+                      <a:tailEnd type="none" w="med" len="med"/>
+                    </a:lnT>
+                    <a:lnB w="12700" cap="flat" cmpd="sng" algn="ctr">
+                      <a:solidFill>
+                        <a:srgbClr val="000000"/>
+                      </a:solidFill>
+                      <a:prstDash val="solid"/>
+                      <a:round/>
+                      <a:headEnd type="none" w="med" len="med"/>
+                      <a:tailEnd type="none" w="med" len="med"/>
+                    </a:lnB>
+                    <a:noFill/>
+                  </a:tcPr>
+                </a:tc>
+                <a:tc>
+                  <a:txBody>
+                    <a:bodyPr/>
+                    <a:lstStyle/>
+                    <a:p>
+                      <a:pPr algn="ctr">
+                        <a:lnSpc>
+                          <a:spcPct val="107000"/>
+                        </a:lnSpc>
+                        <a:spcAft>
+                          <a:spcPts val="800"/>
+                        </a:spcAft>
+                      </a:pPr>
+                      <a:r>
+                        <a:rPr lang="en-US" sz="2400" kern="100">
+                          <a:effectLst/>
+                          <a:latin typeface="Times New Roman" panose="02020603050405020304" pitchFamily="18" charset="0"/>
+                          <a:ea typeface="Aptos" panose="020B0004020202020204" pitchFamily="34" charset="0"/>
+                          <a:cs typeface="Times New Roman" panose="02020603050405020304" pitchFamily="18" charset="0"/>
+                        </a:rPr>
+                        <a:t>0.899</a:t>
+                      </a:r>
+                      <a:endParaRPr lang="es-ES" sz="2400" kern="100">
+                        <a:effectLst/>
+                        <a:latin typeface="Times New Roman" panose="02020603050405020304" pitchFamily="18" charset="0"/>
+                        <a:ea typeface="Aptos" panose="020B0004020202020204" pitchFamily="34" charset="0"/>
+                        <a:cs typeface="Times New Roman" panose="02020603050405020304" pitchFamily="18" charset="0"/>
+                      </a:endParaRPr>
+                    </a:p>
+                  </a:txBody>
+                  <a:tcPr marL="68580" marR="68580" marT="0" marB="0" anchor="ctr">
+                    <a:lnL>
+                      <a:noFill/>
+                    </a:lnL>
+                    <a:lnR>
+                      <a:noFill/>
+                    </a:lnR>
+                    <a:lnT w="12700" cap="flat" cmpd="sng" algn="ctr">
+                      <a:solidFill>
+                        <a:srgbClr val="000000"/>
+                      </a:solidFill>
+                      <a:prstDash val="solid"/>
+                      <a:round/>
+                      <a:headEnd type="none" w="med" len="med"/>
+                      <a:tailEnd type="none" w="med" len="med"/>
+                    </a:lnT>
+                    <a:lnB w="12700" cap="flat" cmpd="sng" algn="ctr">
+                      <a:solidFill>
+                        <a:srgbClr val="000000"/>
+                      </a:solidFill>
+                      <a:prstDash val="solid"/>
+                      <a:round/>
+                      <a:headEnd type="none" w="med" len="med"/>
+                      <a:tailEnd type="none" w="med" len="med"/>
+                    </a:lnB>
+                    <a:noFill/>
+                  </a:tcPr>
+                </a:tc>
+                <a:tc>
+                  <a:txBody>
+                    <a:bodyPr/>
+                    <a:lstStyle/>
+                    <a:p>
+                      <a:pPr algn="ctr">
+                        <a:lnSpc>
+                          <a:spcPct val="107000"/>
+                        </a:lnSpc>
+                        <a:spcAft>
+                          <a:spcPts val="800"/>
+                        </a:spcAft>
+                      </a:pPr>
+                      <a:r>
+                        <a:rPr lang="en-US" sz="2400" kern="100" dirty="0">
+                          <a:effectLst/>
+                          <a:latin typeface="Times New Roman" panose="02020603050405020304" pitchFamily="18" charset="0"/>
+                          <a:ea typeface="Aptos" panose="020B0004020202020204" pitchFamily="34" charset="0"/>
+                          <a:cs typeface="Times New Roman" panose="02020603050405020304" pitchFamily="18" charset="0"/>
+                        </a:rPr>
+                        <a:t>1.060</a:t>
+                      </a:r>
+                      <a:endParaRPr lang="es-ES" sz="2400" kern="100" dirty="0">
+                        <a:effectLst/>
+                        <a:latin typeface="Times New Roman" panose="02020603050405020304" pitchFamily="18" charset="0"/>
+                        <a:ea typeface="Aptos" panose="020B0004020202020204" pitchFamily="34" charset="0"/>
+                        <a:cs typeface="Times New Roman" panose="02020603050405020304" pitchFamily="18" charset="0"/>
+                      </a:endParaRPr>
+                    </a:p>
+                  </a:txBody>
+                  <a:tcPr marL="68580" marR="68580" marT="0" marB="0" anchor="ctr">
+                    <a:lnL>
+                      <a:noFill/>
+                    </a:lnL>
+                    <a:lnR>
+                      <a:noFill/>
+                    </a:lnR>
+                    <a:lnT w="12700" cap="flat" cmpd="sng" algn="ctr">
+                      <a:solidFill>
+                        <a:srgbClr val="000000"/>
+                      </a:solidFill>
+                      <a:prstDash val="solid"/>
+                      <a:round/>
+                      <a:headEnd type="none" w="med" len="med"/>
+                      <a:tailEnd type="none" w="med" len="med"/>
+                    </a:lnT>
+                    <a:lnB w="12700" cap="flat" cmpd="sng" algn="ctr">
+                      <a:solidFill>
+                        <a:srgbClr val="000000"/>
+                      </a:solidFill>
+                      <a:prstDash val="solid"/>
+                      <a:round/>
+                      <a:headEnd type="none" w="med" len="med"/>
+                      <a:tailEnd type="none" w="med" len="med"/>
+                    </a:lnB>
+                    <a:noFill/>
+                  </a:tcPr>
+                </a:tc>
+                <a:tc>
+                  <a:txBody>
+                    <a:bodyPr/>
+                    <a:lstStyle/>
+                    <a:p>
+                      <a:pPr algn="ctr">
+                        <a:lnSpc>
+                          <a:spcPct val="107000"/>
+                        </a:lnSpc>
+                        <a:spcAft>
+                          <a:spcPts val="800"/>
+                        </a:spcAft>
+                      </a:pPr>
+                      <a:r>
+                        <a:rPr lang="en-US" sz="2400" kern="100" dirty="0">
+                          <a:effectLst/>
+                          <a:latin typeface="Times New Roman" panose="02020603050405020304" pitchFamily="18" charset="0"/>
+                          <a:ea typeface="Aptos" panose="020B0004020202020204" pitchFamily="34" charset="0"/>
+                          <a:cs typeface="Times New Roman" panose="02020603050405020304" pitchFamily="18" charset="0"/>
+                        </a:rPr>
+                        <a:t>1.097</a:t>
+                      </a:r>
+                      <a:endParaRPr lang="es-ES" sz="2400" kern="100" dirty="0">
+                        <a:effectLst/>
+                        <a:latin typeface="Times New Roman" panose="02020603050405020304" pitchFamily="18" charset="0"/>
+                        <a:ea typeface="Aptos" panose="020B0004020202020204" pitchFamily="34" charset="0"/>
+                        <a:cs typeface="Times New Roman" panose="02020603050405020304" pitchFamily="18" charset="0"/>
+                      </a:endParaRPr>
+                    </a:p>
+                  </a:txBody>
+                  <a:tcPr marL="68580" marR="68580" marT="0" marB="0" anchor="ctr">
+                    <a:lnL>
+                      <a:noFill/>
+                    </a:lnL>
+                    <a:lnR>
+                      <a:noFill/>
+                    </a:lnR>
+                    <a:lnT w="12700" cap="flat" cmpd="sng" algn="ctr">
+                      <a:solidFill>
+                        <a:srgbClr val="000000"/>
+                      </a:solidFill>
+                      <a:prstDash val="solid"/>
+                      <a:round/>
+                      <a:headEnd type="none" w="med" len="med"/>
+                      <a:tailEnd type="none" w="med" len="med"/>
+                    </a:lnT>
+                    <a:lnB w="12700" cap="flat" cmpd="sng" algn="ctr">
+                      <a:solidFill>
+                        <a:srgbClr val="000000"/>
+                      </a:solidFill>
+                      <a:prstDash val="solid"/>
+                      <a:round/>
+                      <a:headEnd type="none" w="med" len="med"/>
+                      <a:tailEnd type="none" w="med" len="med"/>
+                    </a:lnB>
+                    <a:noFill/>
+                  </a:tcPr>
+                </a:tc>
+                <a:tc>
+                  <a:txBody>
+                    <a:bodyPr/>
+                    <a:lstStyle/>
+                    <a:p>
+                      <a:pPr algn="ctr">
+                        <a:lnSpc>
+                          <a:spcPct val="107000"/>
+                        </a:lnSpc>
+                        <a:spcAft>
+                          <a:spcPts val="800"/>
+                        </a:spcAft>
+                      </a:pPr>
+                      <a:r>
+                        <a:rPr lang="en-US" sz="2400" kern="100" dirty="0">
+                          <a:effectLst/>
+                          <a:latin typeface="Times New Roman" panose="02020603050405020304" pitchFamily="18" charset="0"/>
+                          <a:ea typeface="Aptos" panose="020B0004020202020204" pitchFamily="34" charset="0"/>
+                          <a:cs typeface="Times New Roman" panose="02020603050405020304" pitchFamily="18" charset="0"/>
+                        </a:rPr>
+                        <a:t>1.100</a:t>
+                      </a:r>
+                      <a:endParaRPr lang="es-ES" sz="2400" kern="100" dirty="0">
+                        <a:effectLst/>
+                        <a:latin typeface="Times New Roman" panose="02020603050405020304" pitchFamily="18" charset="0"/>
+                        <a:ea typeface="Aptos" panose="020B0004020202020204" pitchFamily="34" charset="0"/>
+                        <a:cs typeface="Times New Roman" panose="02020603050405020304" pitchFamily="18" charset="0"/>
+                      </a:endParaRPr>
+                    </a:p>
+                  </a:txBody>
+                  <a:tcPr marL="68580" marR="68580" marT="0" marB="0" anchor="ctr">
+                    <a:lnL>
+                      <a:noFill/>
+                    </a:lnL>
+                    <a:lnR>
+                      <a:noFill/>
+                    </a:lnR>
+                    <a:lnT w="12700" cap="flat" cmpd="sng" algn="ctr">
+                      <a:solidFill>
+                        <a:srgbClr val="000000"/>
+                      </a:solidFill>
+                      <a:prstDash val="solid"/>
+                      <a:round/>
+                      <a:headEnd type="none" w="med" len="med"/>
+                      <a:tailEnd type="none" w="med" len="med"/>
+                    </a:lnT>
+                    <a:lnB w="12700" cap="flat" cmpd="sng" algn="ctr">
+                      <a:solidFill>
+                        <a:srgbClr val="000000"/>
+                      </a:solidFill>
+                      <a:prstDash val="solid"/>
+                      <a:round/>
+                      <a:headEnd type="none" w="med" len="med"/>
+                      <a:tailEnd type="none" w="med" len="med"/>
+                    </a:lnB>
+                    <a:noFill/>
+                  </a:tcPr>
+                </a:tc>
+                <a:tc>
+                  <a:txBody>
+                    <a:bodyPr/>
+                    <a:lstStyle/>
+                    <a:p>
+                      <a:pPr algn="ctr">
+                        <a:lnSpc>
+                          <a:spcPct val="107000"/>
+                        </a:lnSpc>
+                        <a:spcAft>
+                          <a:spcPts val="800"/>
+                        </a:spcAft>
+                      </a:pPr>
+                      <a:r>
+                        <a:rPr lang="en-US" sz="2400" kern="100" dirty="0">
+                          <a:effectLst/>
+                          <a:latin typeface="Times New Roman" panose="02020603050405020304" pitchFamily="18" charset="0"/>
+                          <a:ea typeface="Aptos" panose="020B0004020202020204" pitchFamily="34" charset="0"/>
+                          <a:cs typeface="Times New Roman" panose="02020603050405020304" pitchFamily="18" charset="0"/>
+                        </a:rPr>
+                        <a:t>1.137</a:t>
+                      </a:r>
+                      <a:endParaRPr lang="es-ES" sz="2400" kern="100" dirty="0">
+                        <a:effectLst/>
+                        <a:latin typeface="Times New Roman" panose="02020603050405020304" pitchFamily="18" charset="0"/>
+                        <a:ea typeface="Aptos" panose="020B0004020202020204" pitchFamily="34" charset="0"/>
+                        <a:cs typeface="Times New Roman" panose="02020603050405020304" pitchFamily="18" charset="0"/>
+                      </a:endParaRPr>
+                    </a:p>
+                  </a:txBody>
+                  <a:tcPr marL="68580" marR="68580" marT="0" marB="0" anchor="ctr">
+                    <a:lnL>
+                      <a:noFill/>
+                    </a:lnL>
+                    <a:lnR>
+                      <a:noFill/>
+                    </a:lnR>
+                    <a:lnT w="12700" cap="flat" cmpd="sng" algn="ctr">
+                      <a:solidFill>
+                        <a:srgbClr val="000000"/>
+                      </a:solidFill>
+                      <a:prstDash val="solid"/>
+                      <a:round/>
+                      <a:headEnd type="none" w="med" len="med"/>
+                      <a:tailEnd type="none" w="med" len="med"/>
+                    </a:lnT>
+                    <a:lnB w="12700" cap="flat" cmpd="sng" algn="ctr">
+                      <a:solidFill>
+                        <a:srgbClr val="000000"/>
+                      </a:solidFill>
+                      <a:prstDash val="solid"/>
+                      <a:round/>
+                      <a:headEnd type="none" w="med" len="med"/>
+                      <a:tailEnd type="none" w="med" len="med"/>
+                    </a:lnB>
+                    <a:noFill/>
+                  </a:tcPr>
+                </a:tc>
+                <a:tc>
+                  <a:txBody>
+                    <a:bodyPr/>
+                    <a:lstStyle/>
+                    <a:p>
+                      <a:pPr algn="ctr">
+                        <a:lnSpc>
+                          <a:spcPct val="107000"/>
+                        </a:lnSpc>
+                        <a:spcAft>
+                          <a:spcPts val="800"/>
+                        </a:spcAft>
+                      </a:pPr>
+                      <a:r>
+                        <a:rPr lang="en-US" sz="2400" kern="100" dirty="0">
+                          <a:effectLst/>
+                          <a:latin typeface="Times New Roman" panose="02020603050405020304" pitchFamily="18" charset="0"/>
+                          <a:ea typeface="Aptos" panose="020B0004020202020204" pitchFamily="34" charset="0"/>
+                          <a:cs typeface="Times New Roman" panose="02020603050405020304" pitchFamily="18" charset="0"/>
+                        </a:rPr>
+                        <a:t>1.348</a:t>
+                      </a:r>
+                      <a:endParaRPr lang="es-ES" sz="2400" kern="100" dirty="0">
+                        <a:effectLst/>
+                        <a:latin typeface="Times New Roman" panose="02020603050405020304" pitchFamily="18" charset="0"/>
+                        <a:ea typeface="Aptos" panose="020B0004020202020204" pitchFamily="34" charset="0"/>
+                        <a:cs typeface="Times New Roman" panose="02020603050405020304" pitchFamily="18" charset="0"/>
+                      </a:endParaRPr>
+                    </a:p>
+                  </a:txBody>
+                  <a:tcPr marL="68580" marR="68580" marT="0" marB="0" anchor="ctr">
+                    <a:lnL>
+                      <a:noFill/>
+                    </a:lnL>
+                    <a:lnR>
+                      <a:noFill/>
+                    </a:lnR>
+                    <a:lnT w="12700" cap="flat" cmpd="sng" algn="ctr">
+                      <a:solidFill>
+                        <a:srgbClr val="000000"/>
+                      </a:solidFill>
+                      <a:prstDash val="solid"/>
+                      <a:round/>
+                      <a:headEnd type="none" w="med" len="med"/>
+                      <a:tailEnd type="none" w="med" len="med"/>
+                    </a:lnT>
+                    <a:lnB w="12700" cap="flat" cmpd="sng" algn="ctr">
+                      <a:solidFill>
+                        <a:srgbClr val="000000"/>
+                      </a:solidFill>
+                      <a:prstDash val="solid"/>
+                      <a:round/>
+                      <a:headEnd type="none" w="med" len="med"/>
+                      <a:tailEnd type="none" w="med" len="med"/>
+                    </a:lnB>
+                    <a:noFill/>
+                  </a:tcPr>
+                </a:tc>
+                <a:extLst>
+                  <a:ext uri="{0D108BD9-81ED-4DB2-BD59-A6C34878D82A}">
+                    <a16:rowId xmlns:a16="http://schemas.microsoft.com/office/drawing/2014/main" val="3397031774"/>
+                  </a:ext>
+                </a:extLst>
+              </a:tr>
+              <a:tr h="759460">
+                <a:tc>
+                  <a:txBody>
+                    <a:bodyPr/>
+                    <a:lstStyle/>
+                    <a:p>
+                      <a:pPr algn="l">
+                        <a:lnSpc>
+                          <a:spcPct val="107000"/>
+                        </a:lnSpc>
+                        <a:spcAft>
+                          <a:spcPts val="800"/>
+                        </a:spcAft>
+                      </a:pPr>
+                      <a:r>
+                        <a:rPr lang="en-US" sz="2400" kern="100">
+                          <a:effectLst/>
+                          <a:latin typeface="Times New Roman" panose="02020603050405020304" pitchFamily="18" charset="0"/>
+                          <a:ea typeface="Aptos" panose="020B0004020202020204" pitchFamily="34" charset="0"/>
+                          <a:cs typeface="Times New Roman" panose="02020603050405020304" pitchFamily="18" charset="0"/>
+                        </a:rPr>
+                        <a:t>SVM</a:t>
+                      </a:r>
+                      <a:endParaRPr lang="es-ES" sz="2400" kern="100">
+                        <a:effectLst/>
+                        <a:latin typeface="Times New Roman" panose="02020603050405020304" pitchFamily="18" charset="0"/>
+                        <a:ea typeface="Aptos" panose="020B0004020202020204" pitchFamily="34" charset="0"/>
+                        <a:cs typeface="Times New Roman" panose="02020603050405020304" pitchFamily="18" charset="0"/>
+                      </a:endParaRPr>
+                    </a:p>
+                  </a:txBody>
+                  <a:tcPr marL="68580" marR="68580" marT="0" marB="0" anchor="ctr">
+                    <a:lnL>
+                      <a:noFill/>
+                    </a:lnL>
+                    <a:lnR>
+                      <a:noFill/>
+                    </a:lnR>
+                    <a:lnT w="12700" cap="flat" cmpd="sng" algn="ctr">
+                      <a:solidFill>
+                        <a:srgbClr val="000000"/>
+                      </a:solidFill>
+                      <a:prstDash val="solid"/>
+                      <a:round/>
+                      <a:headEnd type="none" w="med" len="med"/>
+                      <a:tailEnd type="none" w="med" len="med"/>
+                    </a:lnT>
+                    <a:lnB w="12700" cap="flat" cmpd="sng" algn="ctr">
+                      <a:solidFill>
+                        <a:srgbClr val="000000"/>
+                      </a:solidFill>
+                      <a:prstDash val="solid"/>
+                      <a:round/>
+                      <a:headEnd type="none" w="med" len="med"/>
+                      <a:tailEnd type="none" w="med" len="med"/>
+                    </a:lnB>
+                    <a:noFill/>
+                  </a:tcPr>
+                </a:tc>
+                <a:tc>
+                  <a:txBody>
+                    <a:bodyPr/>
+                    <a:lstStyle/>
+                    <a:p>
+                      <a:pPr algn="ctr">
+                        <a:lnSpc>
+                          <a:spcPct val="107000"/>
+                        </a:lnSpc>
+                        <a:spcAft>
+                          <a:spcPts val="800"/>
+                        </a:spcAft>
+                      </a:pPr>
+                      <a:r>
+                        <a:rPr lang="es-ES" sz="2400" kern="100">
+                          <a:effectLst/>
+                          <a:latin typeface="Times New Roman" panose="02020603050405020304" pitchFamily="18" charset="0"/>
+                          <a:ea typeface="Aptos" panose="020B0004020202020204" pitchFamily="34" charset="0"/>
+                          <a:cs typeface="Times New Roman" panose="02020603050405020304" pitchFamily="18" charset="0"/>
+                        </a:rPr>
+                        <a:t>0.925</a:t>
+                      </a:r>
+                    </a:p>
+                  </a:txBody>
+                  <a:tcPr marL="68580" marR="68580" marT="0" marB="0" anchor="ctr">
+                    <a:lnL>
+                      <a:noFill/>
+                    </a:lnL>
+                    <a:lnR>
+                      <a:noFill/>
+                    </a:lnR>
+                    <a:lnT w="12700" cap="flat" cmpd="sng" algn="ctr">
+                      <a:solidFill>
+                        <a:srgbClr val="000000"/>
+                      </a:solidFill>
+                      <a:prstDash val="solid"/>
+                      <a:round/>
+                      <a:headEnd type="none" w="med" len="med"/>
+                      <a:tailEnd type="none" w="med" len="med"/>
+                    </a:lnT>
+                    <a:lnB w="12700" cap="flat" cmpd="sng" algn="ctr">
+                      <a:solidFill>
+                        <a:srgbClr val="000000"/>
+                      </a:solidFill>
+                      <a:prstDash val="solid"/>
+                      <a:round/>
+                      <a:headEnd type="none" w="med" len="med"/>
+                      <a:tailEnd type="none" w="med" len="med"/>
+                    </a:lnB>
+                    <a:noFill/>
+                  </a:tcPr>
+                </a:tc>
+                <a:tc>
+                  <a:txBody>
+                    <a:bodyPr/>
+                    <a:lstStyle/>
+                    <a:p>
+                      <a:pPr algn="ctr">
+                        <a:lnSpc>
+                          <a:spcPct val="107000"/>
+                        </a:lnSpc>
+                        <a:spcAft>
+                          <a:spcPts val="800"/>
+                        </a:spcAft>
+                      </a:pPr>
+                      <a:r>
+                        <a:rPr lang="es-ES" sz="2400" kern="100">
+                          <a:effectLst/>
+                          <a:latin typeface="Times New Roman" panose="02020603050405020304" pitchFamily="18" charset="0"/>
+                          <a:ea typeface="Aptos" panose="020B0004020202020204" pitchFamily="34" charset="0"/>
+                          <a:cs typeface="Times New Roman" panose="02020603050405020304" pitchFamily="18" charset="0"/>
+                        </a:rPr>
+                        <a:t>1.035</a:t>
+                      </a:r>
+                    </a:p>
+                  </a:txBody>
+                  <a:tcPr marL="68580" marR="68580" marT="0" marB="0" anchor="ctr">
+                    <a:lnL>
+                      <a:noFill/>
+                    </a:lnL>
+                    <a:lnR>
+                      <a:noFill/>
+                    </a:lnR>
+                    <a:lnT w="12700" cap="flat" cmpd="sng" algn="ctr">
+                      <a:solidFill>
+                        <a:srgbClr val="000000"/>
+                      </a:solidFill>
+                      <a:prstDash val="solid"/>
+                      <a:round/>
+                      <a:headEnd type="none" w="med" len="med"/>
+                      <a:tailEnd type="none" w="med" len="med"/>
+                    </a:lnT>
+                    <a:lnB w="12700" cap="flat" cmpd="sng" algn="ctr">
+                      <a:solidFill>
+                        <a:srgbClr val="000000"/>
+                      </a:solidFill>
+                      <a:prstDash val="solid"/>
+                      <a:round/>
+                      <a:headEnd type="none" w="med" len="med"/>
+                      <a:tailEnd type="none" w="med" len="med"/>
+                    </a:lnB>
+                    <a:noFill/>
+                  </a:tcPr>
+                </a:tc>
+                <a:tc>
+                  <a:txBody>
+                    <a:bodyPr/>
+                    <a:lstStyle/>
+                    <a:p>
+                      <a:pPr algn="ctr">
+                        <a:lnSpc>
+                          <a:spcPct val="107000"/>
+                        </a:lnSpc>
+                        <a:spcAft>
+                          <a:spcPts val="800"/>
+                        </a:spcAft>
+                      </a:pPr>
+                      <a:r>
+                        <a:rPr lang="en-US" sz="2400" kern="100" dirty="0">
+                          <a:effectLst/>
+                          <a:latin typeface="Times New Roman" panose="02020603050405020304" pitchFamily="18" charset="0"/>
+                          <a:ea typeface="Aptos" panose="020B0004020202020204" pitchFamily="34" charset="0"/>
+                          <a:cs typeface="Times New Roman" panose="02020603050405020304" pitchFamily="18" charset="0"/>
+                        </a:rPr>
+                        <a:t>1.075</a:t>
+                      </a:r>
+                      <a:endParaRPr lang="es-ES" sz="2400" kern="100" dirty="0">
+                        <a:effectLst/>
+                        <a:latin typeface="Times New Roman" panose="02020603050405020304" pitchFamily="18" charset="0"/>
+                        <a:ea typeface="Aptos" panose="020B0004020202020204" pitchFamily="34" charset="0"/>
+                        <a:cs typeface="Times New Roman" panose="02020603050405020304" pitchFamily="18" charset="0"/>
+                      </a:endParaRPr>
+                    </a:p>
+                  </a:txBody>
+                  <a:tcPr marL="68580" marR="68580" marT="0" marB="0" anchor="ctr">
+                    <a:lnL>
+                      <a:noFill/>
+                    </a:lnL>
+                    <a:lnR>
+                      <a:noFill/>
+                    </a:lnR>
+                    <a:lnT w="12700" cap="flat" cmpd="sng" algn="ctr">
+                      <a:solidFill>
+                        <a:srgbClr val="000000"/>
+                      </a:solidFill>
+                      <a:prstDash val="solid"/>
+                      <a:round/>
+                      <a:headEnd type="none" w="med" len="med"/>
+                      <a:tailEnd type="none" w="med" len="med"/>
+                    </a:lnT>
+                    <a:lnB w="12700" cap="flat" cmpd="sng" algn="ctr">
+                      <a:solidFill>
+                        <a:srgbClr val="000000"/>
+                      </a:solidFill>
+                      <a:prstDash val="solid"/>
+                      <a:round/>
+                      <a:headEnd type="none" w="med" len="med"/>
+                      <a:tailEnd type="none" w="med" len="med"/>
+                    </a:lnB>
+                    <a:noFill/>
+                  </a:tcPr>
+                </a:tc>
+                <a:tc>
+                  <a:txBody>
+                    <a:bodyPr/>
+                    <a:lstStyle/>
+                    <a:p>
+                      <a:pPr algn="ctr">
+                        <a:lnSpc>
+                          <a:spcPct val="107000"/>
+                        </a:lnSpc>
+                        <a:spcAft>
+                          <a:spcPts val="800"/>
+                        </a:spcAft>
+                      </a:pPr>
+                      <a:r>
+                        <a:rPr lang="es-ES" sz="2400" kern="100" dirty="0">
+                          <a:effectLst/>
+                          <a:latin typeface="Times New Roman" panose="02020603050405020304" pitchFamily="18" charset="0"/>
+                          <a:ea typeface="Aptos" panose="020B0004020202020204" pitchFamily="34" charset="0"/>
+                          <a:cs typeface="Times New Roman" panose="02020603050405020304" pitchFamily="18" charset="0"/>
+                        </a:rPr>
+                        <a:t>1.079</a:t>
+                      </a:r>
+                    </a:p>
+                  </a:txBody>
+                  <a:tcPr marL="68580" marR="68580" marT="0" marB="0" anchor="ctr">
+                    <a:lnL>
+                      <a:noFill/>
+                    </a:lnL>
+                    <a:lnR>
+                      <a:noFill/>
+                    </a:lnR>
+                    <a:lnT w="12700" cap="flat" cmpd="sng" algn="ctr">
+                      <a:solidFill>
+                        <a:srgbClr val="000000"/>
+                      </a:solidFill>
+                      <a:prstDash val="solid"/>
+                      <a:round/>
+                      <a:headEnd type="none" w="med" len="med"/>
+                      <a:tailEnd type="none" w="med" len="med"/>
+                    </a:lnT>
+                    <a:lnB w="12700" cap="flat" cmpd="sng" algn="ctr">
+                      <a:solidFill>
+                        <a:srgbClr val="000000"/>
+                      </a:solidFill>
+                      <a:prstDash val="solid"/>
+                      <a:round/>
+                      <a:headEnd type="none" w="med" len="med"/>
+                      <a:tailEnd type="none" w="med" len="med"/>
+                    </a:lnB>
+                    <a:noFill/>
+                  </a:tcPr>
+                </a:tc>
+                <a:tc>
+                  <a:txBody>
+                    <a:bodyPr/>
+                    <a:lstStyle/>
+                    <a:p>
+                      <a:pPr algn="ctr">
+                        <a:lnSpc>
+                          <a:spcPct val="107000"/>
+                        </a:lnSpc>
+                        <a:spcAft>
+                          <a:spcPts val="800"/>
+                        </a:spcAft>
+                      </a:pPr>
+                      <a:r>
+                        <a:rPr lang="en-US" sz="2400" kern="100" dirty="0">
+                          <a:effectLst/>
+                          <a:latin typeface="Times New Roman" panose="02020603050405020304" pitchFamily="18" charset="0"/>
+                          <a:ea typeface="Aptos" panose="020B0004020202020204" pitchFamily="34" charset="0"/>
+                          <a:cs typeface="Times New Roman" panose="02020603050405020304" pitchFamily="18" charset="0"/>
+                        </a:rPr>
+                        <a:t>1.115</a:t>
+                      </a:r>
+                      <a:endParaRPr lang="es-ES" sz="2400" kern="100" dirty="0">
+                        <a:effectLst/>
+                        <a:latin typeface="Times New Roman" panose="02020603050405020304" pitchFamily="18" charset="0"/>
+                        <a:ea typeface="Aptos" panose="020B0004020202020204" pitchFamily="34" charset="0"/>
+                        <a:cs typeface="Times New Roman" panose="02020603050405020304" pitchFamily="18" charset="0"/>
+                      </a:endParaRPr>
+                    </a:p>
+                  </a:txBody>
+                  <a:tcPr marL="68580" marR="68580" marT="0" marB="0" anchor="ctr">
+                    <a:lnL>
+                      <a:noFill/>
+                    </a:lnL>
+                    <a:lnR>
+                      <a:noFill/>
+                    </a:lnR>
+                    <a:lnT w="12700" cap="flat" cmpd="sng" algn="ctr">
+                      <a:solidFill>
+                        <a:srgbClr val="000000"/>
+                      </a:solidFill>
+                      <a:prstDash val="solid"/>
+                      <a:round/>
+                      <a:headEnd type="none" w="med" len="med"/>
+                      <a:tailEnd type="none" w="med" len="med"/>
+                    </a:lnT>
+                    <a:lnB w="12700" cap="flat" cmpd="sng" algn="ctr">
+                      <a:solidFill>
+                        <a:srgbClr val="000000"/>
+                      </a:solidFill>
+                      <a:prstDash val="solid"/>
+                      <a:round/>
+                      <a:headEnd type="none" w="med" len="med"/>
+                      <a:tailEnd type="none" w="med" len="med"/>
+                    </a:lnB>
+                    <a:noFill/>
+                  </a:tcPr>
+                </a:tc>
+                <a:tc>
+                  <a:txBody>
+                    <a:bodyPr/>
+                    <a:lstStyle/>
+                    <a:p>
+                      <a:pPr algn="ctr">
+                        <a:lnSpc>
+                          <a:spcPct val="107000"/>
+                        </a:lnSpc>
+                        <a:spcAft>
+                          <a:spcPts val="800"/>
+                        </a:spcAft>
+                      </a:pPr>
+                      <a:r>
+                        <a:rPr lang="en-US" sz="2400" kern="100">
+                          <a:effectLst/>
+                          <a:latin typeface="Times New Roman" panose="02020603050405020304" pitchFamily="18" charset="0"/>
+                          <a:ea typeface="Aptos" panose="020B0004020202020204" pitchFamily="34" charset="0"/>
+                          <a:cs typeface="Times New Roman" panose="02020603050405020304" pitchFamily="18" charset="0"/>
+                        </a:rPr>
+                        <a:t>1.305</a:t>
+                      </a:r>
+                      <a:endParaRPr lang="es-ES" sz="2400" kern="100">
+                        <a:effectLst/>
+                        <a:latin typeface="Times New Roman" panose="02020603050405020304" pitchFamily="18" charset="0"/>
+                        <a:ea typeface="Aptos" panose="020B0004020202020204" pitchFamily="34" charset="0"/>
+                        <a:cs typeface="Times New Roman" panose="02020603050405020304" pitchFamily="18" charset="0"/>
+                      </a:endParaRPr>
+                    </a:p>
+                  </a:txBody>
+                  <a:tcPr marL="68580" marR="68580" marT="0" marB="0" anchor="ctr">
+                    <a:lnL>
+                      <a:noFill/>
+                    </a:lnL>
+                    <a:lnR>
+                      <a:noFill/>
+                    </a:lnR>
+                    <a:lnT w="12700" cap="flat" cmpd="sng" algn="ctr">
+                      <a:solidFill>
+                        <a:srgbClr val="000000"/>
+                      </a:solidFill>
+                      <a:prstDash val="solid"/>
+                      <a:round/>
+                      <a:headEnd type="none" w="med" len="med"/>
+                      <a:tailEnd type="none" w="med" len="med"/>
+                    </a:lnT>
+                    <a:lnB w="12700" cap="flat" cmpd="sng" algn="ctr">
+                      <a:solidFill>
+                        <a:srgbClr val="000000"/>
+                      </a:solidFill>
+                      <a:prstDash val="solid"/>
+                      <a:round/>
+                      <a:headEnd type="none" w="med" len="med"/>
+                      <a:tailEnd type="none" w="med" len="med"/>
+                    </a:lnB>
+                    <a:noFill/>
+                  </a:tcPr>
+                </a:tc>
+                <a:extLst>
+                  <a:ext uri="{0D108BD9-81ED-4DB2-BD59-A6C34878D82A}">
+                    <a16:rowId xmlns:a16="http://schemas.microsoft.com/office/drawing/2014/main" val="1098177505"/>
+                  </a:ext>
+                </a:extLst>
+              </a:tr>
+              <a:tr h="759460">
+                <a:tc>
+                  <a:txBody>
+                    <a:bodyPr/>
+                    <a:lstStyle/>
+                    <a:p>
+                      <a:pPr algn="l">
+                        <a:lnSpc>
+                          <a:spcPct val="107000"/>
+                        </a:lnSpc>
+                        <a:spcAft>
+                          <a:spcPts val="800"/>
+                        </a:spcAft>
+                      </a:pPr>
+                      <a:r>
+                        <a:rPr lang="en-US" sz="2400" kern="100" dirty="0">
+                          <a:effectLst/>
+                          <a:latin typeface="Times New Roman" panose="02020603050405020304" pitchFamily="18" charset="0"/>
+                          <a:ea typeface="Aptos" panose="020B0004020202020204" pitchFamily="34" charset="0"/>
+                          <a:cs typeface="Times New Roman" panose="02020603050405020304" pitchFamily="18" charset="0"/>
+                        </a:rPr>
+                        <a:t>Neuronal Network</a:t>
+                      </a:r>
+                      <a:endParaRPr lang="es-ES" sz="2400" kern="100" dirty="0">
+                        <a:effectLst/>
+                        <a:latin typeface="Times New Roman" panose="02020603050405020304" pitchFamily="18" charset="0"/>
+                        <a:ea typeface="Aptos" panose="020B0004020202020204" pitchFamily="34" charset="0"/>
+                        <a:cs typeface="Times New Roman" panose="02020603050405020304" pitchFamily="18" charset="0"/>
+                      </a:endParaRPr>
+                    </a:p>
+                  </a:txBody>
+                  <a:tcPr marL="68580" marR="68580" marT="0" marB="0" anchor="ctr">
+                    <a:lnL>
+                      <a:noFill/>
+                    </a:lnL>
+                    <a:lnR>
+                      <a:noFill/>
+                    </a:lnR>
+                    <a:lnT w="12700" cap="flat" cmpd="sng" algn="ctr">
+                      <a:solidFill>
+                        <a:srgbClr val="000000"/>
+                      </a:solidFill>
+                      <a:prstDash val="solid"/>
+                      <a:round/>
+                      <a:headEnd type="none" w="med" len="med"/>
+                      <a:tailEnd type="none" w="med" len="med"/>
+                    </a:lnT>
+                    <a:lnB w="12700" cap="flat" cmpd="sng" algn="ctr">
+                      <a:solidFill>
+                        <a:srgbClr val="000000"/>
+                      </a:solidFill>
+                      <a:prstDash val="solid"/>
+                      <a:round/>
+                      <a:headEnd type="none" w="med" len="med"/>
+                      <a:tailEnd type="none" w="med" len="med"/>
+                    </a:lnB>
+                    <a:noFill/>
+                  </a:tcPr>
+                </a:tc>
+                <a:tc>
+                  <a:txBody>
+                    <a:bodyPr/>
+                    <a:lstStyle/>
+                    <a:p>
+                      <a:pPr algn="ctr">
+                        <a:lnSpc>
+                          <a:spcPct val="107000"/>
+                        </a:lnSpc>
+                        <a:spcAft>
+                          <a:spcPts val="800"/>
+                        </a:spcAft>
+                      </a:pPr>
+                      <a:r>
+                        <a:rPr lang="es-ES" sz="2400" kern="100" dirty="0">
+                          <a:effectLst/>
+                          <a:latin typeface="Times New Roman" panose="02020603050405020304" pitchFamily="18" charset="0"/>
+                          <a:ea typeface="Aptos" panose="020B0004020202020204" pitchFamily="34" charset="0"/>
+                          <a:cs typeface="Times New Roman" panose="02020603050405020304" pitchFamily="18" charset="0"/>
+                        </a:rPr>
+                        <a:t>0.795</a:t>
+                      </a:r>
+                    </a:p>
+                  </a:txBody>
+                  <a:tcPr marL="68580" marR="68580" marT="0" marB="0" anchor="ctr">
+                    <a:lnL>
+                      <a:noFill/>
+                    </a:lnL>
+                    <a:lnR>
+                      <a:noFill/>
+                    </a:lnR>
+                    <a:lnT w="12700" cap="flat" cmpd="sng" algn="ctr">
+                      <a:solidFill>
+                        <a:srgbClr val="000000"/>
+                      </a:solidFill>
+                      <a:prstDash val="solid"/>
+                      <a:round/>
+                      <a:headEnd type="none" w="med" len="med"/>
+                      <a:tailEnd type="none" w="med" len="med"/>
+                    </a:lnT>
+                    <a:lnB w="12700" cap="flat" cmpd="sng" algn="ctr">
+                      <a:solidFill>
+                        <a:srgbClr val="000000"/>
+                      </a:solidFill>
+                      <a:prstDash val="solid"/>
+                      <a:round/>
+                      <a:headEnd type="none" w="med" len="med"/>
+                      <a:tailEnd type="none" w="med" len="med"/>
+                    </a:lnB>
+                    <a:noFill/>
+                  </a:tcPr>
+                </a:tc>
+                <a:tc>
+                  <a:txBody>
+                    <a:bodyPr/>
+                    <a:lstStyle/>
+                    <a:p>
+                      <a:pPr algn="ctr">
+                        <a:lnSpc>
+                          <a:spcPct val="107000"/>
+                        </a:lnSpc>
+                        <a:spcAft>
+                          <a:spcPts val="800"/>
+                        </a:spcAft>
+                      </a:pPr>
+                      <a:r>
+                        <a:rPr lang="es-ES" sz="2400" kern="100" dirty="0">
+                          <a:effectLst/>
+                          <a:latin typeface="Times New Roman" panose="02020603050405020304" pitchFamily="18" charset="0"/>
+                          <a:ea typeface="Aptos" panose="020B0004020202020204" pitchFamily="34" charset="0"/>
+                          <a:cs typeface="Times New Roman" panose="02020603050405020304" pitchFamily="18" charset="0"/>
+                        </a:rPr>
+                        <a:t>1.035</a:t>
+                      </a:r>
+                    </a:p>
+                  </a:txBody>
+                  <a:tcPr marL="68580" marR="68580" marT="0" marB="0" anchor="ctr">
+                    <a:lnL>
+                      <a:noFill/>
+                    </a:lnL>
+                    <a:lnR>
+                      <a:noFill/>
+                    </a:lnR>
+                    <a:lnT w="12700" cap="flat" cmpd="sng" algn="ctr">
+                      <a:solidFill>
+                        <a:srgbClr val="000000"/>
+                      </a:solidFill>
+                      <a:prstDash val="solid"/>
+                      <a:round/>
+                      <a:headEnd type="none" w="med" len="med"/>
+                      <a:tailEnd type="none" w="med" len="med"/>
+                    </a:lnT>
+                    <a:lnB w="12700" cap="flat" cmpd="sng" algn="ctr">
+                      <a:solidFill>
+                        <a:srgbClr val="000000"/>
+                      </a:solidFill>
+                      <a:prstDash val="solid"/>
+                      <a:round/>
+                      <a:headEnd type="none" w="med" len="med"/>
+                      <a:tailEnd type="none" w="med" len="med"/>
+                    </a:lnB>
+                    <a:noFill/>
+                  </a:tcPr>
+                </a:tc>
+                <a:tc>
+                  <a:txBody>
+                    <a:bodyPr/>
+                    <a:lstStyle/>
+                    <a:p>
+                      <a:pPr algn="ctr">
+                        <a:lnSpc>
+                          <a:spcPct val="107000"/>
+                        </a:lnSpc>
+                        <a:spcAft>
+                          <a:spcPts val="800"/>
+                        </a:spcAft>
+                      </a:pPr>
+                      <a:r>
+                        <a:rPr lang="es-ES" sz="2400" kern="100" dirty="0">
+                          <a:effectLst/>
+                          <a:latin typeface="Times New Roman" panose="02020603050405020304" pitchFamily="18" charset="0"/>
+                          <a:ea typeface="Aptos" panose="020B0004020202020204" pitchFamily="34" charset="0"/>
+                          <a:cs typeface="Times New Roman" panose="02020603050405020304" pitchFamily="18" charset="0"/>
+                        </a:rPr>
+                        <a:t>1.075</a:t>
+                      </a:r>
+                    </a:p>
+                  </a:txBody>
+                  <a:tcPr marL="68580" marR="68580" marT="0" marB="0" anchor="ctr">
+                    <a:lnL>
+                      <a:noFill/>
+                    </a:lnL>
+                    <a:lnR>
+                      <a:noFill/>
+                    </a:lnR>
+                    <a:lnT w="12700" cap="flat" cmpd="sng" algn="ctr">
+                      <a:solidFill>
+                        <a:srgbClr val="000000"/>
+                      </a:solidFill>
+                      <a:prstDash val="solid"/>
+                      <a:round/>
+                      <a:headEnd type="none" w="med" len="med"/>
+                      <a:tailEnd type="none" w="med" len="med"/>
+                    </a:lnT>
+                    <a:lnB w="12700" cap="flat" cmpd="sng" algn="ctr">
+                      <a:solidFill>
+                        <a:srgbClr val="000000"/>
+                      </a:solidFill>
+                      <a:prstDash val="solid"/>
+                      <a:round/>
+                      <a:headEnd type="none" w="med" len="med"/>
+                      <a:tailEnd type="none" w="med" len="med"/>
+                    </a:lnB>
+                    <a:noFill/>
+                  </a:tcPr>
+                </a:tc>
+                <a:tc>
+                  <a:txBody>
+                    <a:bodyPr/>
+                    <a:lstStyle/>
+                    <a:p>
+                      <a:pPr algn="ctr">
+                        <a:lnSpc>
+                          <a:spcPct val="107000"/>
+                        </a:lnSpc>
+                        <a:spcAft>
+                          <a:spcPts val="800"/>
+                        </a:spcAft>
+                      </a:pPr>
+                      <a:r>
+                        <a:rPr lang="es-ES" sz="2400" kern="100" dirty="0">
+                          <a:effectLst/>
+                          <a:latin typeface="Times New Roman" panose="02020603050405020304" pitchFamily="18" charset="0"/>
+                          <a:ea typeface="Aptos" panose="020B0004020202020204" pitchFamily="34" charset="0"/>
+                          <a:cs typeface="Times New Roman" panose="02020603050405020304" pitchFamily="18" charset="0"/>
+                        </a:rPr>
+                        <a:t>1.078</a:t>
+                      </a:r>
+                    </a:p>
+                  </a:txBody>
+                  <a:tcPr marL="68580" marR="68580" marT="0" marB="0" anchor="ctr">
+                    <a:lnL>
+                      <a:noFill/>
+                    </a:lnL>
+                    <a:lnR>
+                      <a:noFill/>
+                    </a:lnR>
+                    <a:lnT w="12700" cap="flat" cmpd="sng" algn="ctr">
+                      <a:solidFill>
+                        <a:srgbClr val="000000"/>
+                      </a:solidFill>
+                      <a:prstDash val="solid"/>
+                      <a:round/>
+                      <a:headEnd type="none" w="med" len="med"/>
+                      <a:tailEnd type="none" w="med" len="med"/>
+                    </a:lnT>
+                    <a:lnB w="12700" cap="flat" cmpd="sng" algn="ctr">
+                      <a:solidFill>
+                        <a:srgbClr val="000000"/>
+                      </a:solidFill>
+                      <a:prstDash val="solid"/>
+                      <a:round/>
+                      <a:headEnd type="none" w="med" len="med"/>
+                      <a:tailEnd type="none" w="med" len="med"/>
+                    </a:lnB>
+                    <a:noFill/>
+                  </a:tcPr>
+                </a:tc>
+                <a:tc>
+                  <a:txBody>
+                    <a:bodyPr/>
+                    <a:lstStyle/>
+                    <a:p>
+                      <a:pPr algn="ctr">
+                        <a:lnSpc>
+                          <a:spcPct val="107000"/>
+                        </a:lnSpc>
+                        <a:spcAft>
+                          <a:spcPts val="800"/>
+                        </a:spcAft>
+                      </a:pPr>
+                      <a:r>
+                        <a:rPr lang="es-ES" sz="2400" kern="100" dirty="0">
+                          <a:effectLst/>
+                          <a:latin typeface="Times New Roman" panose="02020603050405020304" pitchFamily="18" charset="0"/>
+                          <a:ea typeface="Aptos" panose="020B0004020202020204" pitchFamily="34" charset="0"/>
+                          <a:cs typeface="Times New Roman" panose="02020603050405020304" pitchFamily="18" charset="0"/>
+                        </a:rPr>
+                        <a:t>1.105</a:t>
+                      </a:r>
+                    </a:p>
+                  </a:txBody>
+                  <a:tcPr marL="68580" marR="68580" marT="0" marB="0" anchor="ctr">
+                    <a:lnL>
+                      <a:noFill/>
+                    </a:lnL>
+                    <a:lnR>
+                      <a:noFill/>
+                    </a:lnR>
+                    <a:lnT w="12700" cap="flat" cmpd="sng" algn="ctr">
+                      <a:solidFill>
+                        <a:srgbClr val="000000"/>
+                      </a:solidFill>
+                      <a:prstDash val="solid"/>
+                      <a:round/>
+                      <a:headEnd type="none" w="med" len="med"/>
+                      <a:tailEnd type="none" w="med" len="med"/>
+                    </a:lnT>
+                    <a:lnB w="12700" cap="flat" cmpd="sng" algn="ctr">
+                      <a:solidFill>
+                        <a:srgbClr val="000000"/>
+                      </a:solidFill>
+                      <a:prstDash val="solid"/>
+                      <a:round/>
+                      <a:headEnd type="none" w="med" len="med"/>
+                      <a:tailEnd type="none" w="med" len="med"/>
+                    </a:lnB>
+                    <a:noFill/>
+                  </a:tcPr>
+                </a:tc>
+                <a:tc>
+                  <a:txBody>
+                    <a:bodyPr/>
+                    <a:lstStyle/>
+                    <a:p>
+                      <a:pPr algn="ctr">
+                        <a:lnSpc>
+                          <a:spcPct val="107000"/>
+                        </a:lnSpc>
+                        <a:spcAft>
+                          <a:spcPts val="800"/>
+                        </a:spcAft>
+                      </a:pPr>
+                      <a:r>
+                        <a:rPr lang="es-ES" sz="2400" kern="100" dirty="0">
+                          <a:effectLst/>
+                          <a:latin typeface="Times New Roman" panose="02020603050405020304" pitchFamily="18" charset="0"/>
+                          <a:ea typeface="Aptos" panose="020B0004020202020204" pitchFamily="34" charset="0"/>
+                          <a:cs typeface="Times New Roman" panose="02020603050405020304" pitchFamily="18" charset="0"/>
+                        </a:rPr>
+                        <a:t>1.325</a:t>
+                      </a:r>
+                    </a:p>
+                  </a:txBody>
+                  <a:tcPr marL="68580" marR="68580" marT="0" marB="0" anchor="ctr">
+                    <a:lnL>
+                      <a:noFill/>
+                    </a:lnL>
+                    <a:lnR>
+                      <a:noFill/>
+                    </a:lnR>
+                    <a:lnT w="12700" cap="flat" cmpd="sng" algn="ctr">
+                      <a:solidFill>
+                        <a:srgbClr val="000000"/>
+                      </a:solidFill>
+                      <a:prstDash val="solid"/>
+                      <a:round/>
+                      <a:headEnd type="none" w="med" len="med"/>
+                      <a:tailEnd type="none" w="med" len="med"/>
+                    </a:lnT>
+                    <a:lnB w="12700" cap="flat" cmpd="sng" algn="ctr">
+                      <a:solidFill>
+                        <a:srgbClr val="000000"/>
+                      </a:solidFill>
+                      <a:prstDash val="solid"/>
+                      <a:round/>
+                      <a:headEnd type="none" w="med" len="med"/>
+                      <a:tailEnd type="none" w="med" len="med"/>
+                    </a:lnB>
+                    <a:noFill/>
+                  </a:tcPr>
+                </a:tc>
+                <a:extLst>
+                  <a:ext uri="{0D108BD9-81ED-4DB2-BD59-A6C34878D82A}">
+                    <a16:rowId xmlns:a16="http://schemas.microsoft.com/office/drawing/2014/main" val="1380151671"/>
+                  </a:ext>
+                </a:extLst>
+              </a:tr>
+            </a:tbl>
+          </a:graphicData>
+        </a:graphic>
+      </p:graphicFrame>
+    </p:spTree>
+    <p:extLst>
+      <p:ext uri="{BB962C8B-B14F-4D97-AF65-F5344CB8AC3E}">
+        <p14:creationId xmlns:p14="http://schemas.microsoft.com/office/powerpoint/2010/main" val="1625249783"/>
       </p:ext>
     </p:extLst>
   </p:cSld>
@@ -15728,19 +18362,7 @@
           <a:p>
             <a:r>
               <a:rPr lang="en-US" dirty="0"/>
-              <a:t>B</a:t>
-            </a:r>
-            <a:r>
-              <a:rPr lang="en-US"/>
-              <a:t>y </a:t>
-            </a:r>
-            <a:r>
-              <a:rPr lang="en-US" dirty="0"/>
-              <a:t>incorporating advanced machine learning algorithms, we seek to provide more robust and accurate assessments of </a:t>
-            </a:r>
-            <a:r>
-              <a:rPr lang="en-US"/>
-              <a:t>variable importance.</a:t>
+              <a:t>By incorporating advanced machine learning algorithms, we seek to provide more robust and accurate assessments of variable importance.</a:t>
             </a:r>
             <a:endParaRPr lang="en-GB" dirty="0"/>
           </a:p>

--- a/articulo 1 XAI/Presentación/Presentacion XAI version 1_JA.pptx
+++ b/articulo 1 XAI/Presentación/Presentacion XAI version 1_JA.pptx
@@ -5,7 +5,7 @@
     <p:sldMasterId id="2147483660" r:id="rId1"/>
   </p:sldMasterIdLst>
   <p:notesMasterIdLst>
-    <p:notesMasterId r:id="rId28"/>
+    <p:notesMasterId r:id="rId27"/>
   </p:notesMasterIdLst>
   <p:sldIdLst>
     <p:sldId id="303" r:id="rId2"/>
@@ -27,34 +27,33 @@
     <p:sldId id="328" r:id="rId18"/>
     <p:sldId id="306" r:id="rId19"/>
     <p:sldId id="317" r:id="rId20"/>
-    <p:sldId id="329" r:id="rId21"/>
-    <p:sldId id="330" r:id="rId22"/>
-    <p:sldId id="343" r:id="rId23"/>
-    <p:sldId id="331" r:id="rId24"/>
-    <p:sldId id="299" r:id="rId25"/>
-    <p:sldId id="300" r:id="rId26"/>
-    <p:sldId id="308" r:id="rId27"/>
+    <p:sldId id="330" r:id="rId21"/>
+    <p:sldId id="343" r:id="rId22"/>
+    <p:sldId id="331" r:id="rId23"/>
+    <p:sldId id="299" r:id="rId24"/>
+    <p:sldId id="300" r:id="rId25"/>
+    <p:sldId id="308" r:id="rId26"/>
   </p:sldIdLst>
   <p:sldSz cx="18288000" cy="10288588"/>
   <p:notesSz cx="6858000" cy="9144000"/>
   <p:embeddedFontLst>
     <p:embeddedFont>
       <p:font typeface="Cambria Math" panose="02040503050406030204" pitchFamily="18" charset="0"/>
-      <p:regular r:id="rId29"/>
+      <p:regular r:id="rId28"/>
     </p:embeddedFont>
     <p:embeddedFont>
       <p:font typeface="Candara" panose="020E0502030303020204" pitchFamily="34" charset="0"/>
-      <p:regular r:id="rId30"/>
-      <p:bold r:id="rId31"/>
-      <p:italic r:id="rId32"/>
-      <p:boldItalic r:id="rId33"/>
+      <p:regular r:id="rId29"/>
+      <p:bold r:id="rId30"/>
+      <p:italic r:id="rId31"/>
+      <p:boldItalic r:id="rId32"/>
     </p:embeddedFont>
     <p:embeddedFont>
       <p:font typeface="DIN" panose="020B0604020202020204" charset="0"/>
-      <p:regular r:id="rId34"/>
-      <p:bold r:id="rId35"/>
-      <p:italic r:id="rId36"/>
-      <p:boldItalic r:id="rId37"/>
+      <p:regular r:id="rId33"/>
+      <p:bold r:id="rId34"/>
+      <p:italic r:id="rId35"/>
+      <p:boldItalic r:id="rId36"/>
     </p:embeddedFont>
   </p:embeddedFontLst>
   <p:defaultTextStyle>
@@ -421,7 +420,7 @@
           <a:p>
             <a:fld id="{2DB79FB7-5658-4FB3-B98D-B463C580F970}" type="datetimeFigureOut">
               <a:rPr lang="es-ES" smtClean="0"/>
-              <a:t>09/09/2024</a:t>
+              <a:t>13/09/2024</a:t>
             </a:fld>
             <a:endParaRPr lang="es-ES"/>
           </a:p>
@@ -1575,7 +1574,7 @@
           <a:p>
             <a:fld id="{CA6CDE8D-5C8C-4CEB-8086-70F298F6BBD0}" type="slidenum">
               <a:rPr lang="es-ES" smtClean="0"/>
-              <a:t>25</a:t>
+              <a:t>24</a:t>
             </a:fld>
             <a:endParaRPr lang="es-ES"/>
           </a:p>
@@ -7687,7 +7686,9 @@
         </p:nvSpPr>
         <p:spPr/>
         <p:txBody>
-          <a:bodyPr/>
+          <a:bodyPr>
+            <a:normAutofit/>
+          </a:bodyPr>
           <a:lstStyle/>
           <a:p>
             <a:r>
@@ -7703,25 +7704,16 @@
           </a:p>
           <a:p>
             <a:r>
-              <a:rPr lang="es-ES" dirty="0">
-                <a:solidFill>
-                  <a:schemeClr val="bg2">
-                    <a:lumMod val="90000"/>
-                  </a:schemeClr>
-                </a:solidFill>
-              </a:rPr>
-              <a:t>Economía de la Educación </a:t>
-            </a:r>
-            <a:r>
-              <a:rPr lang="es-ES" i="1" dirty="0">
-                <a:solidFill>
-                  <a:schemeClr val="bg2">
-                    <a:lumMod val="90000"/>
-                  </a:schemeClr>
-                </a:solidFill>
-              </a:rPr>
-              <a:t>(II)</a:t>
-            </a:r>
+              <a:rPr lang="es-ES" sz="2200" dirty="0"/>
+              <a:t>Proyecto PID2022-136383NB-I00 financiado por MCIN/AEI /10.13039/501100011033 /10.13039/501100011033 y por FEDER, UE </a:t>
+            </a:r>
+            <a:endParaRPr lang="es-ES" sz="2200" dirty="0">
+              <a:solidFill>
+                <a:schemeClr val="bg2">
+                  <a:lumMod val="90000"/>
+                </a:schemeClr>
+              </a:solidFill>
+            </a:endParaRPr>
           </a:p>
         </p:txBody>
       </p:sp>
@@ -7821,11 +7813,11 @@
             </a:r>
             <a:r>
               <a:rPr lang="en-GB" dirty="0"/>
-              <a:t> :</a:t>
+              <a:t>:</a:t>
             </a:r>
             <a:r>
               <a:rPr lang="es-ES" dirty="0"/>
-              <a:t> Juan Aparicio, Víctor España, Ricardo González y José Luis </a:t>
+              <a:t> Juan Aparicio, José Luis </a:t>
             </a:r>
             <a:r>
               <a:rPr lang="es-ES" dirty="0" err="1"/>
@@ -7833,11 +7825,47 @@
             </a:r>
             <a:r>
               <a:rPr lang="es-ES" dirty="0"/>
-              <a:t>.</a:t>
-            </a:r>
-          </a:p>
-        </p:txBody>
-      </p:sp>
+              <a:t>, Víctor España y Ricardo González.</a:t>
+            </a:r>
+          </a:p>
+        </p:txBody>
+      </p:sp>
+      <p:pic>
+        <p:nvPicPr>
+          <p:cNvPr id="6" name="Imagen 5" descr="Imagen que contiene Interfaz de usuario gráfica&#10;&#10;Descripción generada automáticamente">
+            <a:extLst>
+              <a:ext uri="{FF2B5EF4-FFF2-40B4-BE49-F238E27FC236}">
+                <a16:creationId xmlns:a16="http://schemas.microsoft.com/office/drawing/2014/main" id="{451EAF99-B28E-A714-473C-49F012DDFB51}"/>
+              </a:ext>
+            </a:extLst>
+          </p:cNvPr>
+          <p:cNvPicPr>
+            <a:picLocks noChangeAspect="1"/>
+          </p:cNvPicPr>
+          <p:nvPr/>
+        </p:nvPicPr>
+        <p:blipFill>
+          <a:blip r:embed="rId3" cstate="print">
+            <a:extLst>
+              <a:ext uri="{28A0092B-C50C-407E-A947-70E740481C1C}">
+                <a14:useLocalDpi xmlns:a14="http://schemas.microsoft.com/office/drawing/2010/main" val="0"/>
+              </a:ext>
+            </a:extLst>
+          </a:blip>
+          <a:stretch>
+            <a:fillRect/>
+          </a:stretch>
+        </p:blipFill>
+        <p:spPr>
+          <a:xfrm>
+            <a:off x="13275424" y="9095003"/>
+            <a:ext cx="4839913" cy="937997"/>
+          </a:xfrm>
+          <a:prstGeom prst="rect">
+            <a:avLst/>
+          </a:prstGeom>
+        </p:spPr>
+      </p:pic>
     </p:spTree>
     <p:extLst>
       <p:ext uri="{BB962C8B-B14F-4D97-AF65-F5344CB8AC3E}">
@@ -8725,15 +8753,7 @@
                           <m:t>+</m:t>
                         </m:r>
                       </m:sub>
-                      <m:sup>
-                        <m:r>
-                          <a:rPr lang="es-ES" b="0" i="1" smtClean="0">
-                            <a:latin typeface="Cambria Math" panose="02040503050406030204" pitchFamily="18" charset="0"/>
-                            <a:ea typeface="Cambria Math" panose="02040503050406030204" pitchFamily="18" charset="0"/>
-                          </a:rPr>
-                          <m:t>𝑠</m:t>
-                        </m:r>
-                      </m:sup>
+                      <m:sup/>
                     </m:sSubSup>
                   </m:oMath>
                 </a14:m>
@@ -8947,8 +8967,8 @@
           </a:p>
         </p:txBody>
       </p:sp>
-      <mc:AlternateContent xmlns:mc="http://schemas.openxmlformats.org/markup-compatibility/2006">
-        <mc:Choice xmlns:a14="http://schemas.microsoft.com/office/drawing/2010/main" Requires="a14">
+      <mc:AlternateContent xmlns:mc="http://schemas.openxmlformats.org/markup-compatibility/2006" xmlns:a14="http://schemas.microsoft.com/office/drawing/2010/main">
+        <mc:Choice Requires="a14">
           <p:sp>
             <p:nvSpPr>
               <p:cNvPr id="3" name="Marcador de contenido 2">
@@ -9112,7 +9132,7 @@
             </p:txBody>
           </p:sp>
         </mc:Choice>
-        <mc:Fallback>
+        <mc:Fallback xmlns="">
           <p:sp>
             <p:nvSpPr>
               <p:cNvPr id="3" name="Marcador de contenido 2">
@@ -9689,16 +9709,7 @@
           <a:p>
             <a:r>
               <a:rPr lang="en-GB" dirty="0"/>
-              <a:t>(Pareto-)Efficient vs </a:t>
-            </a:r>
-          </a:p>
-          <a:p>
-            <a:pPr marL="0" indent="0">
-              <a:buNone/>
-            </a:pPr>
-            <a:r>
-              <a:rPr lang="en-GB" dirty="0"/>
-              <a:t>(Pareto-)inefficient units</a:t>
+              <a:t>Efficient vs inefficient units</a:t>
             </a:r>
           </a:p>
           <a:p>
@@ -11906,183 +11917,6 @@
               <a:rPr lang="es-ES" smtClean="0"/>
               <a:pPr/>
               <a:t>20</a:t>
-            </a:fld>
-            <a:endParaRPr lang="es-ES" dirty="0"/>
-          </a:p>
-        </p:txBody>
-      </p:sp>
-      <p:pic>
-        <p:nvPicPr>
-          <p:cNvPr id="10" name="Imagen 9">
-            <a:extLst>
-              <a:ext uri="{FF2B5EF4-FFF2-40B4-BE49-F238E27FC236}">
-                <a16:creationId xmlns:a16="http://schemas.microsoft.com/office/drawing/2014/main" id="{254E2B35-E4A4-8CAE-9E10-2CFD8EDCB609}"/>
-              </a:ext>
-            </a:extLst>
-          </p:cNvPr>
-          <p:cNvPicPr>
-            <a:picLocks noChangeAspect="1"/>
-          </p:cNvPicPr>
-          <p:nvPr/>
-        </p:nvPicPr>
-        <p:blipFill>
-          <a:blip r:embed="rId2"/>
-          <a:stretch>
-            <a:fillRect/>
-          </a:stretch>
-        </p:blipFill>
-        <p:spPr>
-          <a:xfrm>
-            <a:off x="2769774" y="2653562"/>
-            <a:ext cx="12748452" cy="6413492"/>
-          </a:xfrm>
-          <a:prstGeom prst="rect">
-            <a:avLst/>
-          </a:prstGeom>
-        </p:spPr>
-      </p:pic>
-    </p:spTree>
-    <p:extLst>
-      <p:ext uri="{BB962C8B-B14F-4D97-AF65-F5344CB8AC3E}">
-        <p14:creationId xmlns:p14="http://schemas.microsoft.com/office/powerpoint/2010/main" val="1437152058"/>
-      </p:ext>
-    </p:extLst>
-  </p:cSld>
-  <p:clrMapOvr>
-    <a:masterClrMapping/>
-  </p:clrMapOvr>
-</p:sld>
-</file>
-
-<file path=ppt/slides/slide21.xml><?xml version="1.0" encoding="utf-8"?>
-<p:sld xmlns:a="http://schemas.openxmlformats.org/drawingml/2006/main" xmlns:r="http://schemas.openxmlformats.org/officeDocument/2006/relationships" xmlns:p="http://schemas.openxmlformats.org/presentationml/2006/main">
-  <p:cSld>
-    <p:spTree>
-      <p:nvGrpSpPr>
-        <p:cNvPr id="1" name=""/>
-        <p:cNvGrpSpPr/>
-        <p:nvPr/>
-      </p:nvGrpSpPr>
-      <p:grpSpPr>
-        <a:xfrm>
-          <a:off x="0" y="0"/>
-          <a:ext cx="0" cy="0"/>
-          <a:chOff x="0" y="0"/>
-          <a:chExt cx="0" cy="0"/>
-        </a:xfrm>
-      </p:grpSpPr>
-      <p:sp>
-        <p:nvSpPr>
-          <p:cNvPr id="2" name="Título 1">
-            <a:extLst>
-              <a:ext uri="{FF2B5EF4-FFF2-40B4-BE49-F238E27FC236}">
-                <a16:creationId xmlns:a16="http://schemas.microsoft.com/office/drawing/2014/main" id="{8DA03B8B-503C-2AD5-0C58-C6F2AD684972}"/>
-              </a:ext>
-            </a:extLst>
-          </p:cNvPr>
-          <p:cNvSpPr>
-            <a:spLocks noGrp="1"/>
-          </p:cNvSpPr>
-          <p:nvPr>
-            <p:ph type="title"/>
-          </p:nvPr>
-        </p:nvSpPr>
-        <p:spPr/>
-        <p:txBody>
-          <a:bodyPr/>
-          <a:lstStyle/>
-          <a:p>
-            <a:r>
-              <a:rPr lang="en-US" b="1" dirty="0">
-                <a:latin typeface="Times New Roman" panose="02020603050405020304" pitchFamily="18" charset="0"/>
-                <a:ea typeface="Aptos" panose="020B0004020202020204" pitchFamily="34" charset="0"/>
-              </a:rPr>
-              <a:t>T</a:t>
-            </a:r>
-            <a:r>
-              <a:rPr lang="en-US" sz="6600" b="1" dirty="0">
-                <a:effectLst/>
-                <a:latin typeface="Times New Roman" panose="02020603050405020304" pitchFamily="18" charset="0"/>
-                <a:ea typeface="Aptos" panose="020B0004020202020204" pitchFamily="34" charset="0"/>
-              </a:rPr>
-              <a:t>he efficiency assessment of the Spanish educational sector</a:t>
-            </a:r>
-            <a:endParaRPr lang="en-GB" dirty="0"/>
-          </a:p>
-        </p:txBody>
-      </p:sp>
-      <p:sp>
-        <p:nvSpPr>
-          <p:cNvPr id="4" name="Marcador de pie de página 3">
-            <a:extLst>
-              <a:ext uri="{FF2B5EF4-FFF2-40B4-BE49-F238E27FC236}">
-                <a16:creationId xmlns:a16="http://schemas.microsoft.com/office/drawing/2014/main" id="{87703923-EE12-C293-D06F-AFF34520FABA}"/>
-              </a:ext>
-            </a:extLst>
-          </p:cNvPr>
-          <p:cNvSpPr>
-            <a:spLocks noGrp="1"/>
-          </p:cNvSpPr>
-          <p:nvPr>
-            <p:ph type="ftr" sz="quarter" idx="11"/>
-          </p:nvPr>
-        </p:nvSpPr>
-        <p:spPr/>
-        <p:txBody>
-          <a:bodyPr/>
-          <a:lstStyle/>
-          <a:p>
-            <a:pPr algn="ctr">
-              <a:lnSpc>
-                <a:spcPct val="150000"/>
-              </a:lnSpc>
-              <a:spcAft>
-                <a:spcPts val="800"/>
-              </a:spcAft>
-            </a:pPr>
-            <a:r>
-              <a:rPr lang="en-US" sz="1800" b="1" kern="100" dirty="0">
-                <a:effectLst/>
-                <a:latin typeface="Times New Roman" panose="02020603050405020304" pitchFamily="18" charset="0"/>
-                <a:ea typeface="Aptos" panose="020B0004020202020204" pitchFamily="34" charset="0"/>
-                <a:cs typeface="Times New Roman" panose="02020603050405020304" pitchFamily="18" charset="0"/>
-              </a:rPr>
-              <a:t>A novel approach for efficiency evaluation through the integration of standard Machine Learning classification models and Data Envelopment Analysis</a:t>
-            </a:r>
-            <a:endParaRPr lang="es-ES" sz="1600" kern="100" dirty="0">
-              <a:effectLst/>
-              <a:latin typeface="Times New Roman" panose="02020603050405020304" pitchFamily="18" charset="0"/>
-              <a:ea typeface="Aptos" panose="020B0004020202020204" pitchFamily="34" charset="0"/>
-              <a:cs typeface="Times New Roman" panose="02020603050405020304" pitchFamily="18" charset="0"/>
-            </a:endParaRPr>
-          </a:p>
-        </p:txBody>
-      </p:sp>
-      <p:sp>
-        <p:nvSpPr>
-          <p:cNvPr id="5" name="Marcador de número de diapositiva 4">
-            <a:extLst>
-              <a:ext uri="{FF2B5EF4-FFF2-40B4-BE49-F238E27FC236}">
-                <a16:creationId xmlns:a16="http://schemas.microsoft.com/office/drawing/2014/main" id="{0C3F2C01-39A2-4C46-9D03-67A37C26B66E}"/>
-              </a:ext>
-            </a:extLst>
-          </p:cNvPr>
-          <p:cNvSpPr>
-            <a:spLocks noGrp="1"/>
-          </p:cNvSpPr>
-          <p:nvPr>
-            <p:ph type="sldNum" sz="quarter" idx="12"/>
-          </p:nvPr>
-        </p:nvSpPr>
-        <p:spPr/>
-        <p:txBody>
-          <a:bodyPr/>
-          <a:lstStyle/>
-          <a:p>
-            <a:fld id="{DBFF9636-A71C-488A-89F8-02E08556F10C}" type="slidenum">
-              <a:rPr lang="es-ES" smtClean="0"/>
-              <a:pPr/>
-              <a:t>21</a:t>
             </a:fld>
             <a:endParaRPr lang="es-ES" dirty="0"/>
           </a:p>
@@ -12589,7 +12423,7 @@
 </p:sld>
 </file>
 
-<file path=ppt/slides/slide22.xml><?xml version="1.0" encoding="utf-8"?>
+<file path=ppt/slides/slide21.xml><?xml version="1.0" encoding="utf-8"?>
 <p:sld xmlns:a="http://schemas.openxmlformats.org/drawingml/2006/main" xmlns:r="http://schemas.openxmlformats.org/officeDocument/2006/relationships" xmlns:p="http://schemas.openxmlformats.org/presentationml/2006/main">
   <p:cSld>
     <p:spTree>
@@ -12717,7 +12551,7 @@
             <a:fld id="{DBFF9636-A71C-488A-89F8-02E08556F10C}" type="slidenum">
               <a:rPr lang="es-ES" smtClean="0"/>
               <a:pPr/>
-              <a:t>22</a:t>
+              <a:t>21</a:t>
             </a:fld>
             <a:endParaRPr lang="es-ES" dirty="0"/>
           </a:p>
@@ -13062,7 +12896,15 @@
                         <a:ea typeface="Times New Roman" panose="02020603050405020304" pitchFamily="18" charset="0"/>
                         <a:cs typeface="Times New Roman" panose="02020603050405020304" pitchFamily="18" charset="0"/>
                       </a:rPr>
-                      <m:t> (0, 0.1, 0.01, 0.001, 0.0001)</m:t>
+                      <m:t> (0, 0.1, 0.01, 0.001, 0.</m:t>
+                    </m:r>
+                    <m:r>
+                      <a:rPr lang="en-GB" sz="2000" i="1">
+                        <a:latin typeface="Cambria Math" panose="02040503050406030204" pitchFamily="18" charset="0"/>
+                        <a:ea typeface="Times New Roman" panose="02020603050405020304" pitchFamily="18" charset="0"/>
+                        <a:cs typeface="Times New Roman" panose="02020603050405020304" pitchFamily="18" charset="0"/>
+                      </a:rPr>
+                      <m:t>0001)</m:t>
                     </m:r>
                   </m:oMath>
                 </a14:m>
@@ -14825,7 +14667,7 @@
 </p:sld>
 </file>
 
-<file path=ppt/slides/slide23.xml><?xml version="1.0" encoding="utf-8"?>
+<file path=ppt/slides/slide22.xml><?xml version="1.0" encoding="utf-8"?>
 <p:sld xmlns:a="http://schemas.openxmlformats.org/drawingml/2006/main" xmlns:r="http://schemas.openxmlformats.org/officeDocument/2006/relationships" xmlns:p="http://schemas.openxmlformats.org/presentationml/2006/main">
   <p:cSld>
     <p:spTree>
@@ -14953,7 +14795,7 @@
             <a:fld id="{DBFF9636-A71C-488A-89F8-02E08556F10C}" type="slidenum">
               <a:rPr lang="es-ES" smtClean="0"/>
               <a:pPr/>
-              <a:t>23</a:t>
+              <a:t>22</a:t>
             </a:fld>
             <a:endParaRPr lang="es-ES" dirty="0"/>
           </a:p>
@@ -15622,6 +15464,174 @@
 </p:sld>
 </file>
 
+<file path=ppt/slides/slide23.xml><?xml version="1.0" encoding="utf-8"?>
+<p:sld xmlns:a="http://schemas.openxmlformats.org/drawingml/2006/main" xmlns:r="http://schemas.openxmlformats.org/officeDocument/2006/relationships" xmlns:p="http://schemas.openxmlformats.org/presentationml/2006/main">
+  <p:cSld>
+    <p:spTree>
+      <p:nvGrpSpPr>
+        <p:cNvPr id="1" name=""/>
+        <p:cNvGrpSpPr/>
+        <p:nvPr/>
+      </p:nvGrpSpPr>
+      <p:grpSpPr>
+        <a:xfrm>
+          <a:off x="0" y="0"/>
+          <a:ext cx="0" cy="0"/>
+          <a:chOff x="0" y="0"/>
+          <a:chExt cx="0" cy="0"/>
+        </a:xfrm>
+      </p:grpSpPr>
+      <p:sp>
+        <p:nvSpPr>
+          <p:cNvPr id="2" name="Título 1">
+            <a:extLst>
+              <a:ext uri="{FF2B5EF4-FFF2-40B4-BE49-F238E27FC236}">
+                <a16:creationId xmlns:a16="http://schemas.microsoft.com/office/drawing/2014/main" id="{7E6F7C6D-E0AF-490E-9E5A-F4C048143A84}"/>
+              </a:ext>
+            </a:extLst>
+          </p:cNvPr>
+          <p:cNvSpPr>
+            <a:spLocks noGrp="1"/>
+          </p:cNvSpPr>
+          <p:nvPr>
+            <p:ph type="ctrTitle"/>
+          </p:nvPr>
+        </p:nvSpPr>
+        <p:spPr/>
+        <p:txBody>
+          <a:bodyPr/>
+          <a:lstStyle/>
+          <a:p>
+            <a:r>
+              <a:rPr lang="en-AU" dirty="0"/>
+              <a:t>Conclusions</a:t>
+            </a:r>
+          </a:p>
+        </p:txBody>
+      </p:sp>
+      <p:sp>
+        <p:nvSpPr>
+          <p:cNvPr id="3" name="Subtítulo 2">
+            <a:extLst>
+              <a:ext uri="{FF2B5EF4-FFF2-40B4-BE49-F238E27FC236}">
+                <a16:creationId xmlns:a16="http://schemas.microsoft.com/office/drawing/2014/main" id="{0007DEAC-7696-4173-A148-816E4E3A13EC}"/>
+              </a:ext>
+            </a:extLst>
+          </p:cNvPr>
+          <p:cNvSpPr>
+            <a:spLocks noGrp="1"/>
+          </p:cNvSpPr>
+          <p:nvPr>
+            <p:ph type="subTitle" idx="1"/>
+          </p:nvPr>
+        </p:nvSpPr>
+        <p:spPr/>
+        <p:txBody>
+          <a:bodyPr/>
+          <a:lstStyle/>
+          <a:p>
+            <a:r>
+              <a:rPr lang="en-AU" dirty="0"/>
+              <a:t>…and future work</a:t>
+            </a:r>
+          </a:p>
+        </p:txBody>
+      </p:sp>
+      <p:sp>
+        <p:nvSpPr>
+          <p:cNvPr id="5" name="Marcador de número de diapositiva 4">
+            <a:extLst>
+              <a:ext uri="{FF2B5EF4-FFF2-40B4-BE49-F238E27FC236}">
+                <a16:creationId xmlns:a16="http://schemas.microsoft.com/office/drawing/2014/main" id="{5251A515-BDA9-4865-AD11-9A33425E6455}"/>
+              </a:ext>
+            </a:extLst>
+          </p:cNvPr>
+          <p:cNvSpPr>
+            <a:spLocks noGrp="1"/>
+          </p:cNvSpPr>
+          <p:nvPr>
+            <p:ph type="sldNum" sz="quarter" idx="12"/>
+          </p:nvPr>
+        </p:nvSpPr>
+        <p:spPr/>
+        <p:txBody>
+          <a:bodyPr/>
+          <a:lstStyle/>
+          <a:p>
+            <a:fld id="{DBFF9636-A71C-488A-89F8-02E08556F10C}" type="slidenum">
+              <a:rPr lang="es-ES" smtClean="0"/>
+              <a:pPr/>
+              <a:t>23</a:t>
+            </a:fld>
+            <a:endParaRPr lang="es-ES" dirty="0"/>
+          </a:p>
+        </p:txBody>
+      </p:sp>
+      <p:sp>
+        <p:nvSpPr>
+          <p:cNvPr id="8" name="Marcador de pie de página 3">
+            <a:extLst>
+              <a:ext uri="{FF2B5EF4-FFF2-40B4-BE49-F238E27FC236}">
+                <a16:creationId xmlns:a16="http://schemas.microsoft.com/office/drawing/2014/main" id="{753E6566-2BAD-B1B0-3212-B01DCE02F350}"/>
+              </a:ext>
+            </a:extLst>
+          </p:cNvPr>
+          <p:cNvSpPr>
+            <a:spLocks noGrp="1"/>
+          </p:cNvSpPr>
+          <p:nvPr>
+            <p:ph type="ftr" sz="quarter" idx="11"/>
+          </p:nvPr>
+        </p:nvSpPr>
+        <p:spPr>
+          <a:xfrm>
+            <a:off x="1653085" y="9628939"/>
+            <a:ext cx="13031905" cy="547772"/>
+          </a:xfrm>
+        </p:spPr>
+        <p:txBody>
+          <a:bodyPr/>
+          <a:lstStyle/>
+          <a:p>
+            <a:pPr algn="ctr">
+              <a:lnSpc>
+                <a:spcPct val="150000"/>
+              </a:lnSpc>
+              <a:spcAft>
+                <a:spcPts val="800"/>
+              </a:spcAft>
+            </a:pPr>
+            <a:r>
+              <a:rPr lang="en-US" sz="1800" b="1" kern="100" dirty="0">
+                <a:effectLst/>
+                <a:latin typeface="Times New Roman" panose="02020603050405020304" pitchFamily="18" charset="0"/>
+                <a:ea typeface="Aptos" panose="020B0004020202020204" pitchFamily="34" charset="0"/>
+                <a:cs typeface="Times New Roman" panose="02020603050405020304" pitchFamily="18" charset="0"/>
+              </a:rPr>
+              <a:t>A novel approach for efficiency evaluation through the integration of standard Machine Learning classification models and Data Envelopment Analysis</a:t>
+            </a:r>
+            <a:endParaRPr lang="es-ES" sz="1600" kern="100" dirty="0">
+              <a:effectLst/>
+              <a:latin typeface="Times New Roman" panose="02020603050405020304" pitchFamily="18" charset="0"/>
+              <a:ea typeface="Aptos" panose="020B0004020202020204" pitchFamily="34" charset="0"/>
+              <a:cs typeface="Times New Roman" panose="02020603050405020304" pitchFamily="18" charset="0"/>
+            </a:endParaRPr>
+          </a:p>
+        </p:txBody>
+      </p:sp>
+    </p:spTree>
+    <p:extLst>
+      <p:ext uri="{BB962C8B-B14F-4D97-AF65-F5344CB8AC3E}">
+        <p14:creationId xmlns:p14="http://schemas.microsoft.com/office/powerpoint/2010/main" val="4150142494"/>
+      </p:ext>
+    </p:extLst>
+  </p:cSld>
+  <p:clrMapOvr>
+    <a:masterClrMapping/>
+  </p:clrMapOvr>
+</p:sld>
+</file>
+
 <file path=ppt/slides/slide24.xml><?xml version="1.0" encoding="utf-8"?>
 <p:sld xmlns:a="http://schemas.openxmlformats.org/drawingml/2006/main" xmlns:r="http://schemas.openxmlformats.org/officeDocument/2006/relationships" xmlns:p="http://schemas.openxmlformats.org/presentationml/2006/main">
   <p:cSld>
@@ -15644,174 +15654,6 @@
           <p:cNvPr id="2" name="Título 1">
             <a:extLst>
               <a:ext uri="{FF2B5EF4-FFF2-40B4-BE49-F238E27FC236}">
-                <a16:creationId xmlns:a16="http://schemas.microsoft.com/office/drawing/2014/main" id="{7E6F7C6D-E0AF-490E-9E5A-F4C048143A84}"/>
-              </a:ext>
-            </a:extLst>
-          </p:cNvPr>
-          <p:cNvSpPr>
-            <a:spLocks noGrp="1"/>
-          </p:cNvSpPr>
-          <p:nvPr>
-            <p:ph type="ctrTitle"/>
-          </p:nvPr>
-        </p:nvSpPr>
-        <p:spPr/>
-        <p:txBody>
-          <a:bodyPr/>
-          <a:lstStyle/>
-          <a:p>
-            <a:r>
-              <a:rPr lang="en-AU" dirty="0"/>
-              <a:t>Conclusions</a:t>
-            </a:r>
-          </a:p>
-        </p:txBody>
-      </p:sp>
-      <p:sp>
-        <p:nvSpPr>
-          <p:cNvPr id="3" name="Subtítulo 2">
-            <a:extLst>
-              <a:ext uri="{FF2B5EF4-FFF2-40B4-BE49-F238E27FC236}">
-                <a16:creationId xmlns:a16="http://schemas.microsoft.com/office/drawing/2014/main" id="{0007DEAC-7696-4173-A148-816E4E3A13EC}"/>
-              </a:ext>
-            </a:extLst>
-          </p:cNvPr>
-          <p:cNvSpPr>
-            <a:spLocks noGrp="1"/>
-          </p:cNvSpPr>
-          <p:nvPr>
-            <p:ph type="subTitle" idx="1"/>
-          </p:nvPr>
-        </p:nvSpPr>
-        <p:spPr/>
-        <p:txBody>
-          <a:bodyPr/>
-          <a:lstStyle/>
-          <a:p>
-            <a:r>
-              <a:rPr lang="en-AU" dirty="0"/>
-              <a:t>…and future work</a:t>
-            </a:r>
-          </a:p>
-        </p:txBody>
-      </p:sp>
-      <p:sp>
-        <p:nvSpPr>
-          <p:cNvPr id="5" name="Marcador de número de diapositiva 4">
-            <a:extLst>
-              <a:ext uri="{FF2B5EF4-FFF2-40B4-BE49-F238E27FC236}">
-                <a16:creationId xmlns:a16="http://schemas.microsoft.com/office/drawing/2014/main" id="{5251A515-BDA9-4865-AD11-9A33425E6455}"/>
-              </a:ext>
-            </a:extLst>
-          </p:cNvPr>
-          <p:cNvSpPr>
-            <a:spLocks noGrp="1"/>
-          </p:cNvSpPr>
-          <p:nvPr>
-            <p:ph type="sldNum" sz="quarter" idx="12"/>
-          </p:nvPr>
-        </p:nvSpPr>
-        <p:spPr/>
-        <p:txBody>
-          <a:bodyPr/>
-          <a:lstStyle/>
-          <a:p>
-            <a:fld id="{DBFF9636-A71C-488A-89F8-02E08556F10C}" type="slidenum">
-              <a:rPr lang="es-ES" smtClean="0"/>
-              <a:pPr/>
-              <a:t>24</a:t>
-            </a:fld>
-            <a:endParaRPr lang="es-ES" dirty="0"/>
-          </a:p>
-        </p:txBody>
-      </p:sp>
-      <p:sp>
-        <p:nvSpPr>
-          <p:cNvPr id="8" name="Marcador de pie de página 3">
-            <a:extLst>
-              <a:ext uri="{FF2B5EF4-FFF2-40B4-BE49-F238E27FC236}">
-                <a16:creationId xmlns:a16="http://schemas.microsoft.com/office/drawing/2014/main" id="{753E6566-2BAD-B1B0-3212-B01DCE02F350}"/>
-              </a:ext>
-            </a:extLst>
-          </p:cNvPr>
-          <p:cNvSpPr>
-            <a:spLocks noGrp="1"/>
-          </p:cNvSpPr>
-          <p:nvPr>
-            <p:ph type="ftr" sz="quarter" idx="11"/>
-          </p:nvPr>
-        </p:nvSpPr>
-        <p:spPr>
-          <a:xfrm>
-            <a:off x="1653085" y="9628939"/>
-            <a:ext cx="13031905" cy="547772"/>
-          </a:xfrm>
-        </p:spPr>
-        <p:txBody>
-          <a:bodyPr/>
-          <a:lstStyle/>
-          <a:p>
-            <a:pPr algn="ctr">
-              <a:lnSpc>
-                <a:spcPct val="150000"/>
-              </a:lnSpc>
-              <a:spcAft>
-                <a:spcPts val="800"/>
-              </a:spcAft>
-            </a:pPr>
-            <a:r>
-              <a:rPr lang="en-US" sz="1800" b="1" kern="100" dirty="0">
-                <a:effectLst/>
-                <a:latin typeface="Times New Roman" panose="02020603050405020304" pitchFamily="18" charset="0"/>
-                <a:ea typeface="Aptos" panose="020B0004020202020204" pitchFamily="34" charset="0"/>
-                <a:cs typeface="Times New Roman" panose="02020603050405020304" pitchFamily="18" charset="0"/>
-              </a:rPr>
-              <a:t>A novel approach for efficiency evaluation through the integration of standard Machine Learning classification models and Data Envelopment Analysis</a:t>
-            </a:r>
-            <a:endParaRPr lang="es-ES" sz="1600" kern="100" dirty="0">
-              <a:effectLst/>
-              <a:latin typeface="Times New Roman" panose="02020603050405020304" pitchFamily="18" charset="0"/>
-              <a:ea typeface="Aptos" panose="020B0004020202020204" pitchFamily="34" charset="0"/>
-              <a:cs typeface="Times New Roman" panose="02020603050405020304" pitchFamily="18" charset="0"/>
-            </a:endParaRPr>
-          </a:p>
-        </p:txBody>
-      </p:sp>
-    </p:spTree>
-    <p:extLst>
-      <p:ext uri="{BB962C8B-B14F-4D97-AF65-F5344CB8AC3E}">
-        <p14:creationId xmlns:p14="http://schemas.microsoft.com/office/powerpoint/2010/main" val="4150142494"/>
-      </p:ext>
-    </p:extLst>
-  </p:cSld>
-  <p:clrMapOvr>
-    <a:masterClrMapping/>
-  </p:clrMapOvr>
-</p:sld>
-</file>
-
-<file path=ppt/slides/slide25.xml><?xml version="1.0" encoding="utf-8"?>
-<p:sld xmlns:a="http://schemas.openxmlformats.org/drawingml/2006/main" xmlns:r="http://schemas.openxmlformats.org/officeDocument/2006/relationships" xmlns:p="http://schemas.openxmlformats.org/presentationml/2006/main">
-  <p:cSld>
-    <p:spTree>
-      <p:nvGrpSpPr>
-        <p:cNvPr id="1" name=""/>
-        <p:cNvGrpSpPr/>
-        <p:nvPr/>
-      </p:nvGrpSpPr>
-      <p:grpSpPr>
-        <a:xfrm>
-          <a:off x="0" y="0"/>
-          <a:ext cx="0" cy="0"/>
-          <a:chOff x="0" y="0"/>
-          <a:chExt cx="0" cy="0"/>
-        </a:xfrm>
-      </p:grpSpPr>
-      <p:sp>
-        <p:nvSpPr>
-          <p:cNvPr id="2" name="Título 1">
-            <a:extLst>
-              <a:ext uri="{FF2B5EF4-FFF2-40B4-BE49-F238E27FC236}">
                 <a16:creationId xmlns:a16="http://schemas.microsoft.com/office/drawing/2014/main" id="{7F54F64B-6833-45E8-996B-E75CA3ABD804}"/>
               </a:ext>
             </a:extLst>
@@ -15859,7 +15701,7 @@
             <a:fld id="{DBFF9636-A71C-488A-89F8-02E08556F10C}" type="slidenum">
               <a:rPr lang="es-ES" smtClean="0"/>
               <a:pPr/>
-              <a:t>25</a:t>
+              <a:t>24</a:t>
             </a:fld>
             <a:endParaRPr lang="es-ES" dirty="0"/>
           </a:p>
@@ -16211,7 +16053,7 @@
 </p:sld>
 </file>
 
-<file path=ppt/slides/slide26.xml><?xml version="1.0" encoding="utf-8"?>
+<file path=ppt/slides/slide25.xml><?xml version="1.0" encoding="utf-8"?>
 <p:sld xmlns:a="http://schemas.openxmlformats.org/drawingml/2006/main" xmlns:r="http://schemas.openxmlformats.org/officeDocument/2006/relationships" xmlns:p="http://schemas.openxmlformats.org/presentationml/2006/main">
   <p:cSld>
     <p:spTree>
@@ -16262,25 +16104,16 @@
           </a:p>
           <a:p>
             <a:r>
-              <a:rPr lang="es-ES" dirty="0">
-                <a:solidFill>
-                  <a:schemeClr val="bg2">
-                    <a:lumMod val="90000"/>
-                  </a:schemeClr>
-                </a:solidFill>
-              </a:rPr>
-              <a:t>Economía de la Educación </a:t>
-            </a:r>
-            <a:r>
-              <a:rPr lang="es-ES" i="1" dirty="0">
-                <a:solidFill>
-                  <a:schemeClr val="bg2">
-                    <a:lumMod val="90000"/>
-                  </a:schemeClr>
-                </a:solidFill>
-              </a:rPr>
-              <a:t>(II)</a:t>
-            </a:r>
+              <a:rPr lang="es-ES" sz="2200" dirty="0"/>
+              <a:t>Proyecto PID2022-136383NB-I00 financiado por MCIN/AEI /10.13039/501100011033 /10.13039/501100011033 y por FEDER, UE </a:t>
+            </a:r>
+            <a:endParaRPr lang="es-ES" sz="2200" dirty="0">
+              <a:solidFill>
+                <a:schemeClr val="bg2">
+                  <a:lumMod val="90000"/>
+                </a:schemeClr>
+              </a:solidFill>
+            </a:endParaRPr>
           </a:p>
         </p:txBody>
       </p:sp>
@@ -16312,6 +16145,42 @@
           </a:p>
         </p:txBody>
       </p:sp>
+      <p:pic>
+        <p:nvPicPr>
+          <p:cNvPr id="4" name="Imagen 3" descr="Imagen que contiene Interfaz de usuario gráfica&#10;&#10;Descripción generada automáticamente">
+            <a:extLst>
+              <a:ext uri="{FF2B5EF4-FFF2-40B4-BE49-F238E27FC236}">
+                <a16:creationId xmlns:a16="http://schemas.microsoft.com/office/drawing/2014/main" id="{5D44F6E7-EF60-E842-42CA-1EEEA472D97D}"/>
+              </a:ext>
+            </a:extLst>
+          </p:cNvPr>
+          <p:cNvPicPr>
+            <a:picLocks noChangeAspect="1"/>
+          </p:cNvPicPr>
+          <p:nvPr/>
+        </p:nvPicPr>
+        <p:blipFill>
+          <a:blip r:embed="rId2" cstate="print">
+            <a:extLst>
+              <a:ext uri="{28A0092B-C50C-407E-A947-70E740481C1C}">
+                <a14:useLocalDpi xmlns:a14="http://schemas.microsoft.com/office/drawing/2010/main" val="0"/>
+              </a:ext>
+            </a:extLst>
+          </a:blip>
+          <a:stretch>
+            <a:fillRect/>
+          </a:stretch>
+        </p:blipFill>
+        <p:spPr>
+          <a:xfrm>
+            <a:off x="6475613" y="9003563"/>
+            <a:ext cx="4839913" cy="937997"/>
+          </a:xfrm>
+          <a:prstGeom prst="rect">
+            <a:avLst/>
+          </a:prstGeom>
+        </p:spPr>
+      </p:pic>
     </p:spTree>
     <p:extLst>
       <p:ext uri="{BB962C8B-B14F-4D97-AF65-F5344CB8AC3E}">
